--- a/Projet/Presentation/Presentation_Groupe05.pptx
+++ b/Projet/Presentation/Presentation_Groupe05.pptx
@@ -1860,7 +1860,7 @@
           <p:cNvPr id="2" name="Title 1">
             <a:extLst>
               <a:ext uri="{FF2B5EF4-FFF2-40B4-BE49-F238E27FC236}">
-                <a16:creationId xmlns="" xmlns:a16="http://schemas.microsoft.com/office/drawing/2014/main" id="{75A2D3C5-0BBA-4475-A74A-9B10CE13EB0E}"/>
+                <a16:creationId xmlns:a16="http://schemas.microsoft.com/office/drawing/2014/main" xmlns="" id="{75A2D3C5-0BBA-4475-A74A-9B10CE13EB0E}"/>
               </a:ext>
             </a:extLst>
           </p:cNvPr>
@@ -2024,7 +2024,7 @@
           <p:cNvPr id="2" name="Title 1">
             <a:extLst>
               <a:ext uri="{FF2B5EF4-FFF2-40B4-BE49-F238E27FC236}">
-                <a16:creationId xmlns="" xmlns:a16="http://schemas.microsoft.com/office/drawing/2014/main" id="{45682A82-1886-4648-8B15-A4EEC660AA63}"/>
+                <a16:creationId xmlns:a16="http://schemas.microsoft.com/office/drawing/2014/main" xmlns="" id="{45682A82-1886-4648-8B15-A4EEC660AA63}"/>
               </a:ext>
             </a:extLst>
           </p:cNvPr>
@@ -2987,7 +2987,7 @@
           <p:cNvPr id="2" name="Title 1">
             <a:extLst>
               <a:ext uri="{FF2B5EF4-FFF2-40B4-BE49-F238E27FC236}">
-                <a16:creationId xmlns="" xmlns:a16="http://schemas.microsoft.com/office/drawing/2014/main" id="{A6382AAE-12BB-4123-9126-EC8008489960}"/>
+                <a16:creationId xmlns:a16="http://schemas.microsoft.com/office/drawing/2014/main" xmlns="" id="{A6382AAE-12BB-4123-9126-EC8008489960}"/>
               </a:ext>
             </a:extLst>
           </p:cNvPr>
@@ -5805,7 +5805,7 @@
           <p:cNvPr id="2" name="Picture 2" descr="RÃ©sultat de recherche d'images pour &quot;ynov lyon&quot;">
             <a:extLst>
               <a:ext uri="{FF2B5EF4-FFF2-40B4-BE49-F238E27FC236}">
-                <a16:creationId xmlns="" xmlns:a16="http://schemas.microsoft.com/office/drawing/2014/main" id="{92ABB00D-ADA6-4A5E-80E9-D89620C9233F}"/>
+                <a16:creationId xmlns:a16="http://schemas.microsoft.com/office/drawing/2014/main" xmlns="" id="{92ABB00D-ADA6-4A5E-80E9-D89620C9233F}"/>
               </a:ext>
             </a:extLst>
           </p:cNvPr>
@@ -6332,7 +6332,7 @@
           <p:cNvPr id="3" name="Text Placeholder 2">
             <a:extLst>
               <a:ext uri="{FF2B5EF4-FFF2-40B4-BE49-F238E27FC236}">
-                <a16:creationId xmlns="" xmlns:a16="http://schemas.microsoft.com/office/drawing/2014/main" id="{60DBFCC4-DB58-4F06-97D0-A741F5586722}"/>
+                <a16:creationId xmlns:a16="http://schemas.microsoft.com/office/drawing/2014/main" xmlns="" id="{60DBFCC4-DB58-4F06-97D0-A741F5586722}"/>
               </a:ext>
             </a:extLst>
           </p:cNvPr>
@@ -6365,7 +6365,7 @@
           <p:cNvPr id="1026" name="Picture 2" descr="RÃ©sultat de recherche d'images pour &quot;ynov lyon&quot;">
             <a:extLst>
               <a:ext uri="{FF2B5EF4-FFF2-40B4-BE49-F238E27FC236}">
-                <a16:creationId xmlns="" xmlns:a16="http://schemas.microsoft.com/office/drawing/2014/main" id="{6EB9BD3B-0D8D-4FB9-B6AA-34EEBF39FE67}"/>
+                <a16:creationId xmlns:a16="http://schemas.microsoft.com/office/drawing/2014/main" xmlns="" id="{6EB9BD3B-0D8D-4FB9-B6AA-34EEBF39FE67}"/>
               </a:ext>
             </a:extLst>
           </p:cNvPr>
@@ -6412,7 +6412,7 @@
           <p:cNvPr id="2" name="TextBox 1">
             <a:extLst>
               <a:ext uri="{FF2B5EF4-FFF2-40B4-BE49-F238E27FC236}">
-                <a16:creationId xmlns="" xmlns:a16="http://schemas.microsoft.com/office/drawing/2014/main" id="{0499A71F-347A-4043-B5B9-A2E6917C84E7}"/>
+                <a16:creationId xmlns:a16="http://schemas.microsoft.com/office/drawing/2014/main" xmlns="" id="{0499A71F-347A-4043-B5B9-A2E6917C84E7}"/>
               </a:ext>
             </a:extLst>
           </p:cNvPr>
@@ -6456,7 +6456,7 @@
           <p:cNvPr id="6" name="TextBox 5">
             <a:extLst>
               <a:ext uri="{FF2B5EF4-FFF2-40B4-BE49-F238E27FC236}">
-                <a16:creationId xmlns="" xmlns:a16="http://schemas.microsoft.com/office/drawing/2014/main" id="{A664C523-DC2F-4D39-853C-07F0BFDABF81}"/>
+                <a16:creationId xmlns:a16="http://schemas.microsoft.com/office/drawing/2014/main" xmlns="" id="{A664C523-DC2F-4D39-853C-07F0BFDABF81}"/>
               </a:ext>
             </a:extLst>
           </p:cNvPr>
@@ -6530,7 +6530,7 @@
           <p:cNvPr id="2" name="Text Placeholder 1">
             <a:extLst>
               <a:ext uri="{FF2B5EF4-FFF2-40B4-BE49-F238E27FC236}">
-                <a16:creationId xmlns="" xmlns:a16="http://schemas.microsoft.com/office/drawing/2014/main" id="{53DBDAB2-BE11-4B9D-85BC-5DE3D2A0A607}"/>
+                <a16:creationId xmlns:a16="http://schemas.microsoft.com/office/drawing/2014/main" xmlns="" id="{53DBDAB2-BE11-4B9D-85BC-5DE3D2A0A607}"/>
               </a:ext>
             </a:extLst>
           </p:cNvPr>
@@ -6670,7 +6670,7 @@
           <p:cNvPr id="3" name="Text Placeholder 2">
             <a:extLst>
               <a:ext uri="{FF2B5EF4-FFF2-40B4-BE49-F238E27FC236}">
-                <a16:creationId xmlns="" xmlns:a16="http://schemas.microsoft.com/office/drawing/2014/main" id="{EBDB337E-4389-4B90-8B96-853A42017204}"/>
+                <a16:creationId xmlns:a16="http://schemas.microsoft.com/office/drawing/2014/main" xmlns="" id="{EBDB337E-4389-4B90-8B96-853A42017204}"/>
               </a:ext>
             </a:extLst>
           </p:cNvPr>
@@ -6707,7 +6707,7 @@
           <p:cNvPr id="4" name="Title 3">
             <a:extLst>
               <a:ext uri="{FF2B5EF4-FFF2-40B4-BE49-F238E27FC236}">
-                <a16:creationId xmlns="" xmlns:a16="http://schemas.microsoft.com/office/drawing/2014/main" id="{F9ED67B2-9414-4565-B91A-5A6339FF2E1B}"/>
+                <a16:creationId xmlns:a16="http://schemas.microsoft.com/office/drawing/2014/main" xmlns="" id="{F9ED67B2-9414-4565-B91A-5A6339FF2E1B}"/>
               </a:ext>
             </a:extLst>
           </p:cNvPr>
@@ -6778,7 +6778,7 @@
           <p:cNvPr id="2" name="Text Placeholder 1">
             <a:extLst>
               <a:ext uri="{FF2B5EF4-FFF2-40B4-BE49-F238E27FC236}">
-                <a16:creationId xmlns="" xmlns:a16="http://schemas.microsoft.com/office/drawing/2014/main" id="{62737593-5087-4FE7-BE7B-97290A8959AA}"/>
+                <a16:creationId xmlns:a16="http://schemas.microsoft.com/office/drawing/2014/main" xmlns="" id="{62737593-5087-4FE7-BE7B-97290A8959AA}"/>
               </a:ext>
             </a:extLst>
           </p:cNvPr>
@@ -6820,7 +6820,7 @@
           <p:cNvPr id="3" name="Text Placeholder 2">
             <a:extLst>
               <a:ext uri="{FF2B5EF4-FFF2-40B4-BE49-F238E27FC236}">
-                <a16:creationId xmlns="" xmlns:a16="http://schemas.microsoft.com/office/drawing/2014/main" id="{8013265B-6882-42AD-B306-1AACB5831960}"/>
+                <a16:creationId xmlns:a16="http://schemas.microsoft.com/office/drawing/2014/main" xmlns="" id="{8013265B-6882-42AD-B306-1AACB5831960}"/>
               </a:ext>
             </a:extLst>
           </p:cNvPr>
@@ -6857,7 +6857,7 @@
           <p:cNvPr id="4" name="Title 3">
             <a:extLst>
               <a:ext uri="{FF2B5EF4-FFF2-40B4-BE49-F238E27FC236}">
-                <a16:creationId xmlns="" xmlns:a16="http://schemas.microsoft.com/office/drawing/2014/main" id="{B58880D4-F928-4BAB-8F86-FB3A27D3AE1E}"/>
+                <a16:creationId xmlns:a16="http://schemas.microsoft.com/office/drawing/2014/main" xmlns="" id="{B58880D4-F928-4BAB-8F86-FB3A27D3AE1E}"/>
               </a:ext>
             </a:extLst>
           </p:cNvPr>
@@ -6879,11 +6879,7 @@
             </a:r>
             <a:r>
               <a:rPr lang="fr-FR" dirty="0" smtClean="0"/>
-              <a:t>Planning [</a:t>
-            </a:r>
-            <a:r>
-              <a:rPr lang="fr-FR" dirty="0" smtClean="0"/>
-              <a:t>1/3]</a:t>
+              <a:t>Planning [1/3]</a:t>
             </a:r>
             <a:endParaRPr lang="en-US" dirty="0"/>
           </a:p>
@@ -6948,7 +6944,7 @@
           <p:cNvPr id="2" name="Text Placeholder 1">
             <a:extLst>
               <a:ext uri="{FF2B5EF4-FFF2-40B4-BE49-F238E27FC236}">
-                <a16:creationId xmlns="" xmlns:a16="http://schemas.microsoft.com/office/drawing/2014/main" id="{62737593-5087-4FE7-BE7B-97290A8959AA}"/>
+                <a16:creationId xmlns:a16="http://schemas.microsoft.com/office/drawing/2014/main" xmlns="" id="{62737593-5087-4FE7-BE7B-97290A8959AA}"/>
               </a:ext>
             </a:extLst>
           </p:cNvPr>
@@ -7033,7 +7029,7 @@
           <p:cNvPr id="3" name="Text Placeholder 2">
             <a:extLst>
               <a:ext uri="{FF2B5EF4-FFF2-40B4-BE49-F238E27FC236}">
-                <a16:creationId xmlns="" xmlns:a16="http://schemas.microsoft.com/office/drawing/2014/main" id="{8013265B-6882-42AD-B306-1AACB5831960}"/>
+                <a16:creationId xmlns:a16="http://schemas.microsoft.com/office/drawing/2014/main" xmlns="" id="{8013265B-6882-42AD-B306-1AACB5831960}"/>
               </a:ext>
             </a:extLst>
           </p:cNvPr>
@@ -7070,7 +7066,7 @@
           <p:cNvPr id="4" name="Title 3">
             <a:extLst>
               <a:ext uri="{FF2B5EF4-FFF2-40B4-BE49-F238E27FC236}">
-                <a16:creationId xmlns="" xmlns:a16="http://schemas.microsoft.com/office/drawing/2014/main" id="{B58880D4-F928-4BAB-8F86-FB3A27D3AE1E}"/>
+                <a16:creationId xmlns:a16="http://schemas.microsoft.com/office/drawing/2014/main" xmlns="" id="{B58880D4-F928-4BAB-8F86-FB3A27D3AE1E}"/>
               </a:ext>
             </a:extLst>
           </p:cNvPr>
@@ -7092,11 +7088,7 @@
             </a:r>
             <a:r>
               <a:rPr lang="fr-FR" dirty="0" smtClean="0"/>
-              <a:t>Planning </a:t>
-            </a:r>
-            <a:r>
-              <a:rPr lang="fr-FR" dirty="0" smtClean="0"/>
-              <a:t>[</a:t>
+              <a:t>Planning [</a:t>
             </a:r>
             <a:r>
               <a:rPr lang="fr-FR" dirty="0"/>
@@ -7145,7 +7137,7 @@
           <p:cNvPr id="2" name="Text Placeholder 1">
             <a:extLst>
               <a:ext uri="{FF2B5EF4-FFF2-40B4-BE49-F238E27FC236}">
-                <a16:creationId xmlns="" xmlns:a16="http://schemas.microsoft.com/office/drawing/2014/main" id="{62737593-5087-4FE7-BE7B-97290A8959AA}"/>
+                <a16:creationId xmlns:a16="http://schemas.microsoft.com/office/drawing/2014/main" xmlns="" id="{62737593-5087-4FE7-BE7B-97290A8959AA}"/>
               </a:ext>
             </a:extLst>
           </p:cNvPr>
@@ -7214,7 +7206,7 @@
           <p:cNvPr id="3" name="Text Placeholder 2">
             <a:extLst>
               <a:ext uri="{FF2B5EF4-FFF2-40B4-BE49-F238E27FC236}">
-                <a16:creationId xmlns="" xmlns:a16="http://schemas.microsoft.com/office/drawing/2014/main" id="{8013265B-6882-42AD-B306-1AACB5831960}"/>
+                <a16:creationId xmlns:a16="http://schemas.microsoft.com/office/drawing/2014/main" xmlns="" id="{8013265B-6882-42AD-B306-1AACB5831960}"/>
               </a:ext>
             </a:extLst>
           </p:cNvPr>
@@ -7251,7 +7243,7 @@
           <p:cNvPr id="4" name="Title 3">
             <a:extLst>
               <a:ext uri="{FF2B5EF4-FFF2-40B4-BE49-F238E27FC236}">
-                <a16:creationId xmlns="" xmlns:a16="http://schemas.microsoft.com/office/drawing/2014/main" id="{B58880D4-F928-4BAB-8F86-FB3A27D3AE1E}"/>
+                <a16:creationId xmlns:a16="http://schemas.microsoft.com/office/drawing/2014/main" xmlns="" id="{B58880D4-F928-4BAB-8F86-FB3A27D3AE1E}"/>
               </a:ext>
             </a:extLst>
           </p:cNvPr>
@@ -7273,11 +7265,7 @@
             </a:r>
             <a:r>
               <a:rPr lang="fr-FR" dirty="0" smtClean="0"/>
-              <a:t>Planning </a:t>
-            </a:r>
-            <a:r>
-              <a:rPr lang="fr-FR" dirty="0" smtClean="0"/>
-              <a:t>[3/3]</a:t>
+              <a:t>Planning [3/3]</a:t>
             </a:r>
             <a:endParaRPr lang="en-US" dirty="0"/>
           </a:p>
@@ -7318,7 +7306,7 @@
           <p:cNvPr id="2" name="Text Placeholder 1">
             <a:extLst>
               <a:ext uri="{FF2B5EF4-FFF2-40B4-BE49-F238E27FC236}">
-                <a16:creationId xmlns="" xmlns:a16="http://schemas.microsoft.com/office/drawing/2014/main" id="{576D1632-C889-465C-A567-CA185B1F9244}"/>
+                <a16:creationId xmlns:a16="http://schemas.microsoft.com/office/drawing/2014/main" xmlns="" id="{576D1632-C889-465C-A567-CA185B1F9244}"/>
               </a:ext>
             </a:extLst>
           </p:cNvPr>
@@ -7391,7 +7379,7 @@
           <p:cNvPr id="3" name="Text Placeholder 2">
             <a:extLst>
               <a:ext uri="{FF2B5EF4-FFF2-40B4-BE49-F238E27FC236}">
-                <a16:creationId xmlns="" xmlns:a16="http://schemas.microsoft.com/office/drawing/2014/main" id="{3CE1B846-8A60-40E5-B39B-A284E2BB3899}"/>
+                <a16:creationId xmlns:a16="http://schemas.microsoft.com/office/drawing/2014/main" xmlns="" id="{3CE1B846-8A60-40E5-B39B-A284E2BB3899}"/>
               </a:ext>
             </a:extLst>
           </p:cNvPr>
@@ -7439,7 +7427,7 @@
           <p:cNvPr id="4" name="Title 3">
             <a:extLst>
               <a:ext uri="{FF2B5EF4-FFF2-40B4-BE49-F238E27FC236}">
-                <a16:creationId xmlns="" xmlns:a16="http://schemas.microsoft.com/office/drawing/2014/main" id="{09ACD31A-B87D-43FD-8A7E-250C3FD8A9B0}"/>
+                <a16:creationId xmlns:a16="http://schemas.microsoft.com/office/drawing/2014/main" xmlns="" id="{09ACD31A-B87D-43FD-8A7E-250C3FD8A9B0}"/>
               </a:ext>
             </a:extLst>
           </p:cNvPr>
@@ -7498,7 +7486,7 @@
           <p:cNvPr id="2" name="Text Placeholder 1">
             <a:extLst>
               <a:ext uri="{FF2B5EF4-FFF2-40B4-BE49-F238E27FC236}">
-                <a16:creationId xmlns="" xmlns:a16="http://schemas.microsoft.com/office/drawing/2014/main" id="{57618B06-C8A8-4469-855E-61B392DFFAFC}"/>
+                <a16:creationId xmlns:a16="http://schemas.microsoft.com/office/drawing/2014/main" xmlns="" id="{57618B06-C8A8-4469-855E-61B392DFFAFC}"/>
               </a:ext>
             </a:extLst>
           </p:cNvPr>
@@ -7550,7 +7538,7 @@
           <p:cNvPr id="4" name="Title 3">
             <a:extLst>
               <a:ext uri="{FF2B5EF4-FFF2-40B4-BE49-F238E27FC236}">
-                <a16:creationId xmlns="" xmlns:a16="http://schemas.microsoft.com/office/drawing/2014/main" id="{A8E00CF9-B64D-475E-8EFD-166477C1CA41}"/>
+                <a16:creationId xmlns:a16="http://schemas.microsoft.com/office/drawing/2014/main" xmlns="" id="{A8E00CF9-B64D-475E-8EFD-166477C1CA41}"/>
               </a:ext>
             </a:extLst>
           </p:cNvPr>
@@ -7617,7 +7605,7 @@
           <p:cNvPr id="2" name="Text Placeholder 1">
             <a:extLst>
               <a:ext uri="{FF2B5EF4-FFF2-40B4-BE49-F238E27FC236}">
-                <a16:creationId xmlns="" xmlns:a16="http://schemas.microsoft.com/office/drawing/2014/main" id="{826A09AA-0F31-4462-9395-565580C8D524}"/>
+                <a16:creationId xmlns:a16="http://schemas.microsoft.com/office/drawing/2014/main" xmlns="" id="{826A09AA-0F31-4462-9395-565580C8D524}"/>
               </a:ext>
             </a:extLst>
           </p:cNvPr>
@@ -7657,7 +7645,7 @@
           <p:cNvPr id="3" name="Text Placeholder 2">
             <a:extLst>
               <a:ext uri="{FF2B5EF4-FFF2-40B4-BE49-F238E27FC236}">
-                <a16:creationId xmlns="" xmlns:a16="http://schemas.microsoft.com/office/drawing/2014/main" id="{5DCD3969-F3F4-474C-BFD9-B9942D360873}"/>
+                <a16:creationId xmlns:a16="http://schemas.microsoft.com/office/drawing/2014/main" xmlns="" id="{5DCD3969-F3F4-474C-BFD9-B9942D360873}"/>
               </a:ext>
             </a:extLst>
           </p:cNvPr>
@@ -7694,7 +7682,7 @@
           <p:cNvPr id="4" name="Title 3">
             <a:extLst>
               <a:ext uri="{FF2B5EF4-FFF2-40B4-BE49-F238E27FC236}">
-                <a16:creationId xmlns="" xmlns:a16="http://schemas.microsoft.com/office/drawing/2014/main" id="{83DD17B1-6CB7-4354-8701-009D08BAB665}"/>
+                <a16:creationId xmlns:a16="http://schemas.microsoft.com/office/drawing/2014/main" xmlns="" id="{83DD17B1-6CB7-4354-8701-009D08BAB665}"/>
               </a:ext>
             </a:extLst>
           </p:cNvPr>
@@ -7753,7 +7741,7 @@
           <p:cNvPr id="2" name="Text Placeholder 1">
             <a:extLst>
               <a:ext uri="{FF2B5EF4-FFF2-40B4-BE49-F238E27FC236}">
-                <a16:creationId xmlns="" xmlns:a16="http://schemas.microsoft.com/office/drawing/2014/main" id="{6A753048-6BD6-4745-A479-DBAD34CB3216}"/>
+                <a16:creationId xmlns:a16="http://schemas.microsoft.com/office/drawing/2014/main" xmlns="" id="{6A753048-6BD6-4745-A479-DBAD34CB3216}"/>
               </a:ext>
             </a:extLst>
           </p:cNvPr>
@@ -7796,7 +7784,7 @@
           <p:cNvPr id="3" name="Text Placeholder 2">
             <a:extLst>
               <a:ext uri="{FF2B5EF4-FFF2-40B4-BE49-F238E27FC236}">
-                <a16:creationId xmlns="" xmlns:a16="http://schemas.microsoft.com/office/drawing/2014/main" id="{B5A8B3F6-F49D-4359-9E12-3F0C089B2E23}"/>
+                <a16:creationId xmlns:a16="http://schemas.microsoft.com/office/drawing/2014/main" xmlns="" id="{B5A8B3F6-F49D-4359-9E12-3F0C089B2E23}"/>
               </a:ext>
             </a:extLst>
           </p:cNvPr>
@@ -7833,7 +7821,7 @@
           <p:cNvPr id="4" name="Title 3">
             <a:extLst>
               <a:ext uri="{FF2B5EF4-FFF2-40B4-BE49-F238E27FC236}">
-                <a16:creationId xmlns="" xmlns:a16="http://schemas.microsoft.com/office/drawing/2014/main" id="{9E541666-6E26-4F40-A926-D9E557AF3D4F}"/>
+                <a16:creationId xmlns:a16="http://schemas.microsoft.com/office/drawing/2014/main" xmlns="" id="{9E541666-6E26-4F40-A926-D9E557AF3D4F}"/>
               </a:ext>
             </a:extLst>
           </p:cNvPr>
@@ -7896,7 +7884,7 @@
           <p:cNvPr id="2" name="Text Placeholder 1">
             <a:extLst>
               <a:ext uri="{FF2B5EF4-FFF2-40B4-BE49-F238E27FC236}">
-                <a16:creationId xmlns="" xmlns:a16="http://schemas.microsoft.com/office/drawing/2014/main" id="{6A753048-6BD6-4745-A479-DBAD34CB3216}"/>
+                <a16:creationId xmlns:a16="http://schemas.microsoft.com/office/drawing/2014/main" xmlns="" id="{6A753048-6BD6-4745-A479-DBAD34CB3216}"/>
               </a:ext>
             </a:extLst>
           </p:cNvPr>
@@ -7949,7 +7937,7 @@
           <p:cNvPr id="3" name="Text Placeholder 2">
             <a:extLst>
               <a:ext uri="{FF2B5EF4-FFF2-40B4-BE49-F238E27FC236}">
-                <a16:creationId xmlns="" xmlns:a16="http://schemas.microsoft.com/office/drawing/2014/main" id="{B5A8B3F6-F49D-4359-9E12-3F0C089B2E23}"/>
+                <a16:creationId xmlns:a16="http://schemas.microsoft.com/office/drawing/2014/main" xmlns="" id="{B5A8B3F6-F49D-4359-9E12-3F0C089B2E23}"/>
               </a:ext>
             </a:extLst>
           </p:cNvPr>
@@ -7986,7 +7974,7 @@
           <p:cNvPr id="4" name="Title 3">
             <a:extLst>
               <a:ext uri="{FF2B5EF4-FFF2-40B4-BE49-F238E27FC236}">
-                <a16:creationId xmlns="" xmlns:a16="http://schemas.microsoft.com/office/drawing/2014/main" id="{9E541666-6E26-4F40-A926-D9E557AF3D4F}"/>
+                <a16:creationId xmlns:a16="http://schemas.microsoft.com/office/drawing/2014/main" xmlns="" id="{9E541666-6E26-4F40-A926-D9E557AF3D4F}"/>
               </a:ext>
             </a:extLst>
           </p:cNvPr>
@@ -8049,7 +8037,7 @@
           <p:cNvPr id="2" name="Text Placeholder 1">
             <a:extLst>
               <a:ext uri="{FF2B5EF4-FFF2-40B4-BE49-F238E27FC236}">
-                <a16:creationId xmlns="" xmlns:a16="http://schemas.microsoft.com/office/drawing/2014/main" id="{B6F8AC67-6D9C-47B0-9C78-55034137C6E3}"/>
+                <a16:creationId xmlns:a16="http://schemas.microsoft.com/office/drawing/2014/main" xmlns="" id="{B6F8AC67-6D9C-47B0-9C78-55034137C6E3}"/>
               </a:ext>
             </a:extLst>
           </p:cNvPr>
@@ -8080,7 +8068,7 @@
           <p:cNvPr id="3" name="Text Placeholder 2">
             <a:extLst>
               <a:ext uri="{FF2B5EF4-FFF2-40B4-BE49-F238E27FC236}">
-                <a16:creationId xmlns="" xmlns:a16="http://schemas.microsoft.com/office/drawing/2014/main" id="{597D0BC2-3189-4626-BEAD-D450511C8E15}"/>
+                <a16:creationId xmlns:a16="http://schemas.microsoft.com/office/drawing/2014/main" xmlns="" id="{597D0BC2-3189-4626-BEAD-D450511C8E15}"/>
               </a:ext>
             </a:extLst>
           </p:cNvPr>
@@ -8117,7 +8105,7 @@
           <p:cNvPr id="4" name="Title 3">
             <a:extLst>
               <a:ext uri="{FF2B5EF4-FFF2-40B4-BE49-F238E27FC236}">
-                <a16:creationId xmlns="" xmlns:a16="http://schemas.microsoft.com/office/drawing/2014/main" id="{814F351C-F6DB-43DC-AD1C-1759C3C5EC88}"/>
+                <a16:creationId xmlns:a16="http://schemas.microsoft.com/office/drawing/2014/main" xmlns="" id="{814F351C-F6DB-43DC-AD1C-1759C3C5EC88}"/>
               </a:ext>
             </a:extLst>
           </p:cNvPr>
@@ -8147,7 +8135,7 @@
       </p:sp>
       <p:pic>
         <p:nvPicPr>
-          <p:cNvPr id="1026" name="Picture 2" descr="https://cdn.discordapp.com/attachments/555745296341270529/568733349770690570/Presentation.005.jpeg"/>
+          <p:cNvPr id="5" name="Picture 2" descr="https://cdn.discordapp.com/attachments/555745296341270529/568736976761651210/Presentation.001.jpeg"/>
           <p:cNvPicPr>
             <a:picLocks noChangeAspect="1" noChangeArrowheads="1"/>
           </p:cNvPicPr>
@@ -8168,8 +8156,8 @@
         </p:blipFill>
         <p:spPr bwMode="auto">
           <a:xfrm>
-            <a:off x="2207568" y="1310600"/>
-            <a:ext cx="6840760" cy="5130570"/>
+            <a:off x="2376196" y="1340768"/>
+            <a:ext cx="7030751" cy="5273063"/>
           </a:xfrm>
           <a:prstGeom prst="rect">
             <a:avLst/>
@@ -8221,7 +8209,7 @@
           <p:cNvPr id="2" name="Text Placeholder 1">
             <a:extLst>
               <a:ext uri="{FF2B5EF4-FFF2-40B4-BE49-F238E27FC236}">
-                <a16:creationId xmlns="" xmlns:a16="http://schemas.microsoft.com/office/drawing/2014/main" id="{B6F8AC67-6D9C-47B0-9C78-55034137C6E3}"/>
+                <a16:creationId xmlns:a16="http://schemas.microsoft.com/office/drawing/2014/main" xmlns="" id="{B6F8AC67-6D9C-47B0-9C78-55034137C6E3}"/>
               </a:ext>
             </a:extLst>
           </p:cNvPr>
@@ -8252,7 +8240,7 @@
           <p:cNvPr id="3" name="Text Placeholder 2">
             <a:extLst>
               <a:ext uri="{FF2B5EF4-FFF2-40B4-BE49-F238E27FC236}">
-                <a16:creationId xmlns="" xmlns:a16="http://schemas.microsoft.com/office/drawing/2014/main" id="{597D0BC2-3189-4626-BEAD-D450511C8E15}"/>
+                <a16:creationId xmlns:a16="http://schemas.microsoft.com/office/drawing/2014/main" xmlns="" id="{597D0BC2-3189-4626-BEAD-D450511C8E15}"/>
               </a:ext>
             </a:extLst>
           </p:cNvPr>
@@ -8289,7 +8277,7 @@
           <p:cNvPr id="4" name="Title 3">
             <a:extLst>
               <a:ext uri="{FF2B5EF4-FFF2-40B4-BE49-F238E27FC236}">
-                <a16:creationId xmlns="" xmlns:a16="http://schemas.microsoft.com/office/drawing/2014/main" id="{814F351C-F6DB-43DC-AD1C-1759C3C5EC88}"/>
+                <a16:creationId xmlns:a16="http://schemas.microsoft.com/office/drawing/2014/main" xmlns="" id="{814F351C-F6DB-43DC-AD1C-1759C3C5EC88}"/>
               </a:ext>
             </a:extLst>
           </p:cNvPr>
@@ -8322,7 +8310,7 @@
           <p:cNvPr id="6" name="Text Placeholder 1">
             <a:extLst>
               <a:ext uri="{FF2B5EF4-FFF2-40B4-BE49-F238E27FC236}">
-                <a16:creationId xmlns="" xmlns:a16="http://schemas.microsoft.com/office/drawing/2014/main" id="{53DBDAB2-BE11-4B9D-85BC-5DE3D2A0A607}"/>
+                <a16:creationId xmlns:a16="http://schemas.microsoft.com/office/drawing/2014/main" xmlns="" id="{53DBDAB2-BE11-4B9D-85BC-5DE3D2A0A607}"/>
               </a:ext>
             </a:extLst>
           </p:cNvPr>
@@ -8653,7 +8641,7 @@
           <p:cNvPr id="2" name="Text Placeholder 1">
             <a:extLst>
               <a:ext uri="{FF2B5EF4-FFF2-40B4-BE49-F238E27FC236}">
-                <a16:creationId xmlns="" xmlns:a16="http://schemas.microsoft.com/office/drawing/2014/main" id="{53DBDAB2-BE11-4B9D-85BC-5DE3D2A0A607}"/>
+                <a16:creationId xmlns:a16="http://schemas.microsoft.com/office/drawing/2014/main" xmlns="" id="{53DBDAB2-BE11-4B9D-85BC-5DE3D2A0A607}"/>
               </a:ext>
             </a:extLst>
           </p:cNvPr>
@@ -8703,7 +8691,7 @@
           <p:cNvPr id="3" name="Text Placeholder 2">
             <a:extLst>
               <a:ext uri="{FF2B5EF4-FFF2-40B4-BE49-F238E27FC236}">
-                <a16:creationId xmlns="" xmlns:a16="http://schemas.microsoft.com/office/drawing/2014/main" id="{EBDB337E-4389-4B90-8B96-853A42017204}"/>
+                <a16:creationId xmlns:a16="http://schemas.microsoft.com/office/drawing/2014/main" xmlns="" id="{EBDB337E-4389-4B90-8B96-853A42017204}"/>
               </a:ext>
             </a:extLst>
           </p:cNvPr>
@@ -8740,7 +8728,7 @@
           <p:cNvPr id="4" name="Title 3">
             <a:extLst>
               <a:ext uri="{FF2B5EF4-FFF2-40B4-BE49-F238E27FC236}">
-                <a16:creationId xmlns="" xmlns:a16="http://schemas.microsoft.com/office/drawing/2014/main" id="{F9ED67B2-9414-4565-B91A-5A6339FF2E1B}"/>
+                <a16:creationId xmlns:a16="http://schemas.microsoft.com/office/drawing/2014/main" xmlns="" id="{F9ED67B2-9414-4565-B91A-5A6339FF2E1B}"/>
               </a:ext>
             </a:extLst>
           </p:cNvPr>
@@ -8811,7 +8799,7 @@
           <p:cNvPr id="2" name="Text Placeholder 1">
             <a:extLst>
               <a:ext uri="{FF2B5EF4-FFF2-40B4-BE49-F238E27FC236}">
-                <a16:creationId xmlns="" xmlns:a16="http://schemas.microsoft.com/office/drawing/2014/main" id="{53DBDAB2-BE11-4B9D-85BC-5DE3D2A0A607}"/>
+                <a16:creationId xmlns:a16="http://schemas.microsoft.com/office/drawing/2014/main" xmlns="" id="{53DBDAB2-BE11-4B9D-85BC-5DE3D2A0A607}"/>
               </a:ext>
             </a:extLst>
           </p:cNvPr>
@@ -9011,7 +8999,7 @@
           <p:cNvPr id="3" name="Text Placeholder 2">
             <a:extLst>
               <a:ext uri="{FF2B5EF4-FFF2-40B4-BE49-F238E27FC236}">
-                <a16:creationId xmlns="" xmlns:a16="http://schemas.microsoft.com/office/drawing/2014/main" id="{EBDB337E-4389-4B90-8B96-853A42017204}"/>
+                <a16:creationId xmlns:a16="http://schemas.microsoft.com/office/drawing/2014/main" xmlns="" id="{EBDB337E-4389-4B90-8B96-853A42017204}"/>
               </a:ext>
             </a:extLst>
           </p:cNvPr>
@@ -9048,7 +9036,7 @@
           <p:cNvPr id="4" name="Title 3">
             <a:extLst>
               <a:ext uri="{FF2B5EF4-FFF2-40B4-BE49-F238E27FC236}">
-                <a16:creationId xmlns="" xmlns:a16="http://schemas.microsoft.com/office/drawing/2014/main" id="{F9ED67B2-9414-4565-B91A-5A6339FF2E1B}"/>
+                <a16:creationId xmlns:a16="http://schemas.microsoft.com/office/drawing/2014/main" xmlns="" id="{F9ED67B2-9414-4565-B91A-5A6339FF2E1B}"/>
               </a:ext>
             </a:extLst>
           </p:cNvPr>

--- a/Projet/Presentation/Presentation_Groupe05.pptx
+++ b/Projet/Presentation/Presentation_Groupe05.pptx
@@ -8,17 +8,18 @@
     <p:sldId id="260" r:id="rId2"/>
     <p:sldId id="358" r:id="rId3"/>
     <p:sldId id="359" r:id="rId4"/>
-    <p:sldId id="360" r:id="rId5"/>
-    <p:sldId id="365" r:id="rId6"/>
-    <p:sldId id="361" r:id="rId7"/>
-    <p:sldId id="370" r:id="rId8"/>
-    <p:sldId id="367" r:id="rId9"/>
-    <p:sldId id="363" r:id="rId10"/>
-    <p:sldId id="366" r:id="rId11"/>
-    <p:sldId id="362" r:id="rId12"/>
-    <p:sldId id="369" r:id="rId13"/>
-    <p:sldId id="368" r:id="rId14"/>
-    <p:sldId id="364" r:id="rId15"/>
+    <p:sldId id="371" r:id="rId5"/>
+    <p:sldId id="360" r:id="rId6"/>
+    <p:sldId id="365" r:id="rId7"/>
+    <p:sldId id="361" r:id="rId8"/>
+    <p:sldId id="370" r:id="rId9"/>
+    <p:sldId id="367" r:id="rId10"/>
+    <p:sldId id="363" r:id="rId11"/>
+    <p:sldId id="366" r:id="rId12"/>
+    <p:sldId id="362" r:id="rId13"/>
+    <p:sldId id="369" r:id="rId14"/>
+    <p:sldId id="368" r:id="rId15"/>
+    <p:sldId id="364" r:id="rId16"/>
   </p:sldIdLst>
   <p:sldSz cx="12192000" cy="6858000"/>
   <p:notesSz cx="6858000" cy="9144000"/>
@@ -236,6 +237,7 @@
           <p14:sldIdLst>
             <p14:sldId id="358"/>
             <p14:sldId id="359"/>
+            <p14:sldId id="371"/>
             <p14:sldId id="360"/>
             <p14:sldId id="365"/>
             <p14:sldId id="361"/>
@@ -1860,7 +1862,7 @@
           <p:cNvPr id="2" name="Title 1">
             <a:extLst>
               <a:ext uri="{FF2B5EF4-FFF2-40B4-BE49-F238E27FC236}">
-                <a16:creationId xmlns:a16="http://schemas.microsoft.com/office/drawing/2014/main" xmlns="" id="{75A2D3C5-0BBA-4475-A74A-9B10CE13EB0E}"/>
+                <a16:creationId xmlns="" xmlns:a16="http://schemas.microsoft.com/office/drawing/2014/main" id="{75A2D3C5-0BBA-4475-A74A-9B10CE13EB0E}"/>
               </a:ext>
             </a:extLst>
           </p:cNvPr>
@@ -2024,7 +2026,7 @@
           <p:cNvPr id="2" name="Title 1">
             <a:extLst>
               <a:ext uri="{FF2B5EF4-FFF2-40B4-BE49-F238E27FC236}">
-                <a16:creationId xmlns:a16="http://schemas.microsoft.com/office/drawing/2014/main" xmlns="" id="{45682A82-1886-4648-8B15-A4EEC660AA63}"/>
+                <a16:creationId xmlns="" xmlns:a16="http://schemas.microsoft.com/office/drawing/2014/main" id="{45682A82-1886-4648-8B15-A4EEC660AA63}"/>
               </a:ext>
             </a:extLst>
           </p:cNvPr>
@@ -2987,7 +2989,7 @@
           <p:cNvPr id="2" name="Title 1">
             <a:extLst>
               <a:ext uri="{FF2B5EF4-FFF2-40B4-BE49-F238E27FC236}">
-                <a16:creationId xmlns:a16="http://schemas.microsoft.com/office/drawing/2014/main" xmlns="" id="{A6382AAE-12BB-4123-9126-EC8008489960}"/>
+                <a16:creationId xmlns="" xmlns:a16="http://schemas.microsoft.com/office/drawing/2014/main" id="{A6382AAE-12BB-4123-9126-EC8008489960}"/>
               </a:ext>
             </a:extLst>
           </p:cNvPr>
@@ -5805,7 +5807,7 @@
           <p:cNvPr id="2" name="Picture 2" descr="RÃ©sultat de recherche d'images pour &quot;ynov lyon&quot;">
             <a:extLst>
               <a:ext uri="{FF2B5EF4-FFF2-40B4-BE49-F238E27FC236}">
-                <a16:creationId xmlns:a16="http://schemas.microsoft.com/office/drawing/2014/main" xmlns="" id="{92ABB00D-ADA6-4A5E-80E9-D89620C9233F}"/>
+                <a16:creationId xmlns="" xmlns:a16="http://schemas.microsoft.com/office/drawing/2014/main" id="{92ABB00D-ADA6-4A5E-80E9-D89620C9233F}"/>
               </a:ext>
             </a:extLst>
           </p:cNvPr>
@@ -6332,7 +6334,7 @@
           <p:cNvPr id="3" name="Text Placeholder 2">
             <a:extLst>
               <a:ext uri="{FF2B5EF4-FFF2-40B4-BE49-F238E27FC236}">
-                <a16:creationId xmlns:a16="http://schemas.microsoft.com/office/drawing/2014/main" xmlns="" id="{60DBFCC4-DB58-4F06-97D0-A741F5586722}"/>
+                <a16:creationId xmlns="" xmlns:a16="http://schemas.microsoft.com/office/drawing/2014/main" id="{60DBFCC4-DB58-4F06-97D0-A741F5586722}"/>
               </a:ext>
             </a:extLst>
           </p:cNvPr>
@@ -6365,7 +6367,7 @@
           <p:cNvPr id="1026" name="Picture 2" descr="RÃ©sultat de recherche d'images pour &quot;ynov lyon&quot;">
             <a:extLst>
               <a:ext uri="{FF2B5EF4-FFF2-40B4-BE49-F238E27FC236}">
-                <a16:creationId xmlns:a16="http://schemas.microsoft.com/office/drawing/2014/main" xmlns="" id="{6EB9BD3B-0D8D-4FB9-B6AA-34EEBF39FE67}"/>
+                <a16:creationId xmlns="" xmlns:a16="http://schemas.microsoft.com/office/drawing/2014/main" id="{6EB9BD3B-0D8D-4FB9-B6AA-34EEBF39FE67}"/>
               </a:ext>
             </a:extLst>
           </p:cNvPr>
@@ -6412,7 +6414,7 @@
           <p:cNvPr id="2" name="TextBox 1">
             <a:extLst>
               <a:ext uri="{FF2B5EF4-FFF2-40B4-BE49-F238E27FC236}">
-                <a16:creationId xmlns:a16="http://schemas.microsoft.com/office/drawing/2014/main" xmlns="" id="{0499A71F-347A-4043-B5B9-A2E6917C84E7}"/>
+                <a16:creationId xmlns="" xmlns:a16="http://schemas.microsoft.com/office/drawing/2014/main" id="{0499A71F-347A-4043-B5B9-A2E6917C84E7}"/>
               </a:ext>
             </a:extLst>
           </p:cNvPr>
@@ -6456,7 +6458,7 @@
           <p:cNvPr id="6" name="TextBox 5">
             <a:extLst>
               <a:ext uri="{FF2B5EF4-FFF2-40B4-BE49-F238E27FC236}">
-                <a16:creationId xmlns:a16="http://schemas.microsoft.com/office/drawing/2014/main" xmlns="" id="{A664C523-DC2F-4D39-853C-07F0BFDABF81}"/>
+                <a16:creationId xmlns="" xmlns:a16="http://schemas.microsoft.com/office/drawing/2014/main" id="{A664C523-DC2F-4D39-853C-07F0BFDABF81}"/>
               </a:ext>
             </a:extLst>
           </p:cNvPr>
@@ -6530,7 +6532,7 @@
           <p:cNvPr id="2" name="Text Placeholder 1">
             <a:extLst>
               <a:ext uri="{FF2B5EF4-FFF2-40B4-BE49-F238E27FC236}">
-                <a16:creationId xmlns:a16="http://schemas.microsoft.com/office/drawing/2014/main" xmlns="" id="{53DBDAB2-BE11-4B9D-85BC-5DE3D2A0A607}"/>
+                <a16:creationId xmlns="" xmlns:a16="http://schemas.microsoft.com/office/drawing/2014/main" id="{53DBDAB2-BE11-4B9D-85BC-5DE3D2A0A607}"/>
               </a:ext>
             </a:extLst>
           </p:cNvPr>
@@ -6552,11 +6554,147 @@
             </a:r>
             <a:r>
               <a:rPr lang="en-US" dirty="0" smtClean="0"/>
-              <a:t> 3 : </a:t>
+              <a:t> 2 : </a:t>
             </a:r>
             <a:r>
               <a:rPr lang="en-US" dirty="0" err="1" smtClean="0"/>
-              <a:t>Définition</a:t>
+              <a:t>Mise</a:t>
+            </a:r>
+            <a:r>
+              <a:rPr lang="en-US" dirty="0" smtClean="0"/>
+              <a:t> </a:t>
+            </a:r>
+            <a:r>
+              <a:rPr lang="en-US" dirty="0" err="1" smtClean="0"/>
+              <a:t>en</a:t>
+            </a:r>
+            <a:r>
+              <a:rPr lang="en-US" dirty="0" smtClean="0"/>
+              <a:t> place des </a:t>
+            </a:r>
+            <a:r>
+              <a:rPr lang="en-US" dirty="0" err="1" smtClean="0"/>
+              <a:t>accès</a:t>
+            </a:r>
+            <a:r>
+              <a:rPr lang="en-US" dirty="0" smtClean="0"/>
+              <a:t> à distance aux </a:t>
+            </a:r>
+            <a:r>
+              <a:rPr lang="en-US" dirty="0" err="1" smtClean="0"/>
+              <a:t>données</a:t>
+            </a:r>
+            <a:r>
+              <a:rPr lang="en-US" dirty="0" smtClean="0"/>
+              <a:t> et aux </a:t>
+            </a:r>
+            <a:r>
+              <a:rPr lang="en-US" dirty="0" err="1" smtClean="0"/>
+              <a:t>fonctionnalités</a:t>
+            </a:r>
+            <a:r>
+              <a:rPr lang="en-US" dirty="0" smtClean="0"/>
+              <a:t> à travers </a:t>
+            </a:r>
+            <a:r>
+              <a:rPr lang="en-US" dirty="0" err="1" smtClean="0"/>
+              <a:t>notre</a:t>
+            </a:r>
+            <a:r>
+              <a:rPr lang="en-US" dirty="0" smtClean="0"/>
+              <a:t> application mobile et web. Nous </a:t>
+            </a:r>
+            <a:r>
+              <a:rPr lang="en-US" dirty="0" err="1" smtClean="0"/>
+              <a:t>allons</a:t>
+            </a:r>
+            <a:r>
+              <a:rPr lang="en-US" dirty="0" smtClean="0"/>
+              <a:t> </a:t>
+            </a:r>
+            <a:r>
+              <a:rPr lang="en-US" dirty="0" err="1" smtClean="0"/>
+              <a:t>ici</a:t>
+            </a:r>
+            <a:r>
+              <a:rPr lang="en-US" dirty="0" smtClean="0"/>
+              <a:t> </a:t>
+            </a:r>
+            <a:r>
+              <a:rPr lang="en-US" dirty="0" err="1" smtClean="0"/>
+              <a:t>gérer</a:t>
+            </a:r>
+            <a:r>
+              <a:rPr lang="en-US" dirty="0" smtClean="0"/>
+              <a:t> </a:t>
+            </a:r>
+            <a:r>
+              <a:rPr lang="en-US" dirty="0" err="1" smtClean="0"/>
+              <a:t>toute</a:t>
+            </a:r>
+            <a:r>
+              <a:rPr lang="en-US" dirty="0" smtClean="0"/>
+              <a:t> la </a:t>
+            </a:r>
+            <a:r>
+              <a:rPr lang="en-US" dirty="0" err="1" smtClean="0"/>
+              <a:t>mise</a:t>
+            </a:r>
+            <a:r>
+              <a:rPr lang="en-US" dirty="0" smtClean="0"/>
+              <a:t> </a:t>
+            </a:r>
+            <a:r>
+              <a:rPr lang="en-US" dirty="0" err="1" smtClean="0"/>
+              <a:t>en</a:t>
+            </a:r>
+            <a:r>
+              <a:rPr lang="en-US" dirty="0" smtClean="0"/>
+              <a:t> place de </a:t>
+            </a:r>
+            <a:r>
+              <a:rPr lang="en-US" dirty="0" err="1" smtClean="0"/>
+              <a:t>notre</a:t>
+            </a:r>
+            <a:r>
+              <a:rPr lang="en-US" dirty="0" smtClean="0"/>
+              <a:t> application mobile (et web), </a:t>
+            </a:r>
+            <a:r>
+              <a:rPr lang="en-US" dirty="0" err="1" smtClean="0"/>
+              <a:t>ainsi</a:t>
+            </a:r>
+            <a:r>
+              <a:rPr lang="en-US" dirty="0" smtClean="0"/>
+              <a:t> que les </a:t>
+            </a:r>
+            <a:r>
+              <a:rPr lang="en-US" dirty="0" err="1" smtClean="0"/>
+              <a:t>différentes</a:t>
+            </a:r>
+            <a:r>
+              <a:rPr lang="en-US" dirty="0" smtClean="0"/>
+              <a:t> API </a:t>
+            </a:r>
+            <a:r>
+              <a:rPr lang="en-US" dirty="0" err="1" smtClean="0"/>
+              <a:t>nécessaires</a:t>
+            </a:r>
+            <a:r>
+              <a:rPr lang="en-US" dirty="0" smtClean="0"/>
+              <a:t> pour </a:t>
+            </a:r>
+            <a:r>
+              <a:rPr lang="en-US" dirty="0" err="1" smtClean="0"/>
+              <a:t>accéder</a:t>
+            </a:r>
+            <a:r>
+              <a:rPr lang="en-US" dirty="0" smtClean="0"/>
+              <a:t> aux </a:t>
+            </a:r>
+            <a:r>
+              <a:rPr lang="en-US" dirty="0" err="1" smtClean="0"/>
+              <a:t>données</a:t>
             </a:r>
             <a:r>
               <a:rPr lang="en-US" dirty="0" smtClean="0"/>
@@ -6564,7 +6702,15 @@
             </a:r>
             <a:r>
               <a:rPr lang="en-US" dirty="0" err="1" smtClean="0"/>
-              <a:t>mise</a:t>
+              <a:t>envoyer</a:t>
+            </a:r>
+            <a:r>
+              <a:rPr lang="en-US" dirty="0" smtClean="0"/>
+              <a:t> des instructions aux </a:t>
+            </a:r>
+            <a:r>
+              <a:rPr lang="en-US" dirty="0" err="1" smtClean="0"/>
+              <a:t>appareils</a:t>
             </a:r>
             <a:r>
               <a:rPr lang="en-US" dirty="0" smtClean="0"/>
@@ -6572,91 +6718,7 @@
             </a:r>
             <a:r>
               <a:rPr lang="en-US" dirty="0" err="1" smtClean="0"/>
-              <a:t>en</a:t>
-            </a:r>
-            <a:r>
-              <a:rPr lang="en-US" dirty="0" smtClean="0"/>
-              <a:t> place de la </a:t>
-            </a:r>
-            <a:r>
-              <a:rPr lang="en-US" dirty="0" err="1" smtClean="0"/>
-              <a:t>logique</a:t>
-            </a:r>
-            <a:r>
-              <a:rPr lang="en-US" dirty="0" smtClean="0"/>
-              <a:t> interne du robot. </a:t>
-            </a:r>
-            <a:r>
-              <a:rPr lang="en-US" dirty="0" err="1" smtClean="0"/>
-              <a:t>Ici</a:t>
-            </a:r>
-            <a:r>
-              <a:rPr lang="en-US" dirty="0" smtClean="0"/>
-              <a:t> </a:t>
-            </a:r>
-            <a:r>
-              <a:rPr lang="en-US" dirty="0" err="1" smtClean="0"/>
-              <a:t>il</a:t>
-            </a:r>
-            <a:r>
-              <a:rPr lang="en-US" dirty="0" smtClean="0"/>
-              <a:t> </a:t>
-            </a:r>
-            <a:r>
-              <a:rPr lang="en-US" dirty="0" err="1" smtClean="0"/>
-              <a:t>s’agira</a:t>
-            </a:r>
-            <a:r>
-              <a:rPr lang="en-US" dirty="0" smtClean="0"/>
-              <a:t> de </a:t>
-            </a:r>
-            <a:r>
-              <a:rPr lang="en-US" dirty="0" err="1" smtClean="0"/>
-              <a:t>définir</a:t>
-            </a:r>
-            <a:r>
-              <a:rPr lang="en-US" dirty="0" smtClean="0"/>
-              <a:t> le </a:t>
-            </a:r>
-            <a:r>
-              <a:rPr lang="en-US" dirty="0" err="1" smtClean="0"/>
-              <a:t>comportement</a:t>
-            </a:r>
-            <a:r>
-              <a:rPr lang="en-US" dirty="0" smtClean="0"/>
-              <a:t> </a:t>
-            </a:r>
-            <a:r>
-              <a:rPr lang="en-US" dirty="0" err="1" smtClean="0"/>
-              <a:t>adéquat</a:t>
-            </a:r>
-            <a:r>
-              <a:rPr lang="en-US" dirty="0" smtClean="0"/>
-              <a:t> du robot, </a:t>
-            </a:r>
-            <a:r>
-              <a:rPr lang="en-US" dirty="0" err="1" smtClean="0"/>
-              <a:t>quand</a:t>
-            </a:r>
-            <a:r>
-              <a:rPr lang="en-US" dirty="0" smtClean="0"/>
-              <a:t> </a:t>
-            </a:r>
-            <a:r>
-              <a:rPr lang="en-US" dirty="0" err="1" smtClean="0"/>
-              <a:t>bouger</a:t>
-            </a:r>
-            <a:r>
-              <a:rPr lang="en-US" dirty="0" smtClean="0"/>
-              <a:t>, comment </a:t>
-            </a:r>
-            <a:r>
-              <a:rPr lang="en-US" dirty="0" err="1" smtClean="0"/>
-              <a:t>bouger</a:t>
-            </a:r>
-            <a:r>
-              <a:rPr lang="en-US" dirty="0" smtClean="0"/>
-              <a:t>, etc</a:t>
+              <a:t>distants</a:t>
             </a:r>
             <a:r>
               <a:rPr lang="en-US" dirty="0"/>
@@ -6670,7 +6732,7 @@
           <p:cNvPr id="3" name="Text Placeholder 2">
             <a:extLst>
               <a:ext uri="{FF2B5EF4-FFF2-40B4-BE49-F238E27FC236}">
-                <a16:creationId xmlns:a16="http://schemas.microsoft.com/office/drawing/2014/main" xmlns="" id="{EBDB337E-4389-4B90-8B96-853A42017204}"/>
+                <a16:creationId xmlns="" xmlns:a16="http://schemas.microsoft.com/office/drawing/2014/main" id="{EBDB337E-4389-4B90-8B96-853A42017204}"/>
               </a:ext>
             </a:extLst>
           </p:cNvPr>
@@ -6707,7 +6769,7 @@
           <p:cNvPr id="4" name="Title 3">
             <a:extLst>
               <a:ext uri="{FF2B5EF4-FFF2-40B4-BE49-F238E27FC236}">
-                <a16:creationId xmlns:a16="http://schemas.microsoft.com/office/drawing/2014/main" xmlns="" id="{F9ED67B2-9414-4565-B91A-5A6339FF2E1B}"/>
+                <a16:creationId xmlns="" xmlns:a16="http://schemas.microsoft.com/office/drawing/2014/main" id="{F9ED67B2-9414-4565-B91A-5A6339FF2E1B}"/>
               </a:ext>
             </a:extLst>
           </p:cNvPr>
@@ -6737,7 +6799,7 @@
             </a:r>
             <a:r>
               <a:rPr lang="fr-FR" dirty="0" smtClean="0"/>
-              <a:t>[3/3]</a:t>
+              <a:t>[2/3]</a:t>
             </a:r>
             <a:endParaRPr lang="en-US" dirty="0"/>
           </a:p>
@@ -6746,7 +6808,7 @@
     </p:spTree>
     <p:extLst>
       <p:ext uri="{BB962C8B-B14F-4D97-AF65-F5344CB8AC3E}">
-        <p14:creationId xmlns:p14="http://schemas.microsoft.com/office/powerpoint/2010/main" val="3411312211"/>
+        <p14:creationId xmlns:p14="http://schemas.microsoft.com/office/powerpoint/2010/main" val="53273876"/>
       </p:ext>
     </p:extLst>
   </p:cSld>
@@ -6778,7 +6840,7 @@
           <p:cNvPr id="2" name="Text Placeholder 1">
             <a:extLst>
               <a:ext uri="{FF2B5EF4-FFF2-40B4-BE49-F238E27FC236}">
-                <a16:creationId xmlns:a16="http://schemas.microsoft.com/office/drawing/2014/main" xmlns="" id="{62737593-5087-4FE7-BE7B-97290A8959AA}"/>
+                <a16:creationId xmlns="" xmlns:a16="http://schemas.microsoft.com/office/drawing/2014/main" id="{53DBDAB2-BE11-4B9D-85BC-5DE3D2A0A607}"/>
               </a:ext>
             </a:extLst>
           </p:cNvPr>
@@ -6789,6 +6851,254 @@
             <p:ph type="body" idx="1"/>
           </p:nvPr>
         </p:nvSpPr>
+        <p:spPr/>
+        <p:txBody>
+          <a:bodyPr/>
+          <a:lstStyle/>
+          <a:p>
+            <a:r>
+              <a:rPr lang="en-US" dirty="0" err="1" smtClean="0"/>
+              <a:t>Tâche</a:t>
+            </a:r>
+            <a:r>
+              <a:rPr lang="en-US" dirty="0" smtClean="0"/>
+              <a:t> 3 : </a:t>
+            </a:r>
+            <a:r>
+              <a:rPr lang="en-US" dirty="0" err="1" smtClean="0"/>
+              <a:t>Définition</a:t>
+            </a:r>
+            <a:r>
+              <a:rPr lang="en-US" dirty="0" smtClean="0"/>
+              <a:t> et </a:t>
+            </a:r>
+            <a:r>
+              <a:rPr lang="en-US" dirty="0" err="1" smtClean="0"/>
+              <a:t>mise</a:t>
+            </a:r>
+            <a:r>
+              <a:rPr lang="en-US" dirty="0" smtClean="0"/>
+              <a:t> </a:t>
+            </a:r>
+            <a:r>
+              <a:rPr lang="en-US" dirty="0" err="1" smtClean="0"/>
+              <a:t>en</a:t>
+            </a:r>
+            <a:r>
+              <a:rPr lang="en-US" dirty="0" smtClean="0"/>
+              <a:t> place de la </a:t>
+            </a:r>
+            <a:r>
+              <a:rPr lang="en-US" dirty="0" err="1" smtClean="0"/>
+              <a:t>logique</a:t>
+            </a:r>
+            <a:r>
+              <a:rPr lang="en-US" dirty="0" smtClean="0"/>
+              <a:t> interne du robot. </a:t>
+            </a:r>
+            <a:r>
+              <a:rPr lang="en-US" dirty="0" err="1" smtClean="0"/>
+              <a:t>Ici</a:t>
+            </a:r>
+            <a:r>
+              <a:rPr lang="en-US" dirty="0" smtClean="0"/>
+              <a:t> </a:t>
+            </a:r>
+            <a:r>
+              <a:rPr lang="en-US" dirty="0" err="1" smtClean="0"/>
+              <a:t>il</a:t>
+            </a:r>
+            <a:r>
+              <a:rPr lang="en-US" dirty="0" smtClean="0"/>
+              <a:t> </a:t>
+            </a:r>
+            <a:r>
+              <a:rPr lang="en-US" dirty="0" err="1" smtClean="0"/>
+              <a:t>s’agira</a:t>
+            </a:r>
+            <a:r>
+              <a:rPr lang="en-US" dirty="0" smtClean="0"/>
+              <a:t> de </a:t>
+            </a:r>
+            <a:r>
+              <a:rPr lang="en-US" dirty="0" err="1" smtClean="0"/>
+              <a:t>définir</a:t>
+            </a:r>
+            <a:r>
+              <a:rPr lang="en-US" dirty="0" smtClean="0"/>
+              <a:t> le </a:t>
+            </a:r>
+            <a:r>
+              <a:rPr lang="en-US" dirty="0" err="1" smtClean="0"/>
+              <a:t>comportement</a:t>
+            </a:r>
+            <a:r>
+              <a:rPr lang="en-US" dirty="0" smtClean="0"/>
+              <a:t> </a:t>
+            </a:r>
+            <a:r>
+              <a:rPr lang="en-US" dirty="0" err="1" smtClean="0"/>
+              <a:t>adéquat</a:t>
+            </a:r>
+            <a:r>
+              <a:rPr lang="en-US" dirty="0" smtClean="0"/>
+              <a:t> du robot, </a:t>
+            </a:r>
+            <a:r>
+              <a:rPr lang="en-US" dirty="0" err="1" smtClean="0"/>
+              <a:t>quand</a:t>
+            </a:r>
+            <a:r>
+              <a:rPr lang="en-US" dirty="0" smtClean="0"/>
+              <a:t> </a:t>
+            </a:r>
+            <a:r>
+              <a:rPr lang="en-US" dirty="0" err="1" smtClean="0"/>
+              <a:t>bouger</a:t>
+            </a:r>
+            <a:r>
+              <a:rPr lang="en-US" dirty="0" smtClean="0"/>
+              <a:t>, comment </a:t>
+            </a:r>
+            <a:r>
+              <a:rPr lang="en-US" dirty="0" err="1" smtClean="0"/>
+              <a:t>bouger</a:t>
+            </a:r>
+            <a:r>
+              <a:rPr lang="en-US" dirty="0" smtClean="0"/>
+              <a:t>, etc</a:t>
+            </a:r>
+            <a:r>
+              <a:rPr lang="en-US" dirty="0"/>
+              <a:t>.</a:t>
+            </a:r>
+          </a:p>
+        </p:txBody>
+      </p:sp>
+      <p:sp>
+        <p:nvSpPr>
+          <p:cNvPr id="3" name="Text Placeholder 2">
+            <a:extLst>
+              <a:ext uri="{FF2B5EF4-FFF2-40B4-BE49-F238E27FC236}">
+                <a16:creationId xmlns="" xmlns:a16="http://schemas.microsoft.com/office/drawing/2014/main" id="{EBDB337E-4389-4B90-8B96-853A42017204}"/>
+              </a:ext>
+            </a:extLst>
+          </p:cNvPr>
+          <p:cNvSpPr>
+            <a:spLocks noGrp="1"/>
+          </p:cNvSpPr>
+          <p:nvPr>
+            <p:ph type="body" sz="quarter" idx="12"/>
+          </p:nvPr>
+        </p:nvSpPr>
+        <p:spPr/>
+        <p:txBody>
+          <a:bodyPr/>
+          <a:lstStyle/>
+          <a:p>
+            <a:r>
+              <a:rPr lang="fr-FR" dirty="0" smtClean="0"/>
+              <a:t>&lt;</a:t>
+            </a:r>
+            <a:r>
+              <a:rPr lang="fr-FR" dirty="0" err="1" smtClean="0"/>
+              <a:t>poTech</a:t>
+            </a:r>
+            <a:r>
+              <a:rPr lang="fr-FR" dirty="0" smtClean="0"/>
+              <a:t>&gt;</a:t>
+            </a:r>
+            <a:endParaRPr lang="en-US" dirty="0"/>
+          </a:p>
+        </p:txBody>
+      </p:sp>
+      <p:sp>
+        <p:nvSpPr>
+          <p:cNvPr id="4" name="Title 3">
+            <a:extLst>
+              <a:ext uri="{FF2B5EF4-FFF2-40B4-BE49-F238E27FC236}">
+                <a16:creationId xmlns="" xmlns:a16="http://schemas.microsoft.com/office/drawing/2014/main" id="{F9ED67B2-9414-4565-B91A-5A6339FF2E1B}"/>
+              </a:ext>
+            </a:extLst>
+          </p:cNvPr>
+          <p:cNvSpPr>
+            <a:spLocks noGrp="1"/>
+          </p:cNvSpPr>
+          <p:nvPr>
+            <p:ph type="title"/>
+          </p:nvPr>
+        </p:nvSpPr>
+        <p:spPr/>
+        <p:txBody>
+          <a:bodyPr/>
+          <a:lstStyle/>
+          <a:p>
+            <a:r>
+              <a:rPr lang="fr-FR" dirty="0"/>
+              <a:t>Project </a:t>
+            </a:r>
+            <a:r>
+              <a:rPr lang="fr-FR" dirty="0" err="1"/>
+              <a:t>Tasks</a:t>
+            </a:r>
+            <a:r>
+              <a:rPr lang="fr-FR" dirty="0"/>
+              <a:t> </a:t>
+            </a:r>
+            <a:r>
+              <a:rPr lang="fr-FR" dirty="0" smtClean="0"/>
+              <a:t>[3/3]</a:t>
+            </a:r>
+            <a:endParaRPr lang="en-US" dirty="0"/>
+          </a:p>
+        </p:txBody>
+      </p:sp>
+    </p:spTree>
+    <p:extLst>
+      <p:ext uri="{BB962C8B-B14F-4D97-AF65-F5344CB8AC3E}">
+        <p14:creationId xmlns:p14="http://schemas.microsoft.com/office/powerpoint/2010/main" val="3411312211"/>
+      </p:ext>
+    </p:extLst>
+  </p:cSld>
+  <p:clrMapOvr>
+    <a:masterClrMapping/>
+  </p:clrMapOvr>
+</p:sld>
+</file>
+
+<file path=ppt/slides/slide12.xml><?xml version="1.0" encoding="utf-8"?>
+<p:sld xmlns:a="http://schemas.openxmlformats.org/drawingml/2006/main" xmlns:r="http://schemas.openxmlformats.org/officeDocument/2006/relationships" xmlns:p="http://schemas.openxmlformats.org/presentationml/2006/main">
+  <p:cSld>
+    <p:spTree>
+      <p:nvGrpSpPr>
+        <p:cNvPr id="1" name=""/>
+        <p:cNvGrpSpPr/>
+        <p:nvPr/>
+      </p:nvGrpSpPr>
+      <p:grpSpPr>
+        <a:xfrm>
+          <a:off x="0" y="0"/>
+          <a:ext cx="0" cy="0"/>
+          <a:chOff x="0" y="0"/>
+          <a:chExt cx="0" cy="0"/>
+        </a:xfrm>
+      </p:grpSpPr>
+      <p:sp>
+        <p:nvSpPr>
+          <p:cNvPr id="2" name="Text Placeholder 1">
+            <a:extLst>
+              <a:ext uri="{FF2B5EF4-FFF2-40B4-BE49-F238E27FC236}">
+                <a16:creationId xmlns="" xmlns:a16="http://schemas.microsoft.com/office/drawing/2014/main" id="{62737593-5087-4FE7-BE7B-97290A8959AA}"/>
+              </a:ext>
+            </a:extLst>
+          </p:cNvPr>
+          <p:cNvSpPr>
+            <a:spLocks noGrp="1"/>
+          </p:cNvSpPr>
+          <p:nvPr>
+            <p:ph type="body" idx="1"/>
+          </p:nvPr>
+        </p:nvSpPr>
         <p:spPr>
           <a:xfrm>
             <a:off x="457030" y="2182721"/>
@@ -6820,7 +7130,7 @@
           <p:cNvPr id="3" name="Text Placeholder 2">
             <a:extLst>
               <a:ext uri="{FF2B5EF4-FFF2-40B4-BE49-F238E27FC236}">
-                <a16:creationId xmlns:a16="http://schemas.microsoft.com/office/drawing/2014/main" xmlns="" id="{8013265B-6882-42AD-B306-1AACB5831960}"/>
+                <a16:creationId xmlns="" xmlns:a16="http://schemas.microsoft.com/office/drawing/2014/main" id="{8013265B-6882-42AD-B306-1AACB5831960}"/>
               </a:ext>
             </a:extLst>
           </p:cNvPr>
@@ -6857,7 +7167,7 @@
           <p:cNvPr id="4" name="Title 3">
             <a:extLst>
               <a:ext uri="{FF2B5EF4-FFF2-40B4-BE49-F238E27FC236}">
-                <a16:creationId xmlns:a16="http://schemas.microsoft.com/office/drawing/2014/main" xmlns="" id="{B58880D4-F928-4BAB-8F86-FB3A27D3AE1E}"/>
+                <a16:creationId xmlns="" xmlns:a16="http://schemas.microsoft.com/office/drawing/2014/main" id="{B58880D4-F928-4BAB-8F86-FB3A27D3AE1E}"/>
               </a:ext>
             </a:extLst>
           </p:cNvPr>
@@ -6922,199 +7232,6 @@
 </p:sld>
 </file>
 
-<file path=ppt/slides/slide12.xml><?xml version="1.0" encoding="utf-8"?>
-<p:sld xmlns:a="http://schemas.openxmlformats.org/drawingml/2006/main" xmlns:r="http://schemas.openxmlformats.org/officeDocument/2006/relationships" xmlns:p="http://schemas.openxmlformats.org/presentationml/2006/main">
-  <p:cSld>
-    <p:spTree>
-      <p:nvGrpSpPr>
-        <p:cNvPr id="1" name=""/>
-        <p:cNvGrpSpPr/>
-        <p:nvPr/>
-      </p:nvGrpSpPr>
-      <p:grpSpPr>
-        <a:xfrm>
-          <a:off x="0" y="0"/>
-          <a:ext cx="0" cy="0"/>
-          <a:chOff x="0" y="0"/>
-          <a:chExt cx="0" cy="0"/>
-        </a:xfrm>
-      </p:grpSpPr>
-      <p:sp>
-        <p:nvSpPr>
-          <p:cNvPr id="2" name="Text Placeholder 1">
-            <a:extLst>
-              <a:ext uri="{FF2B5EF4-FFF2-40B4-BE49-F238E27FC236}">
-                <a16:creationId xmlns:a16="http://schemas.microsoft.com/office/drawing/2014/main" xmlns="" id="{62737593-5087-4FE7-BE7B-97290A8959AA}"/>
-              </a:ext>
-            </a:extLst>
-          </p:cNvPr>
-          <p:cNvSpPr>
-            <a:spLocks noGrp="1"/>
-          </p:cNvSpPr>
-          <p:nvPr>
-            <p:ph type="body" idx="1"/>
-          </p:nvPr>
-        </p:nvSpPr>
-        <p:spPr/>
-        <p:txBody>
-          <a:bodyPr/>
-          <a:lstStyle/>
-          <a:p>
-            <a:r>
-              <a:rPr lang="fr-FR" dirty="0"/>
-              <a:t>Notre planning concerne les 4 jours de développement mis à disposition.</a:t>
-            </a:r>
-          </a:p>
-          <a:p>
-            <a:r>
-              <a:rPr lang="fr-FR" dirty="0"/>
-              <a:t>Nous sommes 3, cependant les deux premiers jours de travail un membre de notre équipe sera absent.</a:t>
-            </a:r>
-          </a:p>
-          <a:p>
-            <a:endParaRPr lang="fr-FR" dirty="0"/>
-          </a:p>
-          <a:p>
-            <a:r>
-              <a:rPr lang="fr-FR" dirty="0"/>
-              <a:t>Ainsi le planning prévisionnel (à préciser) sera le suivant :</a:t>
-            </a:r>
-          </a:p>
-          <a:p>
-            <a:endParaRPr lang="fr-FR" dirty="0"/>
-          </a:p>
-          <a:p>
-            <a:r>
-              <a:rPr lang="fr-FR" dirty="0"/>
-              <a:t>Jour 1 : Alexandre sur le paramétrage de la </a:t>
-            </a:r>
-            <a:r>
-              <a:rPr lang="fr-FR" dirty="0" err="1"/>
-              <a:t>gateway</a:t>
-            </a:r>
-            <a:r>
-              <a:rPr lang="fr-FR" dirty="0"/>
-              <a:t> et du robot, </a:t>
-            </a:r>
-            <a:r>
-              <a:rPr lang="fr-FR" dirty="0" err="1"/>
-              <a:t>Saber</a:t>
-            </a:r>
-            <a:r>
-              <a:rPr lang="fr-FR" dirty="0"/>
-              <a:t> sur la création de l’application mobile.</a:t>
-            </a:r>
-          </a:p>
-          <a:p>
-            <a:endParaRPr lang="fr-FR" dirty="0"/>
-          </a:p>
-          <a:p>
-            <a:r>
-              <a:rPr lang="fr-FR" dirty="0"/>
-              <a:t>Jour 2 : Alexandre sur la mise en place du service, le contrôle des sondes et des accès aux différents composants, </a:t>
-            </a:r>
-            <a:r>
-              <a:rPr lang="fr-FR" dirty="0" err="1"/>
-              <a:t>Saber</a:t>
-            </a:r>
-            <a:r>
-              <a:rPr lang="fr-FR" dirty="0"/>
-              <a:t> sur la finalisation de l’application et sur la mise en place des accès à distance aux fonctionnalités.</a:t>
-            </a:r>
-          </a:p>
-        </p:txBody>
-      </p:sp>
-      <p:sp>
-        <p:nvSpPr>
-          <p:cNvPr id="3" name="Text Placeholder 2">
-            <a:extLst>
-              <a:ext uri="{FF2B5EF4-FFF2-40B4-BE49-F238E27FC236}">
-                <a16:creationId xmlns:a16="http://schemas.microsoft.com/office/drawing/2014/main" xmlns="" id="{8013265B-6882-42AD-B306-1AACB5831960}"/>
-              </a:ext>
-            </a:extLst>
-          </p:cNvPr>
-          <p:cNvSpPr>
-            <a:spLocks noGrp="1"/>
-          </p:cNvSpPr>
-          <p:nvPr>
-            <p:ph type="body" sz="quarter" idx="12"/>
-          </p:nvPr>
-        </p:nvSpPr>
-        <p:spPr/>
-        <p:txBody>
-          <a:bodyPr/>
-          <a:lstStyle/>
-          <a:p>
-            <a:r>
-              <a:rPr lang="fr-FR" dirty="0" smtClean="0"/>
-              <a:t>&lt;</a:t>
-            </a:r>
-            <a:r>
-              <a:rPr lang="fr-FR" dirty="0" err="1" smtClean="0"/>
-              <a:t>poTech</a:t>
-            </a:r>
-            <a:r>
-              <a:rPr lang="fr-FR" dirty="0" smtClean="0"/>
-              <a:t>&gt;</a:t>
-            </a:r>
-            <a:endParaRPr lang="en-US" dirty="0"/>
-          </a:p>
-        </p:txBody>
-      </p:sp>
-      <p:sp>
-        <p:nvSpPr>
-          <p:cNvPr id="4" name="Title 3">
-            <a:extLst>
-              <a:ext uri="{FF2B5EF4-FFF2-40B4-BE49-F238E27FC236}">
-                <a16:creationId xmlns:a16="http://schemas.microsoft.com/office/drawing/2014/main" xmlns="" id="{B58880D4-F928-4BAB-8F86-FB3A27D3AE1E}"/>
-              </a:ext>
-            </a:extLst>
-          </p:cNvPr>
-          <p:cNvSpPr>
-            <a:spLocks noGrp="1"/>
-          </p:cNvSpPr>
-          <p:nvPr>
-            <p:ph type="title"/>
-          </p:nvPr>
-        </p:nvSpPr>
-        <p:spPr/>
-        <p:txBody>
-          <a:bodyPr/>
-          <a:lstStyle/>
-          <a:p>
-            <a:r>
-              <a:rPr lang="fr-FR" dirty="0"/>
-              <a:t>Product </a:t>
-            </a:r>
-            <a:r>
-              <a:rPr lang="fr-FR" dirty="0" smtClean="0"/>
-              <a:t>Planning [</a:t>
-            </a:r>
-            <a:r>
-              <a:rPr lang="fr-FR" dirty="0"/>
-              <a:t>2</a:t>
-            </a:r>
-            <a:r>
-              <a:rPr lang="fr-FR" dirty="0" smtClean="0"/>
-              <a:t>/3]</a:t>
-            </a:r>
-            <a:endParaRPr lang="en-US" dirty="0"/>
-          </a:p>
-        </p:txBody>
-      </p:sp>
-    </p:spTree>
-    <p:extLst>
-      <p:ext uri="{BB962C8B-B14F-4D97-AF65-F5344CB8AC3E}">
-        <p14:creationId xmlns:p14="http://schemas.microsoft.com/office/powerpoint/2010/main" val="3843562291"/>
-      </p:ext>
-    </p:extLst>
-  </p:cSld>
-  <p:clrMapOvr>
-    <a:masterClrMapping/>
-  </p:clrMapOvr>
-</p:sld>
-</file>
-
 <file path=ppt/slides/slide13.xml><?xml version="1.0" encoding="utf-8"?>
 <p:sld xmlns:a="http://schemas.openxmlformats.org/drawingml/2006/main" xmlns:r="http://schemas.openxmlformats.org/officeDocument/2006/relationships" xmlns:p="http://schemas.openxmlformats.org/presentationml/2006/main">
   <p:cSld>
@@ -7137,7 +7254,7 @@
           <p:cNvPr id="2" name="Text Placeholder 1">
             <a:extLst>
               <a:ext uri="{FF2B5EF4-FFF2-40B4-BE49-F238E27FC236}">
-                <a16:creationId xmlns:a16="http://schemas.microsoft.com/office/drawing/2014/main" xmlns="" id="{62737593-5087-4FE7-BE7B-97290A8959AA}"/>
+                <a16:creationId xmlns="" xmlns:a16="http://schemas.microsoft.com/office/drawing/2014/main" id="{62737593-5087-4FE7-BE7B-97290A8959AA}"/>
               </a:ext>
             </a:extLst>
           </p:cNvPr>
@@ -7155,7 +7272,39 @@
           <a:p>
             <a:r>
               <a:rPr lang="fr-FR" dirty="0"/>
-              <a:t>Jour 3 : Guillaume sur la vérification du paramétrage et de l’installation, Alexandre et </a:t>
+              <a:t>Notre planning concerne les 4 jours de développement mis à disposition.</a:t>
+            </a:r>
+          </a:p>
+          <a:p>
+            <a:r>
+              <a:rPr lang="fr-FR" dirty="0"/>
+              <a:t>Nous sommes 3, cependant les deux premiers jours de travail un membre de notre équipe sera absent.</a:t>
+            </a:r>
+          </a:p>
+          <a:p>
+            <a:endParaRPr lang="fr-FR" dirty="0"/>
+          </a:p>
+          <a:p>
+            <a:r>
+              <a:rPr lang="fr-FR" dirty="0"/>
+              <a:t>Ainsi le planning prévisionnel (à préciser) sera le suivant :</a:t>
+            </a:r>
+          </a:p>
+          <a:p>
+            <a:endParaRPr lang="fr-FR" dirty="0"/>
+          </a:p>
+          <a:p>
+            <a:r>
+              <a:rPr lang="fr-FR" dirty="0"/>
+              <a:t>Jour 1 : Alexandre sur le paramétrage de la </a:t>
+            </a:r>
+            <a:r>
+              <a:rPr lang="fr-FR" dirty="0" err="1"/>
+              <a:t>gateway</a:t>
+            </a:r>
+            <a:r>
+              <a:rPr lang="fr-FR" dirty="0"/>
+              <a:t> et du robot, </a:t>
             </a:r>
             <a:r>
               <a:rPr lang="fr-FR" dirty="0" err="1"/>
@@ -7163,32 +7312,16 @@
             </a:r>
             <a:r>
               <a:rPr lang="fr-FR" dirty="0"/>
-              <a:t> sur les </a:t>
-            </a:r>
-            <a:r>
-              <a:rPr lang="fr-FR" dirty="0" err="1"/>
-              <a:t>algo</a:t>
-            </a:r>
+              <a:t> sur la création de l’application mobile.</a:t>
+            </a:r>
+          </a:p>
+          <a:p>
+            <a:endParaRPr lang="fr-FR" dirty="0"/>
+          </a:p>
+          <a:p>
             <a:r>
               <a:rPr lang="fr-FR" dirty="0"/>
-              <a:t> liés à la logique du robot (gestion des déplacements, </a:t>
-            </a:r>
-            <a:r>
-              <a:rPr lang="fr-FR" dirty="0" err="1"/>
-              <a:t>etc</a:t>
-            </a:r>
-            <a:r>
-              <a:rPr lang="fr-FR" dirty="0"/>
-              <a:t>).</a:t>
-            </a:r>
-          </a:p>
-          <a:p>
-            <a:endParaRPr lang="fr-FR" dirty="0"/>
-          </a:p>
-          <a:p>
-            <a:r>
-              <a:rPr lang="fr-FR" dirty="0"/>
-              <a:t>Jour 4 : </a:t>
+              <a:t>Jour 2 : Alexandre sur la mise en place du service, le contrôle des sondes et des accès aux différents composants, </a:t>
             </a:r>
             <a:r>
               <a:rPr lang="fr-FR" dirty="0" err="1"/>
@@ -7196,7 +7329,7 @@
             </a:r>
             <a:r>
               <a:rPr lang="fr-FR" dirty="0"/>
-              <a:t> sur la finalisation de l’accès à distance aux déplacements, Alexandre sur la mise en forme des informations sur l’appli et Guillaume sur l’analyse du comportement et le retour de bugs.</a:t>
+              <a:t> sur la finalisation de l’application et sur la mise en place des accès à distance aux fonctionnalités.</a:t>
             </a:r>
           </a:p>
         </p:txBody>
@@ -7206,7 +7339,7 @@
           <p:cNvPr id="3" name="Text Placeholder 2">
             <a:extLst>
               <a:ext uri="{FF2B5EF4-FFF2-40B4-BE49-F238E27FC236}">
-                <a16:creationId xmlns:a16="http://schemas.microsoft.com/office/drawing/2014/main" xmlns="" id="{8013265B-6882-42AD-B306-1AACB5831960}"/>
+                <a16:creationId xmlns="" xmlns:a16="http://schemas.microsoft.com/office/drawing/2014/main" id="{8013265B-6882-42AD-B306-1AACB5831960}"/>
               </a:ext>
             </a:extLst>
           </p:cNvPr>
@@ -7243,7 +7376,7 @@
           <p:cNvPr id="4" name="Title 3">
             <a:extLst>
               <a:ext uri="{FF2B5EF4-FFF2-40B4-BE49-F238E27FC236}">
-                <a16:creationId xmlns:a16="http://schemas.microsoft.com/office/drawing/2014/main" xmlns="" id="{B58880D4-F928-4BAB-8F86-FB3A27D3AE1E}"/>
+                <a16:creationId xmlns="" xmlns:a16="http://schemas.microsoft.com/office/drawing/2014/main" id="{B58880D4-F928-4BAB-8F86-FB3A27D3AE1E}"/>
               </a:ext>
             </a:extLst>
           </p:cNvPr>
@@ -7265,7 +7398,15 @@
             </a:r>
             <a:r>
               <a:rPr lang="fr-FR" dirty="0" smtClean="0"/>
-              <a:t>Planning [3/3]</a:t>
+              <a:t>Planning [</a:t>
+            </a:r>
+            <a:r>
+              <a:rPr lang="fr-FR" dirty="0"/>
+              <a:t>2</a:t>
+            </a:r>
+            <a:r>
+              <a:rPr lang="fr-FR" dirty="0" smtClean="0"/>
+              <a:t>/3]</a:t>
             </a:r>
             <a:endParaRPr lang="en-US" dirty="0"/>
           </a:p>
@@ -7274,7 +7415,7 @@
     </p:spTree>
     <p:extLst>
       <p:ext uri="{BB962C8B-B14F-4D97-AF65-F5344CB8AC3E}">
-        <p14:creationId xmlns:p14="http://schemas.microsoft.com/office/powerpoint/2010/main" val="525688119"/>
+        <p14:creationId xmlns:p14="http://schemas.microsoft.com/office/powerpoint/2010/main" val="3843562291"/>
       </p:ext>
     </p:extLst>
   </p:cSld>
@@ -7306,7 +7447,7 @@
           <p:cNvPr id="2" name="Text Placeholder 1">
             <a:extLst>
               <a:ext uri="{FF2B5EF4-FFF2-40B4-BE49-F238E27FC236}">
-                <a16:creationId xmlns:a16="http://schemas.microsoft.com/office/drawing/2014/main" xmlns="" id="{576D1632-C889-465C-A567-CA185B1F9244}"/>
+                <a16:creationId xmlns="" xmlns:a16="http://schemas.microsoft.com/office/drawing/2014/main" id="{62737593-5087-4FE7-BE7B-97290A8959AA}"/>
               </a:ext>
             </a:extLst>
           </p:cNvPr>
@@ -7317,6 +7458,175 @@
             <p:ph type="body" idx="1"/>
           </p:nvPr>
         </p:nvSpPr>
+        <p:spPr/>
+        <p:txBody>
+          <a:bodyPr/>
+          <a:lstStyle/>
+          <a:p>
+            <a:r>
+              <a:rPr lang="fr-FR" dirty="0"/>
+              <a:t>Jour 3 : Guillaume sur la vérification du paramétrage et de l’installation, Alexandre et </a:t>
+            </a:r>
+            <a:r>
+              <a:rPr lang="fr-FR" dirty="0" err="1"/>
+              <a:t>Saber</a:t>
+            </a:r>
+            <a:r>
+              <a:rPr lang="fr-FR" dirty="0"/>
+              <a:t> sur les </a:t>
+            </a:r>
+            <a:r>
+              <a:rPr lang="fr-FR" dirty="0" err="1"/>
+              <a:t>algo</a:t>
+            </a:r>
+            <a:r>
+              <a:rPr lang="fr-FR" dirty="0"/>
+              <a:t> liés à la logique du robot (gestion des déplacements, </a:t>
+            </a:r>
+            <a:r>
+              <a:rPr lang="fr-FR" dirty="0" err="1"/>
+              <a:t>etc</a:t>
+            </a:r>
+            <a:r>
+              <a:rPr lang="fr-FR" dirty="0"/>
+              <a:t>).</a:t>
+            </a:r>
+          </a:p>
+          <a:p>
+            <a:endParaRPr lang="fr-FR" dirty="0"/>
+          </a:p>
+          <a:p>
+            <a:r>
+              <a:rPr lang="fr-FR" dirty="0"/>
+              <a:t>Jour 4 : </a:t>
+            </a:r>
+            <a:r>
+              <a:rPr lang="fr-FR" dirty="0" err="1"/>
+              <a:t>Saber</a:t>
+            </a:r>
+            <a:r>
+              <a:rPr lang="fr-FR" dirty="0"/>
+              <a:t> sur la finalisation de l’accès à distance aux déplacements, Alexandre sur la mise en forme des informations sur l’appli et Guillaume sur l’analyse du comportement et le retour de bugs.</a:t>
+            </a:r>
+          </a:p>
+        </p:txBody>
+      </p:sp>
+      <p:sp>
+        <p:nvSpPr>
+          <p:cNvPr id="3" name="Text Placeholder 2">
+            <a:extLst>
+              <a:ext uri="{FF2B5EF4-FFF2-40B4-BE49-F238E27FC236}">
+                <a16:creationId xmlns="" xmlns:a16="http://schemas.microsoft.com/office/drawing/2014/main" id="{8013265B-6882-42AD-B306-1AACB5831960}"/>
+              </a:ext>
+            </a:extLst>
+          </p:cNvPr>
+          <p:cNvSpPr>
+            <a:spLocks noGrp="1"/>
+          </p:cNvSpPr>
+          <p:nvPr>
+            <p:ph type="body" sz="quarter" idx="12"/>
+          </p:nvPr>
+        </p:nvSpPr>
+        <p:spPr/>
+        <p:txBody>
+          <a:bodyPr/>
+          <a:lstStyle/>
+          <a:p>
+            <a:r>
+              <a:rPr lang="fr-FR" dirty="0" smtClean="0"/>
+              <a:t>&lt;</a:t>
+            </a:r>
+            <a:r>
+              <a:rPr lang="fr-FR" dirty="0" err="1" smtClean="0"/>
+              <a:t>poTech</a:t>
+            </a:r>
+            <a:r>
+              <a:rPr lang="fr-FR" dirty="0" smtClean="0"/>
+              <a:t>&gt;</a:t>
+            </a:r>
+            <a:endParaRPr lang="en-US" dirty="0"/>
+          </a:p>
+        </p:txBody>
+      </p:sp>
+      <p:sp>
+        <p:nvSpPr>
+          <p:cNvPr id="4" name="Title 3">
+            <a:extLst>
+              <a:ext uri="{FF2B5EF4-FFF2-40B4-BE49-F238E27FC236}">
+                <a16:creationId xmlns="" xmlns:a16="http://schemas.microsoft.com/office/drawing/2014/main" id="{B58880D4-F928-4BAB-8F86-FB3A27D3AE1E}"/>
+              </a:ext>
+            </a:extLst>
+          </p:cNvPr>
+          <p:cNvSpPr>
+            <a:spLocks noGrp="1"/>
+          </p:cNvSpPr>
+          <p:nvPr>
+            <p:ph type="title"/>
+          </p:nvPr>
+        </p:nvSpPr>
+        <p:spPr/>
+        <p:txBody>
+          <a:bodyPr/>
+          <a:lstStyle/>
+          <a:p>
+            <a:r>
+              <a:rPr lang="fr-FR" dirty="0"/>
+              <a:t>Product </a:t>
+            </a:r>
+            <a:r>
+              <a:rPr lang="fr-FR" dirty="0" smtClean="0"/>
+              <a:t>Planning [3/3]</a:t>
+            </a:r>
+            <a:endParaRPr lang="en-US" dirty="0"/>
+          </a:p>
+        </p:txBody>
+      </p:sp>
+    </p:spTree>
+    <p:extLst>
+      <p:ext uri="{BB962C8B-B14F-4D97-AF65-F5344CB8AC3E}">
+        <p14:creationId xmlns:p14="http://schemas.microsoft.com/office/powerpoint/2010/main" val="525688119"/>
+      </p:ext>
+    </p:extLst>
+  </p:cSld>
+  <p:clrMapOvr>
+    <a:masterClrMapping/>
+  </p:clrMapOvr>
+</p:sld>
+</file>
+
+<file path=ppt/slides/slide15.xml><?xml version="1.0" encoding="utf-8"?>
+<p:sld xmlns:a="http://schemas.openxmlformats.org/drawingml/2006/main" xmlns:r="http://schemas.openxmlformats.org/officeDocument/2006/relationships" xmlns:p="http://schemas.openxmlformats.org/presentationml/2006/main">
+  <p:cSld>
+    <p:spTree>
+      <p:nvGrpSpPr>
+        <p:cNvPr id="1" name=""/>
+        <p:cNvGrpSpPr/>
+        <p:nvPr/>
+      </p:nvGrpSpPr>
+      <p:grpSpPr>
+        <a:xfrm>
+          <a:off x="0" y="0"/>
+          <a:ext cx="0" cy="0"/>
+          <a:chOff x="0" y="0"/>
+          <a:chExt cx="0" cy="0"/>
+        </a:xfrm>
+      </p:grpSpPr>
+      <p:sp>
+        <p:nvSpPr>
+          <p:cNvPr id="2" name="Text Placeholder 1">
+            <a:extLst>
+              <a:ext uri="{FF2B5EF4-FFF2-40B4-BE49-F238E27FC236}">
+                <a16:creationId xmlns="" xmlns:a16="http://schemas.microsoft.com/office/drawing/2014/main" id="{576D1632-C889-465C-A567-CA185B1F9244}"/>
+              </a:ext>
+            </a:extLst>
+          </p:cNvPr>
+          <p:cNvSpPr>
+            <a:spLocks noGrp="1"/>
+          </p:cNvSpPr>
+          <p:nvPr>
+            <p:ph type="body" idx="1"/>
+          </p:nvPr>
+        </p:nvSpPr>
         <p:spPr>
           <a:xfrm>
             <a:off x="457030" y="1662237"/>
@@ -7379,7 +7689,7 @@
           <p:cNvPr id="3" name="Text Placeholder 2">
             <a:extLst>
               <a:ext uri="{FF2B5EF4-FFF2-40B4-BE49-F238E27FC236}">
-                <a16:creationId xmlns:a16="http://schemas.microsoft.com/office/drawing/2014/main" xmlns="" id="{3CE1B846-8A60-40E5-B39B-A284E2BB3899}"/>
+                <a16:creationId xmlns="" xmlns:a16="http://schemas.microsoft.com/office/drawing/2014/main" id="{3CE1B846-8A60-40E5-B39B-A284E2BB3899}"/>
               </a:ext>
             </a:extLst>
           </p:cNvPr>
@@ -7427,7 +7737,7 @@
           <p:cNvPr id="4" name="Title 3">
             <a:extLst>
               <a:ext uri="{FF2B5EF4-FFF2-40B4-BE49-F238E27FC236}">
-                <a16:creationId xmlns:a16="http://schemas.microsoft.com/office/drawing/2014/main" xmlns="" id="{09ACD31A-B87D-43FD-8A7E-250C3FD8A9B0}"/>
+                <a16:creationId xmlns="" xmlns:a16="http://schemas.microsoft.com/office/drawing/2014/main" id="{09ACD31A-B87D-43FD-8A7E-250C3FD8A9B0}"/>
               </a:ext>
             </a:extLst>
           </p:cNvPr>
@@ -7486,7 +7796,7 @@
           <p:cNvPr id="2" name="Text Placeholder 1">
             <a:extLst>
               <a:ext uri="{FF2B5EF4-FFF2-40B4-BE49-F238E27FC236}">
-                <a16:creationId xmlns:a16="http://schemas.microsoft.com/office/drawing/2014/main" xmlns="" id="{57618B06-C8A8-4469-855E-61B392DFFAFC}"/>
+                <a16:creationId xmlns="" xmlns:a16="http://schemas.microsoft.com/office/drawing/2014/main" id="{57618B06-C8A8-4469-855E-61B392DFFAFC}"/>
               </a:ext>
             </a:extLst>
           </p:cNvPr>
@@ -7538,7 +7848,7 @@
           <p:cNvPr id="4" name="Title 3">
             <a:extLst>
               <a:ext uri="{FF2B5EF4-FFF2-40B4-BE49-F238E27FC236}">
-                <a16:creationId xmlns:a16="http://schemas.microsoft.com/office/drawing/2014/main" xmlns="" id="{A8E00CF9-B64D-475E-8EFD-166477C1CA41}"/>
+                <a16:creationId xmlns="" xmlns:a16="http://schemas.microsoft.com/office/drawing/2014/main" id="{A8E00CF9-B64D-475E-8EFD-166477C1CA41}"/>
               </a:ext>
             </a:extLst>
           </p:cNvPr>
@@ -7605,7 +7915,7 @@
           <p:cNvPr id="2" name="Text Placeholder 1">
             <a:extLst>
               <a:ext uri="{FF2B5EF4-FFF2-40B4-BE49-F238E27FC236}">
-                <a16:creationId xmlns:a16="http://schemas.microsoft.com/office/drawing/2014/main" xmlns="" id="{826A09AA-0F31-4462-9395-565580C8D524}"/>
+                <a16:creationId xmlns="" xmlns:a16="http://schemas.microsoft.com/office/drawing/2014/main" id="{826A09AA-0F31-4462-9395-565580C8D524}"/>
               </a:ext>
             </a:extLst>
           </p:cNvPr>
@@ -7616,7 +7926,12 @@
             <p:ph type="body" idx="1"/>
           </p:nvPr>
         </p:nvSpPr>
-        <p:spPr/>
+        <p:spPr>
+          <a:xfrm>
+            <a:off x="276012" y="3356992"/>
+            <a:ext cx="10869084" cy="4226428"/>
+          </a:xfrm>
+        </p:spPr>
         <p:txBody>
           <a:bodyPr/>
           <a:lstStyle/>
@@ -7645,7 +7960,7 @@
           <p:cNvPr id="3" name="Text Placeholder 2">
             <a:extLst>
               <a:ext uri="{FF2B5EF4-FFF2-40B4-BE49-F238E27FC236}">
-                <a16:creationId xmlns:a16="http://schemas.microsoft.com/office/drawing/2014/main" xmlns="" id="{5DCD3969-F3F4-474C-BFD9-B9942D360873}"/>
+                <a16:creationId xmlns="" xmlns:a16="http://schemas.microsoft.com/office/drawing/2014/main" id="{5DCD3969-F3F4-474C-BFD9-B9942D360873}"/>
               </a:ext>
             </a:extLst>
           </p:cNvPr>
@@ -7661,18 +7976,6 @@
           <a:bodyPr/>
           <a:lstStyle/>
           <a:p>
-            <a:r>
-              <a:rPr lang="fr-FR" dirty="0" smtClean="0"/>
-              <a:t>&lt;</a:t>
-            </a:r>
-            <a:r>
-              <a:rPr lang="fr-FR" dirty="0" err="1" smtClean="0"/>
-              <a:t>poTech</a:t>
-            </a:r>
-            <a:r>
-              <a:rPr lang="fr-FR" dirty="0" smtClean="0"/>
-              <a:t>&gt;</a:t>
-            </a:r>
             <a:endParaRPr lang="en-US" dirty="0"/>
           </a:p>
         </p:txBody>
@@ -7682,7 +7985,7 @@
           <p:cNvPr id="4" name="Title 3">
             <a:extLst>
               <a:ext uri="{FF2B5EF4-FFF2-40B4-BE49-F238E27FC236}">
-                <a16:creationId xmlns:a16="http://schemas.microsoft.com/office/drawing/2014/main" xmlns="" id="{83DD17B1-6CB7-4354-8701-009D08BAB665}"/>
+                <a16:creationId xmlns="" xmlns:a16="http://schemas.microsoft.com/office/drawing/2014/main" id="{83DD17B1-6CB7-4354-8701-009D08BAB665}"/>
               </a:ext>
             </a:extLst>
           </p:cNvPr>
@@ -7700,12 +8003,40 @@
           <a:p>
             <a:r>
               <a:rPr lang="fr-FR" dirty="0"/>
-              <a:t>Project Introduction</a:t>
+              <a:t>Project </a:t>
+            </a:r>
+            <a:r>
+              <a:rPr lang="fr-FR" dirty="0" smtClean="0"/>
+              <a:t>Introduction [1/2]</a:t>
             </a:r>
             <a:endParaRPr lang="en-US" dirty="0"/>
           </a:p>
         </p:txBody>
       </p:sp>
+      <p:pic>
+        <p:nvPicPr>
+          <p:cNvPr id="5" name="Image 4"/>
+          <p:cNvPicPr>
+            <a:picLocks noChangeAspect="1"/>
+          </p:cNvPicPr>
+          <p:nvPr/>
+        </p:nvPicPr>
+        <p:blipFill>
+          <a:blip r:embed="rId2"/>
+          <a:stretch>
+            <a:fillRect/>
+          </a:stretch>
+        </p:blipFill>
+        <p:spPr>
+          <a:xfrm>
+            <a:off x="3647728" y="980728"/>
+            <a:ext cx="4125652" cy="2542433"/>
+          </a:xfrm>
+          <a:prstGeom prst="rect">
+            <a:avLst/>
+          </a:prstGeom>
+        </p:spPr>
+      </p:pic>
     </p:spTree>
     <p:extLst>
       <p:ext uri="{BB962C8B-B14F-4D97-AF65-F5344CB8AC3E}">
@@ -7738,53 +8069,10 @@
       </p:grpSpPr>
       <p:sp>
         <p:nvSpPr>
-          <p:cNvPr id="2" name="Text Placeholder 1">
-            <a:extLst>
-              <a:ext uri="{FF2B5EF4-FFF2-40B4-BE49-F238E27FC236}">
-                <a16:creationId xmlns:a16="http://schemas.microsoft.com/office/drawing/2014/main" xmlns="" id="{6A753048-6BD6-4745-A479-DBAD34CB3216}"/>
-              </a:ext>
-            </a:extLst>
-          </p:cNvPr>
-          <p:cNvSpPr>
-            <a:spLocks noGrp="1"/>
-          </p:cNvSpPr>
-          <p:nvPr>
-            <p:ph type="body" idx="1"/>
-          </p:nvPr>
-        </p:nvSpPr>
-        <p:spPr/>
-        <p:txBody>
-          <a:bodyPr/>
-          <a:lstStyle/>
-          <a:p>
-            <a:r>
-              <a:rPr lang="fr-FR" dirty="0"/>
-              <a:t>Rodrigo, cadre dans une entreprise du numérique, aime peaufiner la décoration de son appartement. Particulièrement adepte du “green house” il possède de nombreuses plantes.</a:t>
-            </a:r>
-          </a:p>
-          <a:p>
-            <a:r>
-              <a:rPr lang="fr-FR" dirty="0"/>
-              <a:t>Cependant ses horaires sont assez larges, 9h/18h en général et différents déplacements mensuels. Il ne peut donc pas arroser efficacement ses plantes tout au long de la journée, ni leur faire profiter d’un ensoleillement optimal.</a:t>
-            </a:r>
-          </a:p>
-          <a:p>
-            <a:endParaRPr lang="fr-FR" dirty="0"/>
-          </a:p>
-          <a:p>
-            <a:r>
-              <a:rPr lang="fr-FR" dirty="0"/>
-              <a:t>Grâce à notre produit il pourra paramétrer au besoin les différents pots, et les contrôler à distance si nécessaire.</a:t>
-            </a:r>
-          </a:p>
-        </p:txBody>
-      </p:sp>
-      <p:sp>
-        <p:nvSpPr>
           <p:cNvPr id="3" name="Text Placeholder 2">
             <a:extLst>
               <a:ext uri="{FF2B5EF4-FFF2-40B4-BE49-F238E27FC236}">
-                <a16:creationId xmlns:a16="http://schemas.microsoft.com/office/drawing/2014/main" xmlns="" id="{B5A8B3F6-F49D-4359-9E12-3F0C089B2E23}"/>
+                <a16:creationId xmlns="" xmlns:a16="http://schemas.microsoft.com/office/drawing/2014/main" id="{5DCD3969-F3F4-474C-BFD9-B9942D360873}"/>
               </a:ext>
             </a:extLst>
           </p:cNvPr>
@@ -7821,7 +8109,7 @@
           <p:cNvPr id="4" name="Title 3">
             <a:extLst>
               <a:ext uri="{FF2B5EF4-FFF2-40B4-BE49-F238E27FC236}">
-                <a16:creationId xmlns:a16="http://schemas.microsoft.com/office/drawing/2014/main" xmlns="" id="{9E541666-6E26-4F40-A926-D9E557AF3D4F}"/>
+                <a16:creationId xmlns="" xmlns:a16="http://schemas.microsoft.com/office/drawing/2014/main" id="{83DD17B1-6CB7-4354-8701-009D08BAB665}"/>
               </a:ext>
             </a:extLst>
           </p:cNvPr>
@@ -7839,20 +8127,61 @@
           <a:p>
             <a:r>
               <a:rPr lang="fr-FR" dirty="0"/>
-              <a:t>Project Use cases [</a:t>
+              <a:t>Project </a:t>
             </a:r>
             <a:r>
               <a:rPr lang="fr-FR" dirty="0" smtClean="0"/>
-              <a:t>1/2]</a:t>
+              <a:t>Introduction [2/2]</a:t>
             </a:r>
             <a:endParaRPr lang="en-US" dirty="0"/>
           </a:p>
         </p:txBody>
       </p:sp>
+      <p:pic>
+        <p:nvPicPr>
+          <p:cNvPr id="1026" name="Picture 2" descr="https://cdn.discordapp.com/attachments/555745296341270529/568742703744024588/Presentation.004.jpeg"/>
+          <p:cNvPicPr>
+            <a:picLocks noChangeAspect="1" noChangeArrowheads="1"/>
+          </p:cNvPicPr>
+          <p:nvPr/>
+        </p:nvPicPr>
+        <p:blipFill>
+          <a:blip r:embed="rId2">
+            <a:extLst>
+              <a:ext uri="{28A0092B-C50C-407E-A947-70E740481C1C}">
+                <a14:useLocalDpi xmlns:a14="http://schemas.microsoft.com/office/drawing/2010/main" val="0"/>
+              </a:ext>
+            </a:extLst>
+          </a:blip>
+          <a:srcRect/>
+          <a:stretch>
+            <a:fillRect/>
+          </a:stretch>
+        </p:blipFill>
+        <p:spPr bwMode="auto">
+          <a:xfrm>
+            <a:off x="2711624" y="1511498"/>
+            <a:ext cx="6696744" cy="5022558"/>
+          </a:xfrm>
+          <a:prstGeom prst="rect">
+            <a:avLst/>
+          </a:prstGeom>
+          <a:noFill/>
+          <a:extLst>
+            <a:ext uri="{909E8E84-426E-40DD-AFC4-6F175D3DCCD1}">
+              <a14:hiddenFill xmlns:a14="http://schemas.microsoft.com/office/drawing/2010/main">
+                <a:solidFill>
+                  <a:srgbClr val="FFFFFF"/>
+                </a:solidFill>
+              </a14:hiddenFill>
+            </a:ext>
+          </a:extLst>
+        </p:spPr>
+      </p:pic>
     </p:spTree>
     <p:extLst>
       <p:ext uri="{BB962C8B-B14F-4D97-AF65-F5344CB8AC3E}">
-        <p14:creationId xmlns:p14="http://schemas.microsoft.com/office/powerpoint/2010/main" val="1546075155"/>
+        <p14:creationId xmlns:p14="http://schemas.microsoft.com/office/powerpoint/2010/main" val="1801365197"/>
       </p:ext>
     </p:extLst>
   </p:cSld>
@@ -7884,7 +8213,7 @@
           <p:cNvPr id="2" name="Text Placeholder 1">
             <a:extLst>
               <a:ext uri="{FF2B5EF4-FFF2-40B4-BE49-F238E27FC236}">
-                <a16:creationId xmlns:a16="http://schemas.microsoft.com/office/drawing/2014/main" xmlns="" id="{6A753048-6BD6-4745-A479-DBAD34CB3216}"/>
+                <a16:creationId xmlns="" xmlns:a16="http://schemas.microsoft.com/office/drawing/2014/main" id="{6A753048-6BD6-4745-A479-DBAD34CB3216}"/>
               </a:ext>
             </a:extLst>
           </p:cNvPr>
@@ -7901,12 +8230,14 @@
           <a:lstStyle/>
           <a:p>
             <a:r>
-              <a:rPr lang="fr-FR" dirty="0" err="1"/>
-              <a:t>Jeane</a:t>
-            </a:r>
-            <a:r>
               <a:rPr lang="fr-FR" dirty="0"/>
-              <a:t>, fan de voyages et de week-end de trois jours, possède différentes plantes chez-elle. </a:t>
+              <a:t>Rodrigo, cadre dans une entreprise du numérique, aime peaufiner la décoration de son appartement. Particulièrement adepte du “green house” il possède de nombreuses plantes.</a:t>
+            </a:r>
+          </a:p>
+          <a:p>
+            <a:r>
+              <a:rPr lang="fr-FR" dirty="0"/>
+              <a:t>Cependant ses horaires sont assez larges, 9h/18h en général et différents déplacements mensuels. Il ne peut donc pas arroser efficacement ses plantes tout au long de la journée, ni leur faire profiter d’un ensoleillement optimal.</a:t>
             </a:r>
           </a:p>
           <a:p>
@@ -7915,20 +8246,8 @@
           <a:p>
             <a:r>
               <a:rPr lang="fr-FR" dirty="0"/>
-              <a:t>A chaque week-end de trois jours (merci le lundi de Paques !) c’est pareil, ses plantations sont méconnaissables à son retour.</a:t>
-            </a:r>
-          </a:p>
-          <a:p>
-            <a:endParaRPr lang="fr-FR" dirty="0"/>
-          </a:p>
-          <a:p>
-            <a:r>
-              <a:rPr lang="fr-FR" dirty="0"/>
-              <a:t>Grâce à notre produit elle pourra partir l’esprit tranquille, tout se gérera automatiquement. Et elle pourra consulter en temps réel le bon fonctionnement du matériel grâce aux données de l’appli.</a:t>
-            </a:r>
-          </a:p>
-          <a:p>
-            <a:endParaRPr lang="fr-FR" dirty="0" err="1"/>
+              <a:t>Grâce à notre produit il pourra paramétrer au besoin les différents pots, et les contrôler à distance si nécessaire.</a:t>
+            </a:r>
           </a:p>
         </p:txBody>
       </p:sp>
@@ -7937,7 +8256,7 @@
           <p:cNvPr id="3" name="Text Placeholder 2">
             <a:extLst>
               <a:ext uri="{FF2B5EF4-FFF2-40B4-BE49-F238E27FC236}">
-                <a16:creationId xmlns:a16="http://schemas.microsoft.com/office/drawing/2014/main" xmlns="" id="{B5A8B3F6-F49D-4359-9E12-3F0C089B2E23}"/>
+                <a16:creationId xmlns="" xmlns:a16="http://schemas.microsoft.com/office/drawing/2014/main" id="{B5A8B3F6-F49D-4359-9E12-3F0C089B2E23}"/>
               </a:ext>
             </a:extLst>
           </p:cNvPr>
@@ -7974,7 +8293,7 @@
           <p:cNvPr id="4" name="Title 3">
             <a:extLst>
               <a:ext uri="{FF2B5EF4-FFF2-40B4-BE49-F238E27FC236}">
-                <a16:creationId xmlns:a16="http://schemas.microsoft.com/office/drawing/2014/main" xmlns="" id="{9E541666-6E26-4F40-A926-D9E557AF3D4F}"/>
+                <a16:creationId xmlns="" xmlns:a16="http://schemas.microsoft.com/office/drawing/2014/main" id="{9E541666-6E26-4F40-A926-D9E557AF3D4F}"/>
               </a:ext>
             </a:extLst>
           </p:cNvPr>
@@ -7992,11 +8311,11 @@
           <a:p>
             <a:r>
               <a:rPr lang="fr-FR" dirty="0"/>
-              <a:t>Project Use cases </a:t>
+              <a:t>Project Use cases [</a:t>
             </a:r>
             <a:r>
               <a:rPr lang="fr-FR" dirty="0" smtClean="0"/>
-              <a:t>[2/2]</a:t>
+              <a:t>1/2]</a:t>
             </a:r>
             <a:endParaRPr lang="en-US" dirty="0"/>
           </a:p>
@@ -8005,7 +8324,7 @@
     </p:spTree>
     <p:extLst>
       <p:ext uri="{BB962C8B-B14F-4D97-AF65-F5344CB8AC3E}">
-        <p14:creationId xmlns:p14="http://schemas.microsoft.com/office/powerpoint/2010/main" val="3594963567"/>
+        <p14:creationId xmlns:p14="http://schemas.microsoft.com/office/powerpoint/2010/main" val="1546075155"/>
       </p:ext>
     </p:extLst>
   </p:cSld>
@@ -8037,7 +8356,7 @@
           <p:cNvPr id="2" name="Text Placeholder 1">
             <a:extLst>
               <a:ext uri="{FF2B5EF4-FFF2-40B4-BE49-F238E27FC236}">
-                <a16:creationId xmlns:a16="http://schemas.microsoft.com/office/drawing/2014/main" xmlns="" id="{B6F8AC67-6D9C-47B0-9C78-55034137C6E3}"/>
+                <a16:creationId xmlns="" xmlns:a16="http://schemas.microsoft.com/office/drawing/2014/main" id="{6A753048-6BD6-4745-A479-DBAD34CB3216}"/>
               </a:ext>
             </a:extLst>
           </p:cNvPr>
@@ -8053,13 +8372,35 @@
           <a:bodyPr/>
           <a:lstStyle/>
           <a:p>
-            <a:endParaRPr lang="en-US" dirty="0" smtClean="0"/>
-          </a:p>
-          <a:p>
-            <a:endParaRPr lang="en-US" dirty="0"/>
-          </a:p>
-          <a:p>
-            <a:endParaRPr lang="en-US" dirty="0"/>
+            <a:r>
+              <a:rPr lang="fr-FR" dirty="0" err="1"/>
+              <a:t>Jeane</a:t>
+            </a:r>
+            <a:r>
+              <a:rPr lang="fr-FR" dirty="0"/>
+              <a:t>, fan de voyages et de week-end de trois jours, possède différentes plantes chez-elle. </a:t>
+            </a:r>
+          </a:p>
+          <a:p>
+            <a:endParaRPr lang="fr-FR" dirty="0"/>
+          </a:p>
+          <a:p>
+            <a:r>
+              <a:rPr lang="fr-FR" dirty="0"/>
+              <a:t>A chaque week-end de trois jours (merci le lundi de Paques !) c’est pareil, ses plantations sont méconnaissables à son retour.</a:t>
+            </a:r>
+          </a:p>
+          <a:p>
+            <a:endParaRPr lang="fr-FR" dirty="0"/>
+          </a:p>
+          <a:p>
+            <a:r>
+              <a:rPr lang="fr-FR" dirty="0"/>
+              <a:t>Grâce à notre produit elle pourra partir l’esprit tranquille, tout se gérera automatiquement. Et elle pourra consulter en temps réel le bon fonctionnement du matériel grâce aux données de l’appli.</a:t>
+            </a:r>
+          </a:p>
+          <a:p>
+            <a:endParaRPr lang="fr-FR" dirty="0" err="1"/>
           </a:p>
         </p:txBody>
       </p:sp>
@@ -8068,7 +8409,7 @@
           <p:cNvPr id="3" name="Text Placeholder 2">
             <a:extLst>
               <a:ext uri="{FF2B5EF4-FFF2-40B4-BE49-F238E27FC236}">
-                <a16:creationId xmlns:a16="http://schemas.microsoft.com/office/drawing/2014/main" xmlns="" id="{597D0BC2-3189-4626-BEAD-D450511C8E15}"/>
+                <a16:creationId xmlns="" xmlns:a16="http://schemas.microsoft.com/office/drawing/2014/main" id="{B5A8B3F6-F49D-4359-9E12-3F0C089B2E23}"/>
               </a:ext>
             </a:extLst>
           </p:cNvPr>
@@ -8105,7 +8446,138 @@
           <p:cNvPr id="4" name="Title 3">
             <a:extLst>
               <a:ext uri="{FF2B5EF4-FFF2-40B4-BE49-F238E27FC236}">
-                <a16:creationId xmlns:a16="http://schemas.microsoft.com/office/drawing/2014/main" xmlns="" id="{814F351C-F6DB-43DC-AD1C-1759C3C5EC88}"/>
+                <a16:creationId xmlns="" xmlns:a16="http://schemas.microsoft.com/office/drawing/2014/main" id="{9E541666-6E26-4F40-A926-D9E557AF3D4F}"/>
+              </a:ext>
+            </a:extLst>
+          </p:cNvPr>
+          <p:cNvSpPr>
+            <a:spLocks noGrp="1"/>
+          </p:cNvSpPr>
+          <p:nvPr>
+            <p:ph type="title"/>
+          </p:nvPr>
+        </p:nvSpPr>
+        <p:spPr/>
+        <p:txBody>
+          <a:bodyPr/>
+          <a:lstStyle/>
+          <a:p>
+            <a:r>
+              <a:rPr lang="fr-FR" dirty="0"/>
+              <a:t>Project Use cases </a:t>
+            </a:r>
+            <a:r>
+              <a:rPr lang="fr-FR" dirty="0" smtClean="0"/>
+              <a:t>[2/2]</a:t>
+            </a:r>
+            <a:endParaRPr lang="en-US" dirty="0"/>
+          </a:p>
+        </p:txBody>
+      </p:sp>
+    </p:spTree>
+    <p:extLst>
+      <p:ext uri="{BB962C8B-B14F-4D97-AF65-F5344CB8AC3E}">
+        <p14:creationId xmlns:p14="http://schemas.microsoft.com/office/powerpoint/2010/main" val="3594963567"/>
+      </p:ext>
+    </p:extLst>
+  </p:cSld>
+  <p:clrMapOvr>
+    <a:masterClrMapping/>
+  </p:clrMapOvr>
+</p:sld>
+</file>
+
+<file path=ppt/slides/slide7.xml><?xml version="1.0" encoding="utf-8"?>
+<p:sld xmlns:a="http://schemas.openxmlformats.org/drawingml/2006/main" xmlns:r="http://schemas.openxmlformats.org/officeDocument/2006/relationships" xmlns:p="http://schemas.openxmlformats.org/presentationml/2006/main">
+  <p:cSld>
+    <p:spTree>
+      <p:nvGrpSpPr>
+        <p:cNvPr id="1" name=""/>
+        <p:cNvGrpSpPr/>
+        <p:nvPr/>
+      </p:nvGrpSpPr>
+      <p:grpSpPr>
+        <a:xfrm>
+          <a:off x="0" y="0"/>
+          <a:ext cx="0" cy="0"/>
+          <a:chOff x="0" y="0"/>
+          <a:chExt cx="0" cy="0"/>
+        </a:xfrm>
+      </p:grpSpPr>
+      <p:sp>
+        <p:nvSpPr>
+          <p:cNvPr id="2" name="Text Placeholder 1">
+            <a:extLst>
+              <a:ext uri="{FF2B5EF4-FFF2-40B4-BE49-F238E27FC236}">
+                <a16:creationId xmlns="" xmlns:a16="http://schemas.microsoft.com/office/drawing/2014/main" id="{B6F8AC67-6D9C-47B0-9C78-55034137C6E3}"/>
+              </a:ext>
+            </a:extLst>
+          </p:cNvPr>
+          <p:cNvSpPr>
+            <a:spLocks noGrp="1"/>
+          </p:cNvSpPr>
+          <p:nvPr>
+            <p:ph type="body" idx="1"/>
+          </p:nvPr>
+        </p:nvSpPr>
+        <p:spPr/>
+        <p:txBody>
+          <a:bodyPr/>
+          <a:lstStyle/>
+          <a:p>
+            <a:endParaRPr lang="en-US" dirty="0" smtClean="0"/>
+          </a:p>
+          <a:p>
+            <a:endParaRPr lang="en-US" dirty="0"/>
+          </a:p>
+          <a:p>
+            <a:endParaRPr lang="en-US" dirty="0"/>
+          </a:p>
+        </p:txBody>
+      </p:sp>
+      <p:sp>
+        <p:nvSpPr>
+          <p:cNvPr id="3" name="Text Placeholder 2">
+            <a:extLst>
+              <a:ext uri="{FF2B5EF4-FFF2-40B4-BE49-F238E27FC236}">
+                <a16:creationId xmlns="" xmlns:a16="http://schemas.microsoft.com/office/drawing/2014/main" id="{597D0BC2-3189-4626-BEAD-D450511C8E15}"/>
+              </a:ext>
+            </a:extLst>
+          </p:cNvPr>
+          <p:cNvSpPr>
+            <a:spLocks noGrp="1"/>
+          </p:cNvSpPr>
+          <p:nvPr>
+            <p:ph type="body" sz="quarter" idx="12"/>
+          </p:nvPr>
+        </p:nvSpPr>
+        <p:spPr/>
+        <p:txBody>
+          <a:bodyPr/>
+          <a:lstStyle/>
+          <a:p>
+            <a:r>
+              <a:rPr lang="fr-FR" dirty="0" smtClean="0"/>
+              <a:t>&lt;</a:t>
+            </a:r>
+            <a:r>
+              <a:rPr lang="fr-FR" dirty="0" err="1" smtClean="0"/>
+              <a:t>poTech</a:t>
+            </a:r>
+            <a:r>
+              <a:rPr lang="fr-FR" dirty="0" smtClean="0"/>
+              <a:t>&gt;</a:t>
+            </a:r>
+            <a:endParaRPr lang="en-US" dirty="0"/>
+          </a:p>
+        </p:txBody>
+      </p:sp>
+      <p:sp>
+        <p:nvSpPr>
+          <p:cNvPr id="4" name="Title 3">
+            <a:extLst>
+              <a:ext uri="{FF2B5EF4-FFF2-40B4-BE49-F238E27FC236}">
+                <a16:creationId xmlns="" xmlns:a16="http://schemas.microsoft.com/office/drawing/2014/main" id="{814F351C-F6DB-43DC-AD1C-1759C3C5EC88}"/>
               </a:ext>
             </a:extLst>
           </p:cNvPr>
@@ -8187,7 +8659,7 @@
 </p:sld>
 </file>
 
-<file path=ppt/slides/slide7.xml><?xml version="1.0" encoding="utf-8"?>
+<file path=ppt/slides/slide8.xml><?xml version="1.0" encoding="utf-8"?>
 <p:sld xmlns:a="http://schemas.openxmlformats.org/drawingml/2006/main" xmlns:r="http://schemas.openxmlformats.org/officeDocument/2006/relationships" xmlns:p="http://schemas.openxmlformats.org/presentationml/2006/main">
   <p:cSld>
     <p:spTree>
@@ -8209,7 +8681,7 @@
           <p:cNvPr id="2" name="Text Placeholder 1">
             <a:extLst>
               <a:ext uri="{FF2B5EF4-FFF2-40B4-BE49-F238E27FC236}">
-                <a16:creationId xmlns:a16="http://schemas.microsoft.com/office/drawing/2014/main" xmlns="" id="{B6F8AC67-6D9C-47B0-9C78-55034137C6E3}"/>
+                <a16:creationId xmlns="" xmlns:a16="http://schemas.microsoft.com/office/drawing/2014/main" id="{B6F8AC67-6D9C-47B0-9C78-55034137C6E3}"/>
               </a:ext>
             </a:extLst>
           </p:cNvPr>
@@ -8240,7 +8712,7 @@
           <p:cNvPr id="3" name="Text Placeholder 2">
             <a:extLst>
               <a:ext uri="{FF2B5EF4-FFF2-40B4-BE49-F238E27FC236}">
-                <a16:creationId xmlns:a16="http://schemas.microsoft.com/office/drawing/2014/main" xmlns="" id="{597D0BC2-3189-4626-BEAD-D450511C8E15}"/>
+                <a16:creationId xmlns="" xmlns:a16="http://schemas.microsoft.com/office/drawing/2014/main" id="{597D0BC2-3189-4626-BEAD-D450511C8E15}"/>
               </a:ext>
             </a:extLst>
           </p:cNvPr>
@@ -8277,7 +8749,7 @@
           <p:cNvPr id="4" name="Title 3">
             <a:extLst>
               <a:ext uri="{FF2B5EF4-FFF2-40B4-BE49-F238E27FC236}">
-                <a16:creationId xmlns:a16="http://schemas.microsoft.com/office/drawing/2014/main" xmlns="" id="{814F351C-F6DB-43DC-AD1C-1759C3C5EC88}"/>
+                <a16:creationId xmlns="" xmlns:a16="http://schemas.microsoft.com/office/drawing/2014/main" id="{814F351C-F6DB-43DC-AD1C-1759C3C5EC88}"/>
               </a:ext>
             </a:extLst>
           </p:cNvPr>
@@ -8310,7 +8782,7 @@
           <p:cNvPr id="6" name="Text Placeholder 1">
             <a:extLst>
               <a:ext uri="{FF2B5EF4-FFF2-40B4-BE49-F238E27FC236}">
-                <a16:creationId xmlns:a16="http://schemas.microsoft.com/office/drawing/2014/main" xmlns="" id="{53DBDAB2-BE11-4B9D-85BC-5DE3D2A0A607}"/>
+                <a16:creationId xmlns="" xmlns:a16="http://schemas.microsoft.com/office/drawing/2014/main" id="{53DBDAB2-BE11-4B9D-85BC-5DE3D2A0A607}"/>
               </a:ext>
             </a:extLst>
           </p:cNvPr>
@@ -8619,164 +9091,6 @@
 </p:sld>
 </file>
 
-<file path=ppt/slides/slide8.xml><?xml version="1.0" encoding="utf-8"?>
-<p:sld xmlns:a="http://schemas.openxmlformats.org/drawingml/2006/main" xmlns:r="http://schemas.openxmlformats.org/officeDocument/2006/relationships" xmlns:p="http://schemas.openxmlformats.org/presentationml/2006/main">
-  <p:cSld>
-    <p:spTree>
-      <p:nvGrpSpPr>
-        <p:cNvPr id="1" name=""/>
-        <p:cNvGrpSpPr/>
-        <p:nvPr/>
-      </p:nvGrpSpPr>
-      <p:grpSpPr>
-        <a:xfrm>
-          <a:off x="0" y="0"/>
-          <a:ext cx="0" cy="0"/>
-          <a:chOff x="0" y="0"/>
-          <a:chExt cx="0" cy="0"/>
-        </a:xfrm>
-      </p:grpSpPr>
-      <p:sp>
-        <p:nvSpPr>
-          <p:cNvPr id="2" name="Text Placeholder 1">
-            <a:extLst>
-              <a:ext uri="{FF2B5EF4-FFF2-40B4-BE49-F238E27FC236}">
-                <a16:creationId xmlns:a16="http://schemas.microsoft.com/office/drawing/2014/main" xmlns="" id="{53DBDAB2-BE11-4B9D-85BC-5DE3D2A0A607}"/>
-              </a:ext>
-            </a:extLst>
-          </p:cNvPr>
-          <p:cNvSpPr>
-            <a:spLocks noGrp="1"/>
-          </p:cNvSpPr>
-          <p:nvPr>
-            <p:ph type="body" idx="1"/>
-          </p:nvPr>
-        </p:nvSpPr>
-        <p:spPr>
-          <a:xfrm>
-            <a:off x="447975" y="1929798"/>
-            <a:ext cx="10869084" cy="4226428"/>
-          </a:xfrm>
-        </p:spPr>
-        <p:txBody>
-          <a:bodyPr/>
-          <a:lstStyle/>
-          <a:p>
-            <a:r>
-              <a:rPr lang="fr-FR" dirty="0"/>
-              <a:t>Nous détaillons ici que les grandes taches, à découper ensuite en plus petites fonctionnalités pour mieux se les répartir,</a:t>
-            </a:r>
-          </a:p>
-          <a:p>
-            <a:endParaRPr lang="fr-FR" dirty="0"/>
-          </a:p>
-          <a:p>
-            <a:r>
-              <a:rPr lang="fr-FR" dirty="0"/>
-              <a:t>Tâche 1 : Paramétrage de la Gateway et du robot, c’est à dire mettre en place tout l’environnement réseau pour que la </a:t>
-            </a:r>
-            <a:r>
-              <a:rPr lang="fr-FR" dirty="0" err="1"/>
-              <a:t>gateway</a:t>
-            </a:r>
-            <a:r>
-              <a:rPr lang="fr-FR" dirty="0"/>
-              <a:t> et le robot soient connectés, et que les informations transitent bien dans les deux sens sans problème.</a:t>
-            </a:r>
-          </a:p>
-        </p:txBody>
-      </p:sp>
-      <p:sp>
-        <p:nvSpPr>
-          <p:cNvPr id="3" name="Text Placeholder 2">
-            <a:extLst>
-              <a:ext uri="{FF2B5EF4-FFF2-40B4-BE49-F238E27FC236}">
-                <a16:creationId xmlns:a16="http://schemas.microsoft.com/office/drawing/2014/main" xmlns="" id="{EBDB337E-4389-4B90-8B96-853A42017204}"/>
-              </a:ext>
-            </a:extLst>
-          </p:cNvPr>
-          <p:cNvSpPr>
-            <a:spLocks noGrp="1"/>
-          </p:cNvSpPr>
-          <p:nvPr>
-            <p:ph type="body" sz="quarter" idx="12"/>
-          </p:nvPr>
-        </p:nvSpPr>
-        <p:spPr/>
-        <p:txBody>
-          <a:bodyPr/>
-          <a:lstStyle/>
-          <a:p>
-            <a:r>
-              <a:rPr lang="fr-FR" dirty="0" smtClean="0"/>
-              <a:t>&lt;</a:t>
-            </a:r>
-            <a:r>
-              <a:rPr lang="fr-FR" dirty="0" err="1" smtClean="0"/>
-              <a:t>poTech</a:t>
-            </a:r>
-            <a:r>
-              <a:rPr lang="fr-FR" dirty="0" smtClean="0"/>
-              <a:t>&gt;</a:t>
-            </a:r>
-            <a:endParaRPr lang="en-US" dirty="0"/>
-          </a:p>
-        </p:txBody>
-      </p:sp>
-      <p:sp>
-        <p:nvSpPr>
-          <p:cNvPr id="4" name="Title 3">
-            <a:extLst>
-              <a:ext uri="{FF2B5EF4-FFF2-40B4-BE49-F238E27FC236}">
-                <a16:creationId xmlns:a16="http://schemas.microsoft.com/office/drawing/2014/main" xmlns="" id="{F9ED67B2-9414-4565-B91A-5A6339FF2E1B}"/>
-              </a:ext>
-            </a:extLst>
-          </p:cNvPr>
-          <p:cNvSpPr>
-            <a:spLocks noGrp="1"/>
-          </p:cNvSpPr>
-          <p:nvPr>
-            <p:ph type="title"/>
-          </p:nvPr>
-        </p:nvSpPr>
-        <p:spPr/>
-        <p:txBody>
-          <a:bodyPr/>
-          <a:lstStyle/>
-          <a:p>
-            <a:r>
-              <a:rPr lang="fr-FR" dirty="0"/>
-              <a:t>Project </a:t>
-            </a:r>
-            <a:r>
-              <a:rPr lang="fr-FR" dirty="0" err="1"/>
-              <a:t>Tasks</a:t>
-            </a:r>
-            <a:r>
-              <a:rPr lang="fr-FR" dirty="0"/>
-              <a:t> [</a:t>
-            </a:r>
-            <a:r>
-              <a:rPr lang="fr-FR" dirty="0" smtClean="0"/>
-              <a:t>1/3]</a:t>
-            </a:r>
-            <a:endParaRPr lang="en-US" dirty="0"/>
-          </a:p>
-        </p:txBody>
-      </p:sp>
-    </p:spTree>
-    <p:extLst>
-      <p:ext uri="{BB962C8B-B14F-4D97-AF65-F5344CB8AC3E}">
-        <p14:creationId xmlns:p14="http://schemas.microsoft.com/office/powerpoint/2010/main" val="1969407979"/>
-      </p:ext>
-    </p:extLst>
-  </p:cSld>
-  <p:clrMapOvr>
-    <a:masterClrMapping/>
-  </p:clrMapOvr>
-</p:sld>
-</file>
-
 <file path=ppt/slides/slide9.xml><?xml version="1.0" encoding="utf-8"?>
 <p:sld xmlns:a="http://schemas.openxmlformats.org/drawingml/2006/main" xmlns:r="http://schemas.openxmlformats.org/officeDocument/2006/relationships" xmlns:p="http://schemas.openxmlformats.org/presentationml/2006/main">
   <p:cSld>
@@ -8799,7 +9113,7 @@
           <p:cNvPr id="2" name="Text Placeholder 1">
             <a:extLst>
               <a:ext uri="{FF2B5EF4-FFF2-40B4-BE49-F238E27FC236}">
-                <a16:creationId xmlns:a16="http://schemas.microsoft.com/office/drawing/2014/main" xmlns="" id="{53DBDAB2-BE11-4B9D-85BC-5DE3D2A0A607}"/>
+                <a16:creationId xmlns="" xmlns:a16="http://schemas.microsoft.com/office/drawing/2014/main" id="{53DBDAB2-BE11-4B9D-85BC-5DE3D2A0A607}"/>
               </a:ext>
             </a:extLst>
           </p:cNvPr>
@@ -8810,186 +9124,36 @@
             <p:ph type="body" idx="1"/>
           </p:nvPr>
         </p:nvSpPr>
-        <p:spPr/>
+        <p:spPr>
+          <a:xfrm>
+            <a:off x="447975" y="1929798"/>
+            <a:ext cx="10869084" cy="4226428"/>
+          </a:xfrm>
+        </p:spPr>
         <p:txBody>
           <a:bodyPr/>
           <a:lstStyle/>
           <a:p>
             <a:r>
-              <a:rPr lang="en-US" dirty="0" err="1" smtClean="0"/>
-              <a:t>Tâche</a:t>
-            </a:r>
-            <a:r>
-              <a:rPr lang="en-US" dirty="0" smtClean="0"/>
-              <a:t> 2 : </a:t>
-            </a:r>
-            <a:r>
-              <a:rPr lang="en-US" dirty="0" err="1" smtClean="0"/>
-              <a:t>Mise</a:t>
-            </a:r>
-            <a:r>
-              <a:rPr lang="en-US" dirty="0" smtClean="0"/>
-              <a:t> </a:t>
-            </a:r>
-            <a:r>
-              <a:rPr lang="en-US" dirty="0" err="1" smtClean="0"/>
-              <a:t>en</a:t>
-            </a:r>
-            <a:r>
-              <a:rPr lang="en-US" dirty="0" smtClean="0"/>
-              <a:t> place des </a:t>
-            </a:r>
-            <a:r>
-              <a:rPr lang="en-US" dirty="0" err="1" smtClean="0"/>
-              <a:t>accès</a:t>
-            </a:r>
-            <a:r>
-              <a:rPr lang="en-US" dirty="0" smtClean="0"/>
-              <a:t> à distance aux </a:t>
-            </a:r>
-            <a:r>
-              <a:rPr lang="en-US" dirty="0" err="1" smtClean="0"/>
-              <a:t>données</a:t>
-            </a:r>
-            <a:r>
-              <a:rPr lang="en-US" dirty="0" smtClean="0"/>
-              <a:t> et aux </a:t>
-            </a:r>
-            <a:r>
-              <a:rPr lang="en-US" dirty="0" err="1" smtClean="0"/>
-              <a:t>fonctionnalités</a:t>
-            </a:r>
-            <a:r>
-              <a:rPr lang="en-US" dirty="0" smtClean="0"/>
-              <a:t> à travers </a:t>
-            </a:r>
-            <a:r>
-              <a:rPr lang="en-US" dirty="0" err="1" smtClean="0"/>
-              <a:t>notre</a:t>
-            </a:r>
-            <a:r>
-              <a:rPr lang="en-US" dirty="0" smtClean="0"/>
-              <a:t> application mobile et web. Nous </a:t>
-            </a:r>
-            <a:r>
-              <a:rPr lang="en-US" dirty="0" err="1" smtClean="0"/>
-              <a:t>allons</a:t>
-            </a:r>
-            <a:r>
-              <a:rPr lang="en-US" dirty="0" smtClean="0"/>
-              <a:t> </a:t>
-            </a:r>
-            <a:r>
-              <a:rPr lang="en-US" dirty="0" err="1" smtClean="0"/>
-              <a:t>ici</a:t>
-            </a:r>
-            <a:r>
-              <a:rPr lang="en-US" dirty="0" smtClean="0"/>
-              <a:t> </a:t>
-            </a:r>
-            <a:r>
-              <a:rPr lang="en-US" dirty="0" err="1" smtClean="0"/>
-              <a:t>gérer</a:t>
-            </a:r>
-            <a:r>
-              <a:rPr lang="en-US" dirty="0" smtClean="0"/>
-              <a:t> </a:t>
-            </a:r>
-            <a:r>
-              <a:rPr lang="en-US" dirty="0" err="1" smtClean="0"/>
-              <a:t>toute</a:t>
-            </a:r>
-            <a:r>
-              <a:rPr lang="en-US" dirty="0" smtClean="0"/>
-              <a:t> la </a:t>
-            </a:r>
-            <a:r>
-              <a:rPr lang="en-US" dirty="0" err="1" smtClean="0"/>
-              <a:t>mise</a:t>
-            </a:r>
-            <a:r>
-              <a:rPr lang="en-US" dirty="0" smtClean="0"/>
-              <a:t> </a:t>
-            </a:r>
-            <a:r>
-              <a:rPr lang="en-US" dirty="0" err="1" smtClean="0"/>
-              <a:t>en</a:t>
-            </a:r>
-            <a:r>
-              <a:rPr lang="en-US" dirty="0" smtClean="0"/>
-              <a:t> place de </a:t>
-            </a:r>
-            <a:r>
-              <a:rPr lang="en-US" dirty="0" err="1" smtClean="0"/>
-              <a:t>notre</a:t>
-            </a:r>
-            <a:r>
-              <a:rPr lang="en-US" dirty="0" smtClean="0"/>
-              <a:t> application mobile (et web), </a:t>
-            </a:r>
-            <a:r>
-              <a:rPr lang="en-US" dirty="0" err="1" smtClean="0"/>
-              <a:t>ainsi</a:t>
-            </a:r>
-            <a:r>
-              <a:rPr lang="en-US" dirty="0" smtClean="0"/>
-              <a:t> que les </a:t>
-            </a:r>
-            <a:r>
-              <a:rPr lang="en-US" dirty="0" err="1" smtClean="0"/>
-              <a:t>différentes</a:t>
-            </a:r>
-            <a:r>
-              <a:rPr lang="en-US" dirty="0" smtClean="0"/>
-              <a:t> API </a:t>
-            </a:r>
-            <a:r>
-              <a:rPr lang="en-US" dirty="0" err="1" smtClean="0"/>
-              <a:t>nécessaires</a:t>
-            </a:r>
-            <a:r>
-              <a:rPr lang="en-US" dirty="0" smtClean="0"/>
-              <a:t> pour </a:t>
-            </a:r>
-            <a:r>
-              <a:rPr lang="en-US" dirty="0" err="1" smtClean="0"/>
-              <a:t>accéder</a:t>
-            </a:r>
-            <a:r>
-              <a:rPr lang="en-US" dirty="0" smtClean="0"/>
-              <a:t> aux </a:t>
-            </a:r>
-            <a:r>
-              <a:rPr lang="en-US" dirty="0" err="1" smtClean="0"/>
-              <a:t>données</a:t>
-            </a:r>
-            <a:r>
-              <a:rPr lang="en-US" dirty="0" smtClean="0"/>
-              <a:t> et </a:t>
-            </a:r>
-            <a:r>
-              <a:rPr lang="en-US" dirty="0" err="1" smtClean="0"/>
-              <a:t>envoyer</a:t>
-            </a:r>
-            <a:r>
-              <a:rPr lang="en-US" dirty="0" smtClean="0"/>
-              <a:t> des instructions aux </a:t>
-            </a:r>
-            <a:r>
-              <a:rPr lang="en-US" dirty="0" err="1" smtClean="0"/>
-              <a:t>appareils</a:t>
-            </a:r>
-            <a:r>
-              <a:rPr lang="en-US" dirty="0" smtClean="0"/>
-              <a:t> </a:t>
-            </a:r>
-            <a:r>
-              <a:rPr lang="en-US" dirty="0" err="1" smtClean="0"/>
-              <a:t>distants</a:t>
-            </a:r>
-            <a:r>
-              <a:rPr lang="en-US" dirty="0"/>
-              <a:t>.</a:t>
+              <a:rPr lang="fr-FR" dirty="0"/>
+              <a:t>Nous détaillons ici que les grandes taches, à découper ensuite en plus petites fonctionnalités pour mieux se les répartir,</a:t>
+            </a:r>
+          </a:p>
+          <a:p>
+            <a:endParaRPr lang="fr-FR" dirty="0"/>
+          </a:p>
+          <a:p>
+            <a:r>
+              <a:rPr lang="fr-FR" dirty="0"/>
+              <a:t>Tâche 1 : Paramétrage de la Gateway et du robot, c’est à dire mettre en place tout l’environnement réseau pour que la </a:t>
+            </a:r>
+            <a:r>
+              <a:rPr lang="fr-FR" dirty="0" err="1"/>
+              <a:t>gateway</a:t>
+            </a:r>
+            <a:r>
+              <a:rPr lang="fr-FR" dirty="0"/>
+              <a:t> et le robot soient connectés, et que les informations transitent bien dans les deux sens sans problème.</a:t>
             </a:r>
           </a:p>
         </p:txBody>
@@ -8999,7 +9163,7 @@
           <p:cNvPr id="3" name="Text Placeholder 2">
             <a:extLst>
               <a:ext uri="{FF2B5EF4-FFF2-40B4-BE49-F238E27FC236}">
-                <a16:creationId xmlns:a16="http://schemas.microsoft.com/office/drawing/2014/main" xmlns="" id="{EBDB337E-4389-4B90-8B96-853A42017204}"/>
+                <a16:creationId xmlns="" xmlns:a16="http://schemas.microsoft.com/office/drawing/2014/main" id="{EBDB337E-4389-4B90-8B96-853A42017204}"/>
               </a:ext>
             </a:extLst>
           </p:cNvPr>
@@ -9036,7 +9200,7 @@
           <p:cNvPr id="4" name="Title 3">
             <a:extLst>
               <a:ext uri="{FF2B5EF4-FFF2-40B4-BE49-F238E27FC236}">
-                <a16:creationId xmlns:a16="http://schemas.microsoft.com/office/drawing/2014/main" xmlns="" id="{F9ED67B2-9414-4565-B91A-5A6339FF2E1B}"/>
+                <a16:creationId xmlns="" xmlns:a16="http://schemas.microsoft.com/office/drawing/2014/main" id="{F9ED67B2-9414-4565-B91A-5A6339FF2E1B}"/>
               </a:ext>
             </a:extLst>
           </p:cNvPr>
@@ -9062,11 +9226,11 @@
             </a:r>
             <a:r>
               <a:rPr lang="fr-FR" dirty="0"/>
-              <a:t> </a:t>
+              <a:t> [</a:t>
             </a:r>
             <a:r>
               <a:rPr lang="fr-FR" dirty="0" smtClean="0"/>
-              <a:t>[2/3]</a:t>
+              <a:t>1/3]</a:t>
             </a:r>
             <a:endParaRPr lang="en-US" dirty="0"/>
           </a:p>
@@ -9075,7 +9239,7 @@
     </p:spTree>
     <p:extLst>
       <p:ext uri="{BB962C8B-B14F-4D97-AF65-F5344CB8AC3E}">
-        <p14:creationId xmlns:p14="http://schemas.microsoft.com/office/powerpoint/2010/main" val="53273876"/>
+        <p14:creationId xmlns:p14="http://schemas.microsoft.com/office/powerpoint/2010/main" val="1969407979"/>
       </p:ext>
     </p:extLst>
   </p:cSld>

--- a/Projet/Presentation/Presentation_Groupe05.pptx
+++ b/Projet/Presentation/Presentation_Groupe05.pptx
@@ -1862,7 +1862,7 @@
           <p:cNvPr id="2" name="Title 1">
             <a:extLst>
               <a:ext uri="{FF2B5EF4-FFF2-40B4-BE49-F238E27FC236}">
-                <a16:creationId xmlns="" xmlns:a16="http://schemas.microsoft.com/office/drawing/2014/main" id="{75A2D3C5-0BBA-4475-A74A-9B10CE13EB0E}"/>
+                <a16:creationId xmlns:a16="http://schemas.microsoft.com/office/drawing/2014/main" xmlns="" id="{75A2D3C5-0BBA-4475-A74A-9B10CE13EB0E}"/>
               </a:ext>
             </a:extLst>
           </p:cNvPr>
@@ -2026,7 +2026,7 @@
           <p:cNvPr id="2" name="Title 1">
             <a:extLst>
               <a:ext uri="{FF2B5EF4-FFF2-40B4-BE49-F238E27FC236}">
-                <a16:creationId xmlns="" xmlns:a16="http://schemas.microsoft.com/office/drawing/2014/main" id="{45682A82-1886-4648-8B15-A4EEC660AA63}"/>
+                <a16:creationId xmlns:a16="http://schemas.microsoft.com/office/drawing/2014/main" xmlns="" id="{45682A82-1886-4648-8B15-A4EEC660AA63}"/>
               </a:ext>
             </a:extLst>
           </p:cNvPr>
@@ -2989,7 +2989,7 @@
           <p:cNvPr id="2" name="Title 1">
             <a:extLst>
               <a:ext uri="{FF2B5EF4-FFF2-40B4-BE49-F238E27FC236}">
-                <a16:creationId xmlns="" xmlns:a16="http://schemas.microsoft.com/office/drawing/2014/main" id="{A6382AAE-12BB-4123-9126-EC8008489960}"/>
+                <a16:creationId xmlns:a16="http://schemas.microsoft.com/office/drawing/2014/main" xmlns="" id="{A6382AAE-12BB-4123-9126-EC8008489960}"/>
               </a:ext>
             </a:extLst>
           </p:cNvPr>
@@ -5807,7 +5807,7 @@
           <p:cNvPr id="2" name="Picture 2" descr="RÃ©sultat de recherche d'images pour &quot;ynov lyon&quot;">
             <a:extLst>
               <a:ext uri="{FF2B5EF4-FFF2-40B4-BE49-F238E27FC236}">
-                <a16:creationId xmlns="" xmlns:a16="http://schemas.microsoft.com/office/drawing/2014/main" id="{92ABB00D-ADA6-4A5E-80E9-D89620C9233F}"/>
+                <a16:creationId xmlns:a16="http://schemas.microsoft.com/office/drawing/2014/main" xmlns="" id="{92ABB00D-ADA6-4A5E-80E9-D89620C9233F}"/>
               </a:ext>
             </a:extLst>
           </p:cNvPr>
@@ -6334,7 +6334,7 @@
           <p:cNvPr id="3" name="Text Placeholder 2">
             <a:extLst>
               <a:ext uri="{FF2B5EF4-FFF2-40B4-BE49-F238E27FC236}">
-                <a16:creationId xmlns="" xmlns:a16="http://schemas.microsoft.com/office/drawing/2014/main" id="{60DBFCC4-DB58-4F06-97D0-A741F5586722}"/>
+                <a16:creationId xmlns:a16="http://schemas.microsoft.com/office/drawing/2014/main" xmlns="" id="{60DBFCC4-DB58-4F06-97D0-A741F5586722}"/>
               </a:ext>
             </a:extLst>
           </p:cNvPr>
@@ -6367,7 +6367,7 @@
           <p:cNvPr id="1026" name="Picture 2" descr="RÃ©sultat de recherche d'images pour &quot;ynov lyon&quot;">
             <a:extLst>
               <a:ext uri="{FF2B5EF4-FFF2-40B4-BE49-F238E27FC236}">
-                <a16:creationId xmlns="" xmlns:a16="http://schemas.microsoft.com/office/drawing/2014/main" id="{6EB9BD3B-0D8D-4FB9-B6AA-34EEBF39FE67}"/>
+                <a16:creationId xmlns:a16="http://schemas.microsoft.com/office/drawing/2014/main" xmlns="" id="{6EB9BD3B-0D8D-4FB9-B6AA-34EEBF39FE67}"/>
               </a:ext>
             </a:extLst>
           </p:cNvPr>
@@ -6414,7 +6414,7 @@
           <p:cNvPr id="2" name="TextBox 1">
             <a:extLst>
               <a:ext uri="{FF2B5EF4-FFF2-40B4-BE49-F238E27FC236}">
-                <a16:creationId xmlns="" xmlns:a16="http://schemas.microsoft.com/office/drawing/2014/main" id="{0499A71F-347A-4043-B5B9-A2E6917C84E7}"/>
+                <a16:creationId xmlns:a16="http://schemas.microsoft.com/office/drawing/2014/main" xmlns="" id="{0499A71F-347A-4043-B5B9-A2E6917C84E7}"/>
               </a:ext>
             </a:extLst>
           </p:cNvPr>
@@ -6458,7 +6458,7 @@
           <p:cNvPr id="6" name="TextBox 5">
             <a:extLst>
               <a:ext uri="{FF2B5EF4-FFF2-40B4-BE49-F238E27FC236}">
-                <a16:creationId xmlns="" xmlns:a16="http://schemas.microsoft.com/office/drawing/2014/main" id="{A664C523-DC2F-4D39-853C-07F0BFDABF81}"/>
+                <a16:creationId xmlns:a16="http://schemas.microsoft.com/office/drawing/2014/main" xmlns="" id="{A664C523-DC2F-4D39-853C-07F0BFDABF81}"/>
               </a:ext>
             </a:extLst>
           </p:cNvPr>
@@ -6532,7 +6532,7 @@
           <p:cNvPr id="2" name="Text Placeholder 1">
             <a:extLst>
               <a:ext uri="{FF2B5EF4-FFF2-40B4-BE49-F238E27FC236}">
-                <a16:creationId xmlns="" xmlns:a16="http://schemas.microsoft.com/office/drawing/2014/main" id="{53DBDAB2-BE11-4B9D-85BC-5DE3D2A0A607}"/>
+                <a16:creationId xmlns:a16="http://schemas.microsoft.com/office/drawing/2014/main" xmlns="" id="{53DBDAB2-BE11-4B9D-85BC-5DE3D2A0A607}"/>
               </a:ext>
             </a:extLst>
           </p:cNvPr>
@@ -6732,7 +6732,7 @@
           <p:cNvPr id="3" name="Text Placeholder 2">
             <a:extLst>
               <a:ext uri="{FF2B5EF4-FFF2-40B4-BE49-F238E27FC236}">
-                <a16:creationId xmlns="" xmlns:a16="http://schemas.microsoft.com/office/drawing/2014/main" id="{EBDB337E-4389-4B90-8B96-853A42017204}"/>
+                <a16:creationId xmlns:a16="http://schemas.microsoft.com/office/drawing/2014/main" xmlns="" id="{EBDB337E-4389-4B90-8B96-853A42017204}"/>
               </a:ext>
             </a:extLst>
           </p:cNvPr>
@@ -6769,7 +6769,7 @@
           <p:cNvPr id="4" name="Title 3">
             <a:extLst>
               <a:ext uri="{FF2B5EF4-FFF2-40B4-BE49-F238E27FC236}">
-                <a16:creationId xmlns="" xmlns:a16="http://schemas.microsoft.com/office/drawing/2014/main" id="{F9ED67B2-9414-4565-B91A-5A6339FF2E1B}"/>
+                <a16:creationId xmlns:a16="http://schemas.microsoft.com/office/drawing/2014/main" xmlns="" id="{F9ED67B2-9414-4565-B91A-5A6339FF2E1B}"/>
               </a:ext>
             </a:extLst>
           </p:cNvPr>
@@ -6840,7 +6840,7 @@
           <p:cNvPr id="2" name="Text Placeholder 1">
             <a:extLst>
               <a:ext uri="{FF2B5EF4-FFF2-40B4-BE49-F238E27FC236}">
-                <a16:creationId xmlns="" xmlns:a16="http://schemas.microsoft.com/office/drawing/2014/main" id="{53DBDAB2-BE11-4B9D-85BC-5DE3D2A0A607}"/>
+                <a16:creationId xmlns:a16="http://schemas.microsoft.com/office/drawing/2014/main" xmlns="" id="{53DBDAB2-BE11-4B9D-85BC-5DE3D2A0A607}"/>
               </a:ext>
             </a:extLst>
           </p:cNvPr>
@@ -6980,7 +6980,7 @@
           <p:cNvPr id="3" name="Text Placeholder 2">
             <a:extLst>
               <a:ext uri="{FF2B5EF4-FFF2-40B4-BE49-F238E27FC236}">
-                <a16:creationId xmlns="" xmlns:a16="http://schemas.microsoft.com/office/drawing/2014/main" id="{EBDB337E-4389-4B90-8B96-853A42017204}"/>
+                <a16:creationId xmlns:a16="http://schemas.microsoft.com/office/drawing/2014/main" xmlns="" id="{EBDB337E-4389-4B90-8B96-853A42017204}"/>
               </a:ext>
             </a:extLst>
           </p:cNvPr>
@@ -7017,7 +7017,7 @@
           <p:cNvPr id="4" name="Title 3">
             <a:extLst>
               <a:ext uri="{FF2B5EF4-FFF2-40B4-BE49-F238E27FC236}">
-                <a16:creationId xmlns="" xmlns:a16="http://schemas.microsoft.com/office/drawing/2014/main" id="{F9ED67B2-9414-4565-B91A-5A6339FF2E1B}"/>
+                <a16:creationId xmlns:a16="http://schemas.microsoft.com/office/drawing/2014/main" xmlns="" id="{F9ED67B2-9414-4565-B91A-5A6339FF2E1B}"/>
               </a:ext>
             </a:extLst>
           </p:cNvPr>
@@ -7088,7 +7088,7 @@
           <p:cNvPr id="2" name="Text Placeholder 1">
             <a:extLst>
               <a:ext uri="{FF2B5EF4-FFF2-40B4-BE49-F238E27FC236}">
-                <a16:creationId xmlns="" xmlns:a16="http://schemas.microsoft.com/office/drawing/2014/main" id="{62737593-5087-4FE7-BE7B-97290A8959AA}"/>
+                <a16:creationId xmlns:a16="http://schemas.microsoft.com/office/drawing/2014/main" xmlns="" id="{62737593-5087-4FE7-BE7B-97290A8959AA}"/>
               </a:ext>
             </a:extLst>
           </p:cNvPr>
@@ -7115,6 +7115,16 @@
             </a:r>
           </a:p>
           <a:p>
+            <a:endParaRPr lang="fr-FR" dirty="0" smtClean="0"/>
+          </a:p>
+          <a:p>
+            <a:r>
+              <a:rPr lang="fr-FR" dirty="0" smtClean="0"/>
+              <a:t>On peut voir la colonne « extension » qui correspond à ce qui sort du scope initial, c’est-à-dire ce qu’on fera uniquement si on en a le temps.</a:t>
+            </a:r>
+            <a:endParaRPr lang="fr-FR" dirty="0"/>
+          </a:p>
+          <a:p>
             <a:endParaRPr lang="fr-FR" dirty="0"/>
           </a:p>
           <a:p>
@@ -7130,7 +7140,7 @@
           <p:cNvPr id="3" name="Text Placeholder 2">
             <a:extLst>
               <a:ext uri="{FF2B5EF4-FFF2-40B4-BE49-F238E27FC236}">
-                <a16:creationId xmlns="" xmlns:a16="http://schemas.microsoft.com/office/drawing/2014/main" id="{8013265B-6882-42AD-B306-1AACB5831960}"/>
+                <a16:creationId xmlns:a16="http://schemas.microsoft.com/office/drawing/2014/main" xmlns="" id="{8013265B-6882-42AD-B306-1AACB5831960}"/>
               </a:ext>
             </a:extLst>
           </p:cNvPr>
@@ -7167,7 +7177,7 @@
           <p:cNvPr id="4" name="Title 3">
             <a:extLst>
               <a:ext uri="{FF2B5EF4-FFF2-40B4-BE49-F238E27FC236}">
-                <a16:creationId xmlns="" xmlns:a16="http://schemas.microsoft.com/office/drawing/2014/main" id="{B58880D4-F928-4BAB-8F86-FB3A27D3AE1E}"/>
+                <a16:creationId xmlns:a16="http://schemas.microsoft.com/office/drawing/2014/main" xmlns="" id="{B58880D4-F928-4BAB-8F86-FB3A27D3AE1E}"/>
               </a:ext>
             </a:extLst>
           </p:cNvPr>
@@ -7197,22 +7207,28 @@
       </p:sp>
       <p:pic>
         <p:nvPicPr>
-          <p:cNvPr id="5" name="Image 4"/>
+          <p:cNvPr id="7" name="Image 6"/>
           <p:cNvPicPr>
             <a:picLocks noChangeAspect="1"/>
           </p:cNvPicPr>
           <p:nvPr/>
         </p:nvPicPr>
         <p:blipFill>
-          <a:blip r:embed="rId2"/>
+          <a:blip r:embed="rId2">
+            <a:extLst>
+              <a:ext uri="{28A0092B-C50C-407E-A947-70E740481C1C}">
+                <a14:useLocalDpi xmlns:a14="http://schemas.microsoft.com/office/drawing/2010/main" val="0"/>
+              </a:ext>
+            </a:extLst>
+          </a:blip>
           <a:stretch>
             <a:fillRect/>
           </a:stretch>
         </p:blipFill>
         <p:spPr>
           <a:xfrm>
-            <a:off x="6023992" y="620688"/>
-            <a:ext cx="5382013" cy="5859142"/>
+            <a:off x="4655840" y="1303095"/>
+            <a:ext cx="7322575" cy="5033054"/>
           </a:xfrm>
           <a:prstGeom prst="rect">
             <a:avLst/>
@@ -7254,7 +7270,7 @@
           <p:cNvPr id="2" name="Text Placeholder 1">
             <a:extLst>
               <a:ext uri="{FF2B5EF4-FFF2-40B4-BE49-F238E27FC236}">
-                <a16:creationId xmlns="" xmlns:a16="http://schemas.microsoft.com/office/drawing/2014/main" id="{62737593-5087-4FE7-BE7B-97290A8959AA}"/>
+                <a16:creationId xmlns:a16="http://schemas.microsoft.com/office/drawing/2014/main" xmlns="" id="{62737593-5087-4FE7-BE7B-97290A8959AA}"/>
               </a:ext>
             </a:extLst>
           </p:cNvPr>
@@ -7339,7 +7355,7 @@
           <p:cNvPr id="3" name="Text Placeholder 2">
             <a:extLst>
               <a:ext uri="{FF2B5EF4-FFF2-40B4-BE49-F238E27FC236}">
-                <a16:creationId xmlns="" xmlns:a16="http://schemas.microsoft.com/office/drawing/2014/main" id="{8013265B-6882-42AD-B306-1AACB5831960}"/>
+                <a16:creationId xmlns:a16="http://schemas.microsoft.com/office/drawing/2014/main" xmlns="" id="{8013265B-6882-42AD-B306-1AACB5831960}"/>
               </a:ext>
             </a:extLst>
           </p:cNvPr>
@@ -7376,7 +7392,7 @@
           <p:cNvPr id="4" name="Title 3">
             <a:extLst>
               <a:ext uri="{FF2B5EF4-FFF2-40B4-BE49-F238E27FC236}">
-                <a16:creationId xmlns="" xmlns:a16="http://schemas.microsoft.com/office/drawing/2014/main" id="{B58880D4-F928-4BAB-8F86-FB3A27D3AE1E}"/>
+                <a16:creationId xmlns:a16="http://schemas.microsoft.com/office/drawing/2014/main" xmlns="" id="{B58880D4-F928-4BAB-8F86-FB3A27D3AE1E}"/>
               </a:ext>
             </a:extLst>
           </p:cNvPr>
@@ -7447,7 +7463,7 @@
           <p:cNvPr id="2" name="Text Placeholder 1">
             <a:extLst>
               <a:ext uri="{FF2B5EF4-FFF2-40B4-BE49-F238E27FC236}">
-                <a16:creationId xmlns="" xmlns:a16="http://schemas.microsoft.com/office/drawing/2014/main" id="{62737593-5087-4FE7-BE7B-97290A8959AA}"/>
+                <a16:creationId xmlns:a16="http://schemas.microsoft.com/office/drawing/2014/main" xmlns="" id="{62737593-5087-4FE7-BE7B-97290A8959AA}"/>
               </a:ext>
             </a:extLst>
           </p:cNvPr>
@@ -7516,7 +7532,7 @@
           <p:cNvPr id="3" name="Text Placeholder 2">
             <a:extLst>
               <a:ext uri="{FF2B5EF4-FFF2-40B4-BE49-F238E27FC236}">
-                <a16:creationId xmlns="" xmlns:a16="http://schemas.microsoft.com/office/drawing/2014/main" id="{8013265B-6882-42AD-B306-1AACB5831960}"/>
+                <a16:creationId xmlns:a16="http://schemas.microsoft.com/office/drawing/2014/main" xmlns="" id="{8013265B-6882-42AD-B306-1AACB5831960}"/>
               </a:ext>
             </a:extLst>
           </p:cNvPr>
@@ -7553,7 +7569,7 @@
           <p:cNvPr id="4" name="Title 3">
             <a:extLst>
               <a:ext uri="{FF2B5EF4-FFF2-40B4-BE49-F238E27FC236}">
-                <a16:creationId xmlns="" xmlns:a16="http://schemas.microsoft.com/office/drawing/2014/main" id="{B58880D4-F928-4BAB-8F86-FB3A27D3AE1E}"/>
+                <a16:creationId xmlns:a16="http://schemas.microsoft.com/office/drawing/2014/main" xmlns="" id="{B58880D4-F928-4BAB-8F86-FB3A27D3AE1E}"/>
               </a:ext>
             </a:extLst>
           </p:cNvPr>
@@ -7616,7 +7632,7 @@
           <p:cNvPr id="2" name="Text Placeholder 1">
             <a:extLst>
               <a:ext uri="{FF2B5EF4-FFF2-40B4-BE49-F238E27FC236}">
-                <a16:creationId xmlns="" xmlns:a16="http://schemas.microsoft.com/office/drawing/2014/main" id="{576D1632-C889-465C-A567-CA185B1F9244}"/>
+                <a16:creationId xmlns:a16="http://schemas.microsoft.com/office/drawing/2014/main" xmlns="" id="{576D1632-C889-465C-A567-CA185B1F9244}"/>
               </a:ext>
             </a:extLst>
           </p:cNvPr>
@@ -7689,7 +7705,7 @@
           <p:cNvPr id="3" name="Text Placeholder 2">
             <a:extLst>
               <a:ext uri="{FF2B5EF4-FFF2-40B4-BE49-F238E27FC236}">
-                <a16:creationId xmlns="" xmlns:a16="http://schemas.microsoft.com/office/drawing/2014/main" id="{3CE1B846-8A60-40E5-B39B-A284E2BB3899}"/>
+                <a16:creationId xmlns:a16="http://schemas.microsoft.com/office/drawing/2014/main" xmlns="" id="{3CE1B846-8A60-40E5-B39B-A284E2BB3899}"/>
               </a:ext>
             </a:extLst>
           </p:cNvPr>
@@ -7737,7 +7753,7 @@
           <p:cNvPr id="4" name="Title 3">
             <a:extLst>
               <a:ext uri="{FF2B5EF4-FFF2-40B4-BE49-F238E27FC236}">
-                <a16:creationId xmlns="" xmlns:a16="http://schemas.microsoft.com/office/drawing/2014/main" id="{09ACD31A-B87D-43FD-8A7E-250C3FD8A9B0}"/>
+                <a16:creationId xmlns:a16="http://schemas.microsoft.com/office/drawing/2014/main" xmlns="" id="{09ACD31A-B87D-43FD-8A7E-250C3FD8A9B0}"/>
               </a:ext>
             </a:extLst>
           </p:cNvPr>
@@ -7796,7 +7812,7 @@
           <p:cNvPr id="2" name="Text Placeholder 1">
             <a:extLst>
               <a:ext uri="{FF2B5EF4-FFF2-40B4-BE49-F238E27FC236}">
-                <a16:creationId xmlns="" xmlns:a16="http://schemas.microsoft.com/office/drawing/2014/main" id="{57618B06-C8A8-4469-855E-61B392DFFAFC}"/>
+                <a16:creationId xmlns:a16="http://schemas.microsoft.com/office/drawing/2014/main" xmlns="" id="{57618B06-C8A8-4469-855E-61B392DFFAFC}"/>
               </a:ext>
             </a:extLst>
           </p:cNvPr>
@@ -7848,7 +7864,7 @@
           <p:cNvPr id="4" name="Title 3">
             <a:extLst>
               <a:ext uri="{FF2B5EF4-FFF2-40B4-BE49-F238E27FC236}">
-                <a16:creationId xmlns="" xmlns:a16="http://schemas.microsoft.com/office/drawing/2014/main" id="{A8E00CF9-B64D-475E-8EFD-166477C1CA41}"/>
+                <a16:creationId xmlns:a16="http://schemas.microsoft.com/office/drawing/2014/main" xmlns="" id="{A8E00CF9-B64D-475E-8EFD-166477C1CA41}"/>
               </a:ext>
             </a:extLst>
           </p:cNvPr>
@@ -7915,7 +7931,7 @@
           <p:cNvPr id="2" name="Text Placeholder 1">
             <a:extLst>
               <a:ext uri="{FF2B5EF4-FFF2-40B4-BE49-F238E27FC236}">
-                <a16:creationId xmlns="" xmlns:a16="http://schemas.microsoft.com/office/drawing/2014/main" id="{826A09AA-0F31-4462-9395-565580C8D524}"/>
+                <a16:creationId xmlns:a16="http://schemas.microsoft.com/office/drawing/2014/main" xmlns="" id="{826A09AA-0F31-4462-9395-565580C8D524}"/>
               </a:ext>
             </a:extLst>
           </p:cNvPr>
@@ -7960,7 +7976,7 @@
           <p:cNvPr id="3" name="Text Placeholder 2">
             <a:extLst>
               <a:ext uri="{FF2B5EF4-FFF2-40B4-BE49-F238E27FC236}">
-                <a16:creationId xmlns="" xmlns:a16="http://schemas.microsoft.com/office/drawing/2014/main" id="{5DCD3969-F3F4-474C-BFD9-B9942D360873}"/>
+                <a16:creationId xmlns:a16="http://schemas.microsoft.com/office/drawing/2014/main" xmlns="" id="{5DCD3969-F3F4-474C-BFD9-B9942D360873}"/>
               </a:ext>
             </a:extLst>
           </p:cNvPr>
@@ -7985,7 +8001,7 @@
           <p:cNvPr id="4" name="Title 3">
             <a:extLst>
               <a:ext uri="{FF2B5EF4-FFF2-40B4-BE49-F238E27FC236}">
-                <a16:creationId xmlns="" xmlns:a16="http://schemas.microsoft.com/office/drawing/2014/main" id="{83DD17B1-6CB7-4354-8701-009D08BAB665}"/>
+                <a16:creationId xmlns:a16="http://schemas.microsoft.com/office/drawing/2014/main" xmlns="" id="{83DD17B1-6CB7-4354-8701-009D08BAB665}"/>
               </a:ext>
             </a:extLst>
           </p:cNvPr>
@@ -8072,7 +8088,7 @@
           <p:cNvPr id="3" name="Text Placeholder 2">
             <a:extLst>
               <a:ext uri="{FF2B5EF4-FFF2-40B4-BE49-F238E27FC236}">
-                <a16:creationId xmlns="" xmlns:a16="http://schemas.microsoft.com/office/drawing/2014/main" id="{5DCD3969-F3F4-474C-BFD9-B9942D360873}"/>
+                <a16:creationId xmlns:a16="http://schemas.microsoft.com/office/drawing/2014/main" xmlns="" id="{5DCD3969-F3F4-474C-BFD9-B9942D360873}"/>
               </a:ext>
             </a:extLst>
           </p:cNvPr>
@@ -8109,7 +8125,7 @@
           <p:cNvPr id="4" name="Title 3">
             <a:extLst>
               <a:ext uri="{FF2B5EF4-FFF2-40B4-BE49-F238E27FC236}">
-                <a16:creationId xmlns="" xmlns:a16="http://schemas.microsoft.com/office/drawing/2014/main" id="{83DD17B1-6CB7-4354-8701-009D08BAB665}"/>
+                <a16:creationId xmlns:a16="http://schemas.microsoft.com/office/drawing/2014/main" xmlns="" id="{83DD17B1-6CB7-4354-8701-009D08BAB665}"/>
               </a:ext>
             </a:extLst>
           </p:cNvPr>
@@ -8213,7 +8229,7 @@
           <p:cNvPr id="2" name="Text Placeholder 1">
             <a:extLst>
               <a:ext uri="{FF2B5EF4-FFF2-40B4-BE49-F238E27FC236}">
-                <a16:creationId xmlns="" xmlns:a16="http://schemas.microsoft.com/office/drawing/2014/main" id="{6A753048-6BD6-4745-A479-DBAD34CB3216}"/>
+                <a16:creationId xmlns:a16="http://schemas.microsoft.com/office/drawing/2014/main" xmlns="" id="{6A753048-6BD6-4745-A479-DBAD34CB3216}"/>
               </a:ext>
             </a:extLst>
           </p:cNvPr>
@@ -8256,7 +8272,7 @@
           <p:cNvPr id="3" name="Text Placeholder 2">
             <a:extLst>
               <a:ext uri="{FF2B5EF4-FFF2-40B4-BE49-F238E27FC236}">
-                <a16:creationId xmlns="" xmlns:a16="http://schemas.microsoft.com/office/drawing/2014/main" id="{B5A8B3F6-F49D-4359-9E12-3F0C089B2E23}"/>
+                <a16:creationId xmlns:a16="http://schemas.microsoft.com/office/drawing/2014/main" xmlns="" id="{B5A8B3F6-F49D-4359-9E12-3F0C089B2E23}"/>
               </a:ext>
             </a:extLst>
           </p:cNvPr>
@@ -8293,7 +8309,7 @@
           <p:cNvPr id="4" name="Title 3">
             <a:extLst>
               <a:ext uri="{FF2B5EF4-FFF2-40B4-BE49-F238E27FC236}">
-                <a16:creationId xmlns="" xmlns:a16="http://schemas.microsoft.com/office/drawing/2014/main" id="{9E541666-6E26-4F40-A926-D9E557AF3D4F}"/>
+                <a16:creationId xmlns:a16="http://schemas.microsoft.com/office/drawing/2014/main" xmlns="" id="{9E541666-6E26-4F40-A926-D9E557AF3D4F}"/>
               </a:ext>
             </a:extLst>
           </p:cNvPr>
@@ -8356,7 +8372,7 @@
           <p:cNvPr id="2" name="Text Placeholder 1">
             <a:extLst>
               <a:ext uri="{FF2B5EF4-FFF2-40B4-BE49-F238E27FC236}">
-                <a16:creationId xmlns="" xmlns:a16="http://schemas.microsoft.com/office/drawing/2014/main" id="{6A753048-6BD6-4745-A479-DBAD34CB3216}"/>
+                <a16:creationId xmlns:a16="http://schemas.microsoft.com/office/drawing/2014/main" xmlns="" id="{6A753048-6BD6-4745-A479-DBAD34CB3216}"/>
               </a:ext>
             </a:extLst>
           </p:cNvPr>
@@ -8409,7 +8425,7 @@
           <p:cNvPr id="3" name="Text Placeholder 2">
             <a:extLst>
               <a:ext uri="{FF2B5EF4-FFF2-40B4-BE49-F238E27FC236}">
-                <a16:creationId xmlns="" xmlns:a16="http://schemas.microsoft.com/office/drawing/2014/main" id="{B5A8B3F6-F49D-4359-9E12-3F0C089B2E23}"/>
+                <a16:creationId xmlns:a16="http://schemas.microsoft.com/office/drawing/2014/main" xmlns="" id="{B5A8B3F6-F49D-4359-9E12-3F0C089B2E23}"/>
               </a:ext>
             </a:extLst>
           </p:cNvPr>
@@ -8446,7 +8462,7 @@
           <p:cNvPr id="4" name="Title 3">
             <a:extLst>
               <a:ext uri="{FF2B5EF4-FFF2-40B4-BE49-F238E27FC236}">
-                <a16:creationId xmlns="" xmlns:a16="http://schemas.microsoft.com/office/drawing/2014/main" id="{9E541666-6E26-4F40-A926-D9E557AF3D4F}"/>
+                <a16:creationId xmlns:a16="http://schemas.microsoft.com/office/drawing/2014/main" xmlns="" id="{9E541666-6E26-4F40-A926-D9E557AF3D4F}"/>
               </a:ext>
             </a:extLst>
           </p:cNvPr>
@@ -8509,7 +8525,7 @@
           <p:cNvPr id="2" name="Text Placeholder 1">
             <a:extLst>
               <a:ext uri="{FF2B5EF4-FFF2-40B4-BE49-F238E27FC236}">
-                <a16:creationId xmlns="" xmlns:a16="http://schemas.microsoft.com/office/drawing/2014/main" id="{B6F8AC67-6D9C-47B0-9C78-55034137C6E3}"/>
+                <a16:creationId xmlns:a16="http://schemas.microsoft.com/office/drawing/2014/main" xmlns="" id="{B6F8AC67-6D9C-47B0-9C78-55034137C6E3}"/>
               </a:ext>
             </a:extLst>
           </p:cNvPr>
@@ -8540,7 +8556,7 @@
           <p:cNvPr id="3" name="Text Placeholder 2">
             <a:extLst>
               <a:ext uri="{FF2B5EF4-FFF2-40B4-BE49-F238E27FC236}">
-                <a16:creationId xmlns="" xmlns:a16="http://schemas.microsoft.com/office/drawing/2014/main" id="{597D0BC2-3189-4626-BEAD-D450511C8E15}"/>
+                <a16:creationId xmlns:a16="http://schemas.microsoft.com/office/drawing/2014/main" xmlns="" id="{597D0BC2-3189-4626-BEAD-D450511C8E15}"/>
               </a:ext>
             </a:extLst>
           </p:cNvPr>
@@ -8577,7 +8593,7 @@
           <p:cNvPr id="4" name="Title 3">
             <a:extLst>
               <a:ext uri="{FF2B5EF4-FFF2-40B4-BE49-F238E27FC236}">
-                <a16:creationId xmlns="" xmlns:a16="http://schemas.microsoft.com/office/drawing/2014/main" id="{814F351C-F6DB-43DC-AD1C-1759C3C5EC88}"/>
+                <a16:creationId xmlns:a16="http://schemas.microsoft.com/office/drawing/2014/main" xmlns="" id="{814F351C-F6DB-43DC-AD1C-1759C3C5EC88}"/>
               </a:ext>
             </a:extLst>
           </p:cNvPr>
@@ -8681,7 +8697,7 @@
           <p:cNvPr id="2" name="Text Placeholder 1">
             <a:extLst>
               <a:ext uri="{FF2B5EF4-FFF2-40B4-BE49-F238E27FC236}">
-                <a16:creationId xmlns="" xmlns:a16="http://schemas.microsoft.com/office/drawing/2014/main" id="{B6F8AC67-6D9C-47B0-9C78-55034137C6E3}"/>
+                <a16:creationId xmlns:a16="http://schemas.microsoft.com/office/drawing/2014/main" xmlns="" id="{B6F8AC67-6D9C-47B0-9C78-55034137C6E3}"/>
               </a:ext>
             </a:extLst>
           </p:cNvPr>
@@ -8712,7 +8728,7 @@
           <p:cNvPr id="3" name="Text Placeholder 2">
             <a:extLst>
               <a:ext uri="{FF2B5EF4-FFF2-40B4-BE49-F238E27FC236}">
-                <a16:creationId xmlns="" xmlns:a16="http://schemas.microsoft.com/office/drawing/2014/main" id="{597D0BC2-3189-4626-BEAD-D450511C8E15}"/>
+                <a16:creationId xmlns:a16="http://schemas.microsoft.com/office/drawing/2014/main" xmlns="" id="{597D0BC2-3189-4626-BEAD-D450511C8E15}"/>
               </a:ext>
             </a:extLst>
           </p:cNvPr>
@@ -8749,7 +8765,7 @@
           <p:cNvPr id="4" name="Title 3">
             <a:extLst>
               <a:ext uri="{FF2B5EF4-FFF2-40B4-BE49-F238E27FC236}">
-                <a16:creationId xmlns="" xmlns:a16="http://schemas.microsoft.com/office/drawing/2014/main" id="{814F351C-F6DB-43DC-AD1C-1759C3C5EC88}"/>
+                <a16:creationId xmlns:a16="http://schemas.microsoft.com/office/drawing/2014/main" xmlns="" id="{814F351C-F6DB-43DC-AD1C-1759C3C5EC88}"/>
               </a:ext>
             </a:extLst>
           </p:cNvPr>
@@ -8782,7 +8798,7 @@
           <p:cNvPr id="6" name="Text Placeholder 1">
             <a:extLst>
               <a:ext uri="{FF2B5EF4-FFF2-40B4-BE49-F238E27FC236}">
-                <a16:creationId xmlns="" xmlns:a16="http://schemas.microsoft.com/office/drawing/2014/main" id="{53DBDAB2-BE11-4B9D-85BC-5DE3D2A0A607}"/>
+                <a16:creationId xmlns:a16="http://schemas.microsoft.com/office/drawing/2014/main" xmlns="" id="{53DBDAB2-BE11-4B9D-85BC-5DE3D2A0A607}"/>
               </a:ext>
             </a:extLst>
           </p:cNvPr>
@@ -9113,7 +9129,7 @@
           <p:cNvPr id="2" name="Text Placeholder 1">
             <a:extLst>
               <a:ext uri="{FF2B5EF4-FFF2-40B4-BE49-F238E27FC236}">
-                <a16:creationId xmlns="" xmlns:a16="http://schemas.microsoft.com/office/drawing/2014/main" id="{53DBDAB2-BE11-4B9D-85BC-5DE3D2A0A607}"/>
+                <a16:creationId xmlns:a16="http://schemas.microsoft.com/office/drawing/2014/main" xmlns="" id="{53DBDAB2-BE11-4B9D-85BC-5DE3D2A0A607}"/>
               </a:ext>
             </a:extLst>
           </p:cNvPr>
@@ -9163,7 +9179,7 @@
           <p:cNvPr id="3" name="Text Placeholder 2">
             <a:extLst>
               <a:ext uri="{FF2B5EF4-FFF2-40B4-BE49-F238E27FC236}">
-                <a16:creationId xmlns="" xmlns:a16="http://schemas.microsoft.com/office/drawing/2014/main" id="{EBDB337E-4389-4B90-8B96-853A42017204}"/>
+                <a16:creationId xmlns:a16="http://schemas.microsoft.com/office/drawing/2014/main" xmlns="" id="{EBDB337E-4389-4B90-8B96-853A42017204}"/>
               </a:ext>
             </a:extLst>
           </p:cNvPr>
@@ -9200,7 +9216,7 @@
           <p:cNvPr id="4" name="Title 3">
             <a:extLst>
               <a:ext uri="{FF2B5EF4-FFF2-40B4-BE49-F238E27FC236}">
-                <a16:creationId xmlns="" xmlns:a16="http://schemas.microsoft.com/office/drawing/2014/main" id="{F9ED67B2-9414-4565-B91A-5A6339FF2E1B}"/>
+                <a16:creationId xmlns:a16="http://schemas.microsoft.com/office/drawing/2014/main" xmlns="" id="{F9ED67B2-9414-4565-B91A-5A6339FF2E1B}"/>
               </a:ext>
             </a:extLst>
           </p:cNvPr>

--- a/Projet/Presentation/Presentation_Groupe05.pptx
+++ b/Projet/Presentation/Presentation_Groupe05.pptx
@@ -13,13 +13,14 @@
     <p:sldId id="365" r:id="rId7"/>
     <p:sldId id="361" r:id="rId8"/>
     <p:sldId id="370" r:id="rId9"/>
-    <p:sldId id="367" r:id="rId10"/>
-    <p:sldId id="363" r:id="rId11"/>
-    <p:sldId id="366" r:id="rId12"/>
-    <p:sldId id="362" r:id="rId13"/>
+    <p:sldId id="362" r:id="rId10"/>
+    <p:sldId id="367" r:id="rId11"/>
+    <p:sldId id="363" r:id="rId12"/>
+    <p:sldId id="366" r:id="rId13"/>
     <p:sldId id="369" r:id="rId14"/>
     <p:sldId id="368" r:id="rId15"/>
     <p:sldId id="364" r:id="rId16"/>
+    <p:sldId id="372" r:id="rId17"/>
   </p:sldIdLst>
   <p:sldSz cx="12192000" cy="6858000"/>
   <p:notesSz cx="6858000" cy="9144000"/>
@@ -242,13 +243,14 @@
             <p14:sldId id="365"/>
             <p14:sldId id="361"/>
             <p14:sldId id="370"/>
+            <p14:sldId id="362"/>
             <p14:sldId id="367"/>
             <p14:sldId id="363"/>
             <p14:sldId id="366"/>
-            <p14:sldId id="362"/>
             <p14:sldId id="369"/>
             <p14:sldId id="368"/>
             <p14:sldId id="364"/>
+            <p14:sldId id="372"/>
           </p14:sldIdLst>
         </p14:section>
       </p14:sectionLst>
@@ -1862,7 +1864,7 @@
           <p:cNvPr id="2" name="Title 1">
             <a:extLst>
               <a:ext uri="{FF2B5EF4-FFF2-40B4-BE49-F238E27FC236}">
-                <a16:creationId xmlns:a16="http://schemas.microsoft.com/office/drawing/2014/main" xmlns="" id="{75A2D3C5-0BBA-4475-A74A-9B10CE13EB0E}"/>
+                <a16:creationId xmlns="" xmlns:a16="http://schemas.microsoft.com/office/drawing/2014/main" id="{75A2D3C5-0BBA-4475-A74A-9B10CE13EB0E}"/>
               </a:ext>
             </a:extLst>
           </p:cNvPr>
@@ -2026,7 +2028,7 @@
           <p:cNvPr id="2" name="Title 1">
             <a:extLst>
               <a:ext uri="{FF2B5EF4-FFF2-40B4-BE49-F238E27FC236}">
-                <a16:creationId xmlns:a16="http://schemas.microsoft.com/office/drawing/2014/main" xmlns="" id="{45682A82-1886-4648-8B15-A4EEC660AA63}"/>
+                <a16:creationId xmlns="" xmlns:a16="http://schemas.microsoft.com/office/drawing/2014/main" id="{45682A82-1886-4648-8B15-A4EEC660AA63}"/>
               </a:ext>
             </a:extLst>
           </p:cNvPr>
@@ -2989,7 +2991,7 @@
           <p:cNvPr id="2" name="Title 1">
             <a:extLst>
               <a:ext uri="{FF2B5EF4-FFF2-40B4-BE49-F238E27FC236}">
-                <a16:creationId xmlns:a16="http://schemas.microsoft.com/office/drawing/2014/main" xmlns="" id="{A6382AAE-12BB-4123-9126-EC8008489960}"/>
+                <a16:creationId xmlns="" xmlns:a16="http://schemas.microsoft.com/office/drawing/2014/main" id="{A6382AAE-12BB-4123-9126-EC8008489960}"/>
               </a:ext>
             </a:extLst>
           </p:cNvPr>
@@ -5807,7 +5809,7 @@
           <p:cNvPr id="2" name="Picture 2" descr="RÃ©sultat de recherche d'images pour &quot;ynov lyon&quot;">
             <a:extLst>
               <a:ext uri="{FF2B5EF4-FFF2-40B4-BE49-F238E27FC236}">
-                <a16:creationId xmlns:a16="http://schemas.microsoft.com/office/drawing/2014/main" xmlns="" id="{92ABB00D-ADA6-4A5E-80E9-D89620C9233F}"/>
+                <a16:creationId xmlns="" xmlns:a16="http://schemas.microsoft.com/office/drawing/2014/main" id="{92ABB00D-ADA6-4A5E-80E9-D89620C9233F}"/>
               </a:ext>
             </a:extLst>
           </p:cNvPr>
@@ -6334,7 +6336,7 @@
           <p:cNvPr id="3" name="Text Placeholder 2">
             <a:extLst>
               <a:ext uri="{FF2B5EF4-FFF2-40B4-BE49-F238E27FC236}">
-                <a16:creationId xmlns:a16="http://schemas.microsoft.com/office/drawing/2014/main" xmlns="" id="{60DBFCC4-DB58-4F06-97D0-A741F5586722}"/>
+                <a16:creationId xmlns="" xmlns:a16="http://schemas.microsoft.com/office/drawing/2014/main" id="{60DBFCC4-DB58-4F06-97D0-A741F5586722}"/>
               </a:ext>
             </a:extLst>
           </p:cNvPr>
@@ -6367,7 +6369,7 @@
           <p:cNvPr id="1026" name="Picture 2" descr="RÃ©sultat de recherche d'images pour &quot;ynov lyon&quot;">
             <a:extLst>
               <a:ext uri="{FF2B5EF4-FFF2-40B4-BE49-F238E27FC236}">
-                <a16:creationId xmlns:a16="http://schemas.microsoft.com/office/drawing/2014/main" xmlns="" id="{6EB9BD3B-0D8D-4FB9-B6AA-34EEBF39FE67}"/>
+                <a16:creationId xmlns="" xmlns:a16="http://schemas.microsoft.com/office/drawing/2014/main" id="{6EB9BD3B-0D8D-4FB9-B6AA-34EEBF39FE67}"/>
               </a:ext>
             </a:extLst>
           </p:cNvPr>
@@ -6414,7 +6416,7 @@
           <p:cNvPr id="2" name="TextBox 1">
             <a:extLst>
               <a:ext uri="{FF2B5EF4-FFF2-40B4-BE49-F238E27FC236}">
-                <a16:creationId xmlns:a16="http://schemas.microsoft.com/office/drawing/2014/main" xmlns="" id="{0499A71F-347A-4043-B5B9-A2E6917C84E7}"/>
+                <a16:creationId xmlns="" xmlns:a16="http://schemas.microsoft.com/office/drawing/2014/main" id="{0499A71F-347A-4043-B5B9-A2E6917C84E7}"/>
               </a:ext>
             </a:extLst>
           </p:cNvPr>
@@ -6458,7 +6460,7 @@
           <p:cNvPr id="6" name="TextBox 5">
             <a:extLst>
               <a:ext uri="{FF2B5EF4-FFF2-40B4-BE49-F238E27FC236}">
-                <a16:creationId xmlns:a16="http://schemas.microsoft.com/office/drawing/2014/main" xmlns="" id="{A664C523-DC2F-4D39-853C-07F0BFDABF81}"/>
+                <a16:creationId xmlns="" xmlns:a16="http://schemas.microsoft.com/office/drawing/2014/main" id="{A664C523-DC2F-4D39-853C-07F0BFDABF81}"/>
               </a:ext>
             </a:extLst>
           </p:cNvPr>
@@ -6532,7 +6534,7 @@
           <p:cNvPr id="2" name="Text Placeholder 1">
             <a:extLst>
               <a:ext uri="{FF2B5EF4-FFF2-40B4-BE49-F238E27FC236}">
-                <a16:creationId xmlns:a16="http://schemas.microsoft.com/office/drawing/2014/main" xmlns="" id="{53DBDAB2-BE11-4B9D-85BC-5DE3D2A0A607}"/>
+                <a16:creationId xmlns="" xmlns:a16="http://schemas.microsoft.com/office/drawing/2014/main" id="{53DBDAB2-BE11-4B9D-85BC-5DE3D2A0A607}"/>
               </a:ext>
             </a:extLst>
           </p:cNvPr>
@@ -6543,186 +6545,57 @@
             <p:ph type="body" idx="1"/>
           </p:nvPr>
         </p:nvSpPr>
-        <p:spPr/>
+        <p:spPr>
+          <a:xfrm>
+            <a:off x="447975" y="1929798"/>
+            <a:ext cx="10869084" cy="4226428"/>
+          </a:xfrm>
+        </p:spPr>
         <p:txBody>
           <a:bodyPr/>
           <a:lstStyle/>
           <a:p>
             <a:r>
-              <a:rPr lang="en-US" dirty="0" err="1" smtClean="0"/>
-              <a:t>Tâche</a:t>
-            </a:r>
-            <a:r>
-              <a:rPr lang="en-US" dirty="0" smtClean="0"/>
-              <a:t> 2 : </a:t>
-            </a:r>
-            <a:r>
-              <a:rPr lang="en-US" dirty="0" err="1" smtClean="0"/>
-              <a:t>Mise</a:t>
-            </a:r>
-            <a:r>
-              <a:rPr lang="en-US" dirty="0" smtClean="0"/>
-              <a:t> </a:t>
-            </a:r>
-            <a:r>
-              <a:rPr lang="en-US" dirty="0" err="1" smtClean="0"/>
-              <a:t>en</a:t>
-            </a:r>
-            <a:r>
-              <a:rPr lang="en-US" dirty="0" smtClean="0"/>
-              <a:t> place des </a:t>
-            </a:r>
-            <a:r>
-              <a:rPr lang="en-US" dirty="0" err="1" smtClean="0"/>
-              <a:t>accès</a:t>
-            </a:r>
-            <a:r>
-              <a:rPr lang="en-US" dirty="0" smtClean="0"/>
-              <a:t> à distance aux </a:t>
-            </a:r>
-            <a:r>
-              <a:rPr lang="en-US" dirty="0" err="1" smtClean="0"/>
-              <a:t>données</a:t>
-            </a:r>
-            <a:r>
-              <a:rPr lang="en-US" dirty="0" smtClean="0"/>
-              <a:t> et aux </a:t>
-            </a:r>
-            <a:r>
-              <a:rPr lang="en-US" dirty="0" err="1" smtClean="0"/>
-              <a:t>fonctionnalités</a:t>
-            </a:r>
-            <a:r>
-              <a:rPr lang="en-US" dirty="0" smtClean="0"/>
-              <a:t> à travers </a:t>
-            </a:r>
-            <a:r>
-              <a:rPr lang="en-US" dirty="0" err="1" smtClean="0"/>
-              <a:t>notre</a:t>
-            </a:r>
-            <a:r>
-              <a:rPr lang="en-US" dirty="0" smtClean="0"/>
-              <a:t> application mobile et web. Nous </a:t>
-            </a:r>
-            <a:r>
-              <a:rPr lang="en-US" dirty="0" err="1" smtClean="0"/>
-              <a:t>allons</a:t>
-            </a:r>
-            <a:r>
-              <a:rPr lang="en-US" dirty="0" smtClean="0"/>
-              <a:t> </a:t>
-            </a:r>
-            <a:r>
-              <a:rPr lang="en-US" dirty="0" err="1" smtClean="0"/>
-              <a:t>ici</a:t>
-            </a:r>
-            <a:r>
-              <a:rPr lang="en-US" dirty="0" smtClean="0"/>
-              <a:t> </a:t>
-            </a:r>
-            <a:r>
-              <a:rPr lang="en-US" dirty="0" err="1" smtClean="0"/>
-              <a:t>gérer</a:t>
-            </a:r>
-            <a:r>
-              <a:rPr lang="en-US" dirty="0" smtClean="0"/>
-              <a:t> </a:t>
-            </a:r>
-            <a:r>
-              <a:rPr lang="en-US" dirty="0" err="1" smtClean="0"/>
-              <a:t>toute</a:t>
-            </a:r>
-            <a:r>
-              <a:rPr lang="en-US" dirty="0" smtClean="0"/>
-              <a:t> la </a:t>
-            </a:r>
-            <a:r>
-              <a:rPr lang="en-US" dirty="0" err="1" smtClean="0"/>
-              <a:t>mise</a:t>
-            </a:r>
-            <a:r>
-              <a:rPr lang="en-US" dirty="0" smtClean="0"/>
-              <a:t> </a:t>
-            </a:r>
-            <a:r>
-              <a:rPr lang="en-US" dirty="0" err="1" smtClean="0"/>
-              <a:t>en</a:t>
-            </a:r>
-            <a:r>
-              <a:rPr lang="en-US" dirty="0" smtClean="0"/>
-              <a:t> place de </a:t>
-            </a:r>
-            <a:r>
-              <a:rPr lang="en-US" dirty="0" err="1" smtClean="0"/>
-              <a:t>notre</a:t>
-            </a:r>
-            <a:r>
-              <a:rPr lang="en-US" dirty="0" smtClean="0"/>
-              <a:t> application mobile (et web), </a:t>
-            </a:r>
-            <a:r>
-              <a:rPr lang="en-US" dirty="0" err="1" smtClean="0"/>
-              <a:t>ainsi</a:t>
-            </a:r>
-            <a:r>
-              <a:rPr lang="en-US" dirty="0" smtClean="0"/>
-              <a:t> que les </a:t>
-            </a:r>
-            <a:r>
-              <a:rPr lang="en-US" dirty="0" err="1" smtClean="0"/>
-              <a:t>différentes</a:t>
-            </a:r>
-            <a:r>
-              <a:rPr lang="en-US" dirty="0" smtClean="0"/>
-              <a:t> API </a:t>
-            </a:r>
-            <a:r>
-              <a:rPr lang="en-US" dirty="0" err="1" smtClean="0"/>
-              <a:t>nécessaires</a:t>
-            </a:r>
-            <a:r>
-              <a:rPr lang="en-US" dirty="0" smtClean="0"/>
-              <a:t> pour </a:t>
-            </a:r>
-            <a:r>
-              <a:rPr lang="en-US" dirty="0" err="1" smtClean="0"/>
-              <a:t>accéder</a:t>
-            </a:r>
-            <a:r>
-              <a:rPr lang="en-US" dirty="0" smtClean="0"/>
-              <a:t> aux </a:t>
-            </a:r>
-            <a:r>
-              <a:rPr lang="en-US" dirty="0" err="1" smtClean="0"/>
-              <a:t>données</a:t>
-            </a:r>
-            <a:r>
-              <a:rPr lang="en-US" dirty="0" smtClean="0"/>
-              <a:t> et </a:t>
-            </a:r>
-            <a:r>
-              <a:rPr lang="en-US" dirty="0" err="1" smtClean="0"/>
-              <a:t>envoyer</a:t>
-            </a:r>
-            <a:r>
-              <a:rPr lang="en-US" dirty="0" smtClean="0"/>
-              <a:t> des instructions aux </a:t>
-            </a:r>
-            <a:r>
-              <a:rPr lang="en-US" dirty="0" err="1" smtClean="0"/>
-              <a:t>appareils</a:t>
-            </a:r>
-            <a:r>
-              <a:rPr lang="en-US" dirty="0" smtClean="0"/>
-              <a:t> </a:t>
-            </a:r>
-            <a:r>
-              <a:rPr lang="en-US" dirty="0" err="1" smtClean="0"/>
-              <a:t>distants</a:t>
-            </a:r>
-            <a:r>
-              <a:rPr lang="en-US" dirty="0"/>
-              <a:t>.</a:t>
+              <a:rPr lang="fr-FR" dirty="0"/>
+              <a:t>Nous détaillons ici </a:t>
+            </a:r>
+            <a:r>
+              <a:rPr lang="fr-FR" dirty="0" smtClean="0"/>
+              <a:t>les </a:t>
+            </a:r>
+            <a:r>
+              <a:rPr lang="fr-FR" dirty="0"/>
+              <a:t>grandes </a:t>
+            </a:r>
+            <a:r>
+              <a:rPr lang="fr-FR" dirty="0" smtClean="0"/>
+              <a:t>taches (les colonnes client/serveur/</a:t>
+            </a:r>
+            <a:r>
+              <a:rPr lang="fr-FR" dirty="0" err="1" smtClean="0"/>
+              <a:t>gateway</a:t>
+            </a:r>
+            <a:r>
+              <a:rPr lang="fr-FR" dirty="0" smtClean="0"/>
+              <a:t>). Celles qui ont été découpées en US juste avant.</a:t>
+            </a:r>
+            <a:endParaRPr lang="fr-FR" dirty="0"/>
+          </a:p>
+          <a:p>
+            <a:endParaRPr lang="fr-FR" dirty="0"/>
+          </a:p>
+          <a:p>
+            <a:r>
+              <a:rPr lang="fr-FR" dirty="0"/>
+              <a:t>Tâche 1 : Paramétrage de la Gateway et du robot, c’est à dire mettre en place tout l’environnement réseau pour que la </a:t>
+            </a:r>
+            <a:r>
+              <a:rPr lang="fr-FR" dirty="0" err="1"/>
+              <a:t>gateway</a:t>
+            </a:r>
+            <a:r>
+              <a:rPr lang="fr-FR" dirty="0"/>
+              <a:t> et le robot soient connectés, et que les informations transitent bien dans les deux sens sans problème.</a:t>
             </a:r>
           </a:p>
         </p:txBody>
@@ -6732,7 +6605,7 @@
           <p:cNvPr id="3" name="Text Placeholder 2">
             <a:extLst>
               <a:ext uri="{FF2B5EF4-FFF2-40B4-BE49-F238E27FC236}">
-                <a16:creationId xmlns:a16="http://schemas.microsoft.com/office/drawing/2014/main" xmlns="" id="{EBDB337E-4389-4B90-8B96-853A42017204}"/>
+                <a16:creationId xmlns="" xmlns:a16="http://schemas.microsoft.com/office/drawing/2014/main" id="{EBDB337E-4389-4B90-8B96-853A42017204}"/>
               </a:ext>
             </a:extLst>
           </p:cNvPr>
@@ -6769,7 +6642,7 @@
           <p:cNvPr id="4" name="Title 3">
             <a:extLst>
               <a:ext uri="{FF2B5EF4-FFF2-40B4-BE49-F238E27FC236}">
-                <a16:creationId xmlns:a16="http://schemas.microsoft.com/office/drawing/2014/main" xmlns="" id="{F9ED67B2-9414-4565-B91A-5A6339FF2E1B}"/>
+                <a16:creationId xmlns="" xmlns:a16="http://schemas.microsoft.com/office/drawing/2014/main" id="{F9ED67B2-9414-4565-B91A-5A6339FF2E1B}"/>
               </a:ext>
             </a:extLst>
           </p:cNvPr>
@@ -6799,7 +6672,15 @@
             </a:r>
             <a:r>
               <a:rPr lang="fr-FR" dirty="0" smtClean="0"/>
-              <a:t>[2/3]</a:t>
+              <a:t>[</a:t>
+            </a:r>
+            <a:r>
+              <a:rPr lang="fr-FR" dirty="0" smtClean="0"/>
+              <a:t>2</a:t>
+            </a:r>
+            <a:r>
+              <a:rPr lang="fr-FR" dirty="0" smtClean="0"/>
+              <a:t>/4]</a:t>
             </a:r>
             <a:endParaRPr lang="en-US" dirty="0"/>
           </a:p>
@@ -6808,7 +6689,7 @@
     </p:spTree>
     <p:extLst>
       <p:ext uri="{BB962C8B-B14F-4D97-AF65-F5344CB8AC3E}">
-        <p14:creationId xmlns:p14="http://schemas.microsoft.com/office/powerpoint/2010/main" val="53273876"/>
+        <p14:creationId xmlns:p14="http://schemas.microsoft.com/office/powerpoint/2010/main" val="1969407979"/>
       </p:ext>
     </p:extLst>
   </p:cSld>
@@ -6840,7 +6721,7 @@
           <p:cNvPr id="2" name="Text Placeholder 1">
             <a:extLst>
               <a:ext uri="{FF2B5EF4-FFF2-40B4-BE49-F238E27FC236}">
-                <a16:creationId xmlns:a16="http://schemas.microsoft.com/office/drawing/2014/main" xmlns="" id="{53DBDAB2-BE11-4B9D-85BC-5DE3D2A0A607}"/>
+                <a16:creationId xmlns="" xmlns:a16="http://schemas.microsoft.com/office/drawing/2014/main" id="{53DBDAB2-BE11-4B9D-85BC-5DE3D2A0A607}"/>
               </a:ext>
             </a:extLst>
           </p:cNvPr>
@@ -6862,11 +6743,147 @@
             </a:r>
             <a:r>
               <a:rPr lang="en-US" dirty="0" smtClean="0"/>
-              <a:t> 3 : </a:t>
+              <a:t> 2 : </a:t>
             </a:r>
             <a:r>
               <a:rPr lang="en-US" dirty="0" err="1" smtClean="0"/>
-              <a:t>Définition</a:t>
+              <a:t>Mise</a:t>
+            </a:r>
+            <a:r>
+              <a:rPr lang="en-US" dirty="0" smtClean="0"/>
+              <a:t> </a:t>
+            </a:r>
+            <a:r>
+              <a:rPr lang="en-US" dirty="0" err="1" smtClean="0"/>
+              <a:t>en</a:t>
+            </a:r>
+            <a:r>
+              <a:rPr lang="en-US" dirty="0" smtClean="0"/>
+              <a:t> place des </a:t>
+            </a:r>
+            <a:r>
+              <a:rPr lang="en-US" dirty="0" err="1" smtClean="0"/>
+              <a:t>accès</a:t>
+            </a:r>
+            <a:r>
+              <a:rPr lang="en-US" dirty="0" smtClean="0"/>
+              <a:t> à distance aux </a:t>
+            </a:r>
+            <a:r>
+              <a:rPr lang="en-US" dirty="0" err="1" smtClean="0"/>
+              <a:t>données</a:t>
+            </a:r>
+            <a:r>
+              <a:rPr lang="en-US" dirty="0" smtClean="0"/>
+              <a:t> et aux </a:t>
+            </a:r>
+            <a:r>
+              <a:rPr lang="en-US" dirty="0" err="1" smtClean="0"/>
+              <a:t>fonctionnalités</a:t>
+            </a:r>
+            <a:r>
+              <a:rPr lang="en-US" dirty="0" smtClean="0"/>
+              <a:t> à travers </a:t>
+            </a:r>
+            <a:r>
+              <a:rPr lang="en-US" dirty="0" err="1" smtClean="0"/>
+              <a:t>notre</a:t>
+            </a:r>
+            <a:r>
+              <a:rPr lang="en-US" dirty="0" smtClean="0"/>
+              <a:t> application mobile et web. Nous </a:t>
+            </a:r>
+            <a:r>
+              <a:rPr lang="en-US" dirty="0" err="1" smtClean="0"/>
+              <a:t>allons</a:t>
+            </a:r>
+            <a:r>
+              <a:rPr lang="en-US" dirty="0" smtClean="0"/>
+              <a:t> </a:t>
+            </a:r>
+            <a:r>
+              <a:rPr lang="en-US" dirty="0" err="1" smtClean="0"/>
+              <a:t>ici</a:t>
+            </a:r>
+            <a:r>
+              <a:rPr lang="en-US" dirty="0" smtClean="0"/>
+              <a:t> </a:t>
+            </a:r>
+            <a:r>
+              <a:rPr lang="en-US" dirty="0" err="1" smtClean="0"/>
+              <a:t>gérer</a:t>
+            </a:r>
+            <a:r>
+              <a:rPr lang="en-US" dirty="0" smtClean="0"/>
+              <a:t> </a:t>
+            </a:r>
+            <a:r>
+              <a:rPr lang="en-US" dirty="0" err="1" smtClean="0"/>
+              <a:t>toute</a:t>
+            </a:r>
+            <a:r>
+              <a:rPr lang="en-US" dirty="0" smtClean="0"/>
+              <a:t> la </a:t>
+            </a:r>
+            <a:r>
+              <a:rPr lang="en-US" dirty="0" err="1" smtClean="0"/>
+              <a:t>mise</a:t>
+            </a:r>
+            <a:r>
+              <a:rPr lang="en-US" dirty="0" smtClean="0"/>
+              <a:t> </a:t>
+            </a:r>
+            <a:r>
+              <a:rPr lang="en-US" dirty="0" err="1" smtClean="0"/>
+              <a:t>en</a:t>
+            </a:r>
+            <a:r>
+              <a:rPr lang="en-US" dirty="0" smtClean="0"/>
+              <a:t> place de </a:t>
+            </a:r>
+            <a:r>
+              <a:rPr lang="en-US" dirty="0" err="1" smtClean="0"/>
+              <a:t>notre</a:t>
+            </a:r>
+            <a:r>
+              <a:rPr lang="en-US" dirty="0" smtClean="0"/>
+              <a:t> application mobile (et web), </a:t>
+            </a:r>
+            <a:r>
+              <a:rPr lang="en-US" dirty="0" err="1" smtClean="0"/>
+              <a:t>ainsi</a:t>
+            </a:r>
+            <a:r>
+              <a:rPr lang="en-US" dirty="0" smtClean="0"/>
+              <a:t> que les </a:t>
+            </a:r>
+            <a:r>
+              <a:rPr lang="en-US" dirty="0" err="1" smtClean="0"/>
+              <a:t>différentes</a:t>
+            </a:r>
+            <a:r>
+              <a:rPr lang="en-US" dirty="0" smtClean="0"/>
+              <a:t> API </a:t>
+            </a:r>
+            <a:r>
+              <a:rPr lang="en-US" dirty="0" err="1" smtClean="0"/>
+              <a:t>nécessaires</a:t>
+            </a:r>
+            <a:r>
+              <a:rPr lang="en-US" dirty="0" smtClean="0"/>
+              <a:t> pour </a:t>
+            </a:r>
+            <a:r>
+              <a:rPr lang="en-US" dirty="0" err="1" smtClean="0"/>
+              <a:t>accéder</a:t>
+            </a:r>
+            <a:r>
+              <a:rPr lang="en-US" dirty="0" smtClean="0"/>
+              <a:t> aux </a:t>
+            </a:r>
+            <a:r>
+              <a:rPr lang="en-US" dirty="0" err="1" smtClean="0"/>
+              <a:t>données</a:t>
             </a:r>
             <a:r>
               <a:rPr lang="en-US" dirty="0" smtClean="0"/>
@@ -6874,7 +6891,15 @@
             </a:r>
             <a:r>
               <a:rPr lang="en-US" dirty="0" err="1" smtClean="0"/>
-              <a:t>mise</a:t>
+              <a:t>envoyer</a:t>
+            </a:r>
+            <a:r>
+              <a:rPr lang="en-US" dirty="0" smtClean="0"/>
+              <a:t> des instructions aux </a:t>
+            </a:r>
+            <a:r>
+              <a:rPr lang="en-US" dirty="0" err="1" smtClean="0"/>
+              <a:t>appareils</a:t>
             </a:r>
             <a:r>
               <a:rPr lang="en-US" dirty="0" smtClean="0"/>
@@ -6882,91 +6907,7 @@
             </a:r>
             <a:r>
               <a:rPr lang="en-US" dirty="0" err="1" smtClean="0"/>
-              <a:t>en</a:t>
-            </a:r>
-            <a:r>
-              <a:rPr lang="en-US" dirty="0" smtClean="0"/>
-              <a:t> place de la </a:t>
-            </a:r>
-            <a:r>
-              <a:rPr lang="en-US" dirty="0" err="1" smtClean="0"/>
-              <a:t>logique</a:t>
-            </a:r>
-            <a:r>
-              <a:rPr lang="en-US" dirty="0" smtClean="0"/>
-              <a:t> interne du robot. </a:t>
-            </a:r>
-            <a:r>
-              <a:rPr lang="en-US" dirty="0" err="1" smtClean="0"/>
-              <a:t>Ici</a:t>
-            </a:r>
-            <a:r>
-              <a:rPr lang="en-US" dirty="0" smtClean="0"/>
-              <a:t> </a:t>
-            </a:r>
-            <a:r>
-              <a:rPr lang="en-US" dirty="0" err="1" smtClean="0"/>
-              <a:t>il</a:t>
-            </a:r>
-            <a:r>
-              <a:rPr lang="en-US" dirty="0" smtClean="0"/>
-              <a:t> </a:t>
-            </a:r>
-            <a:r>
-              <a:rPr lang="en-US" dirty="0" err="1" smtClean="0"/>
-              <a:t>s’agira</a:t>
-            </a:r>
-            <a:r>
-              <a:rPr lang="en-US" dirty="0" smtClean="0"/>
-              <a:t> de </a:t>
-            </a:r>
-            <a:r>
-              <a:rPr lang="en-US" dirty="0" err="1" smtClean="0"/>
-              <a:t>définir</a:t>
-            </a:r>
-            <a:r>
-              <a:rPr lang="en-US" dirty="0" smtClean="0"/>
-              <a:t> le </a:t>
-            </a:r>
-            <a:r>
-              <a:rPr lang="en-US" dirty="0" err="1" smtClean="0"/>
-              <a:t>comportement</a:t>
-            </a:r>
-            <a:r>
-              <a:rPr lang="en-US" dirty="0" smtClean="0"/>
-              <a:t> </a:t>
-            </a:r>
-            <a:r>
-              <a:rPr lang="en-US" dirty="0" err="1" smtClean="0"/>
-              <a:t>adéquat</a:t>
-            </a:r>
-            <a:r>
-              <a:rPr lang="en-US" dirty="0" smtClean="0"/>
-              <a:t> du robot, </a:t>
-            </a:r>
-            <a:r>
-              <a:rPr lang="en-US" dirty="0" err="1" smtClean="0"/>
-              <a:t>quand</a:t>
-            </a:r>
-            <a:r>
-              <a:rPr lang="en-US" dirty="0" smtClean="0"/>
-              <a:t> </a:t>
-            </a:r>
-            <a:r>
-              <a:rPr lang="en-US" dirty="0" err="1" smtClean="0"/>
-              <a:t>bouger</a:t>
-            </a:r>
-            <a:r>
-              <a:rPr lang="en-US" dirty="0" smtClean="0"/>
-              <a:t>, comment </a:t>
-            </a:r>
-            <a:r>
-              <a:rPr lang="en-US" dirty="0" err="1" smtClean="0"/>
-              <a:t>bouger</a:t>
-            </a:r>
-            <a:r>
-              <a:rPr lang="en-US" dirty="0" smtClean="0"/>
-              <a:t>, etc</a:t>
+              <a:t>distants</a:t>
             </a:r>
             <a:r>
               <a:rPr lang="en-US" dirty="0"/>
@@ -6980,7 +6921,7 @@
           <p:cNvPr id="3" name="Text Placeholder 2">
             <a:extLst>
               <a:ext uri="{FF2B5EF4-FFF2-40B4-BE49-F238E27FC236}">
-                <a16:creationId xmlns:a16="http://schemas.microsoft.com/office/drawing/2014/main" xmlns="" id="{EBDB337E-4389-4B90-8B96-853A42017204}"/>
+                <a16:creationId xmlns="" xmlns:a16="http://schemas.microsoft.com/office/drawing/2014/main" id="{EBDB337E-4389-4B90-8B96-853A42017204}"/>
               </a:ext>
             </a:extLst>
           </p:cNvPr>
@@ -7017,7 +6958,7 @@
           <p:cNvPr id="4" name="Title 3">
             <a:extLst>
               <a:ext uri="{FF2B5EF4-FFF2-40B4-BE49-F238E27FC236}">
-                <a16:creationId xmlns:a16="http://schemas.microsoft.com/office/drawing/2014/main" xmlns="" id="{F9ED67B2-9414-4565-B91A-5A6339FF2E1B}"/>
+                <a16:creationId xmlns="" xmlns:a16="http://schemas.microsoft.com/office/drawing/2014/main" id="{F9ED67B2-9414-4565-B91A-5A6339FF2E1B}"/>
               </a:ext>
             </a:extLst>
           </p:cNvPr>
@@ -7047,7 +6988,7 @@
             </a:r>
             <a:r>
               <a:rPr lang="fr-FR" dirty="0" smtClean="0"/>
-              <a:t>[3/3]</a:t>
+              <a:t>[3/4]</a:t>
             </a:r>
             <a:endParaRPr lang="en-US" dirty="0"/>
           </a:p>
@@ -7056,7 +6997,7 @@
     </p:spTree>
     <p:extLst>
       <p:ext uri="{BB962C8B-B14F-4D97-AF65-F5344CB8AC3E}">
-        <p14:creationId xmlns:p14="http://schemas.microsoft.com/office/powerpoint/2010/main" val="3411312211"/>
+        <p14:creationId xmlns:p14="http://schemas.microsoft.com/office/powerpoint/2010/main" val="53273876"/>
       </p:ext>
     </p:extLst>
   </p:cSld>
@@ -7088,7 +7029,7 @@
           <p:cNvPr id="2" name="Text Placeholder 1">
             <a:extLst>
               <a:ext uri="{FF2B5EF4-FFF2-40B4-BE49-F238E27FC236}">
-                <a16:creationId xmlns:a16="http://schemas.microsoft.com/office/drawing/2014/main" xmlns="" id="{62737593-5087-4FE7-BE7B-97290A8959AA}"/>
+                <a16:creationId xmlns="" xmlns:a16="http://schemas.microsoft.com/office/drawing/2014/main" id="{53DBDAB2-BE11-4B9D-85BC-5DE3D2A0A607}"/>
               </a:ext>
             </a:extLst>
           </p:cNvPr>
@@ -7099,38 +7040,126 @@
             <p:ph type="body" idx="1"/>
           </p:nvPr>
         </p:nvSpPr>
-        <p:spPr>
-          <a:xfrm>
-            <a:off x="457030" y="2182721"/>
-            <a:ext cx="4414834" cy="4226428"/>
-          </a:xfrm>
-        </p:spPr>
+        <p:spPr/>
         <p:txBody>
           <a:bodyPr/>
           <a:lstStyle/>
           <a:p>
             <a:r>
-              <a:rPr lang="fr-FR" dirty="0" smtClean="0"/>
-              <a:t>Tableau représentant les différentes US du projet, et leurs affectations.</a:t>
-            </a:r>
-          </a:p>
-          <a:p>
-            <a:endParaRPr lang="fr-FR" dirty="0" smtClean="0"/>
-          </a:p>
-          <a:p>
-            <a:r>
-              <a:rPr lang="fr-FR" dirty="0" smtClean="0"/>
-              <a:t>On peut voir la colonne « extension » qui correspond à ce qui sort du scope initial, c’est-à-dire ce qu’on fera uniquement si on en a le temps.</a:t>
-            </a:r>
-            <a:endParaRPr lang="fr-FR" dirty="0"/>
-          </a:p>
-          <a:p>
-            <a:endParaRPr lang="fr-FR" dirty="0"/>
-          </a:p>
-          <a:p>
-            <a:r>
-              <a:rPr lang="fr-FR" dirty="0" smtClean="0"/>
-              <a:t>Le détail jour par jour est disponible sur les pages suivantes.</a:t>
+              <a:rPr lang="en-US" dirty="0" err="1" smtClean="0"/>
+              <a:t>Tâche</a:t>
+            </a:r>
+            <a:r>
+              <a:rPr lang="en-US" dirty="0" smtClean="0"/>
+              <a:t> 3 : </a:t>
+            </a:r>
+            <a:r>
+              <a:rPr lang="en-US" dirty="0" err="1" smtClean="0"/>
+              <a:t>Définition</a:t>
+            </a:r>
+            <a:r>
+              <a:rPr lang="en-US" dirty="0" smtClean="0"/>
+              <a:t> et </a:t>
+            </a:r>
+            <a:r>
+              <a:rPr lang="en-US" dirty="0" err="1" smtClean="0"/>
+              <a:t>mise</a:t>
+            </a:r>
+            <a:r>
+              <a:rPr lang="en-US" dirty="0" smtClean="0"/>
+              <a:t> </a:t>
+            </a:r>
+            <a:r>
+              <a:rPr lang="en-US" dirty="0" err="1" smtClean="0"/>
+              <a:t>en</a:t>
+            </a:r>
+            <a:r>
+              <a:rPr lang="en-US" dirty="0" smtClean="0"/>
+              <a:t> place de la </a:t>
+            </a:r>
+            <a:r>
+              <a:rPr lang="en-US" dirty="0" err="1" smtClean="0"/>
+              <a:t>logique</a:t>
+            </a:r>
+            <a:r>
+              <a:rPr lang="en-US" dirty="0" smtClean="0"/>
+              <a:t> interne du robot. </a:t>
+            </a:r>
+            <a:r>
+              <a:rPr lang="en-US" dirty="0" err="1" smtClean="0"/>
+              <a:t>Ici</a:t>
+            </a:r>
+            <a:r>
+              <a:rPr lang="en-US" dirty="0" smtClean="0"/>
+              <a:t> </a:t>
+            </a:r>
+            <a:r>
+              <a:rPr lang="en-US" dirty="0" err="1" smtClean="0"/>
+              <a:t>il</a:t>
+            </a:r>
+            <a:r>
+              <a:rPr lang="en-US" dirty="0" smtClean="0"/>
+              <a:t> </a:t>
+            </a:r>
+            <a:r>
+              <a:rPr lang="en-US" dirty="0" err="1" smtClean="0"/>
+              <a:t>s’agira</a:t>
+            </a:r>
+            <a:r>
+              <a:rPr lang="en-US" dirty="0" smtClean="0"/>
+              <a:t> de </a:t>
+            </a:r>
+            <a:r>
+              <a:rPr lang="en-US" dirty="0" err="1" smtClean="0"/>
+              <a:t>définir</a:t>
+            </a:r>
+            <a:r>
+              <a:rPr lang="en-US" dirty="0" smtClean="0"/>
+              <a:t> le </a:t>
+            </a:r>
+            <a:r>
+              <a:rPr lang="en-US" dirty="0" err="1" smtClean="0"/>
+              <a:t>comportement</a:t>
+            </a:r>
+            <a:r>
+              <a:rPr lang="en-US" dirty="0" smtClean="0"/>
+              <a:t> </a:t>
+            </a:r>
+            <a:r>
+              <a:rPr lang="en-US" dirty="0" err="1" smtClean="0"/>
+              <a:t>adéquat</a:t>
+            </a:r>
+            <a:r>
+              <a:rPr lang="en-US" dirty="0" smtClean="0"/>
+              <a:t> du robot, </a:t>
+            </a:r>
+            <a:r>
+              <a:rPr lang="en-US" dirty="0" err="1" smtClean="0"/>
+              <a:t>quand</a:t>
+            </a:r>
+            <a:r>
+              <a:rPr lang="en-US" dirty="0" smtClean="0"/>
+              <a:t> </a:t>
+            </a:r>
+            <a:r>
+              <a:rPr lang="en-US" dirty="0" err="1" smtClean="0"/>
+              <a:t>bouger</a:t>
+            </a:r>
+            <a:r>
+              <a:rPr lang="en-US" dirty="0" smtClean="0"/>
+              <a:t>, comment </a:t>
+            </a:r>
+            <a:r>
+              <a:rPr lang="en-US" dirty="0" err="1" smtClean="0"/>
+              <a:t>bouger</a:t>
+            </a:r>
+            <a:r>
+              <a:rPr lang="en-US" dirty="0" smtClean="0"/>
+              <a:t>, etc</a:t>
+            </a:r>
+            <a:r>
+              <a:rPr lang="en-US" dirty="0"/>
+              <a:t>.</a:t>
             </a:r>
           </a:p>
         </p:txBody>
@@ -7140,7 +7169,7 @@
           <p:cNvPr id="3" name="Text Placeholder 2">
             <a:extLst>
               <a:ext uri="{FF2B5EF4-FFF2-40B4-BE49-F238E27FC236}">
-                <a16:creationId xmlns:a16="http://schemas.microsoft.com/office/drawing/2014/main" xmlns="" id="{8013265B-6882-42AD-B306-1AACB5831960}"/>
+                <a16:creationId xmlns="" xmlns:a16="http://schemas.microsoft.com/office/drawing/2014/main" id="{EBDB337E-4389-4B90-8B96-853A42017204}"/>
               </a:ext>
             </a:extLst>
           </p:cNvPr>
@@ -7177,7 +7206,7 @@
           <p:cNvPr id="4" name="Title 3">
             <a:extLst>
               <a:ext uri="{FF2B5EF4-FFF2-40B4-BE49-F238E27FC236}">
-                <a16:creationId xmlns:a16="http://schemas.microsoft.com/office/drawing/2014/main" xmlns="" id="{B58880D4-F928-4BAB-8F86-FB3A27D3AE1E}"/>
+                <a16:creationId xmlns="" xmlns:a16="http://schemas.microsoft.com/office/drawing/2014/main" id="{F9ED67B2-9414-4565-B91A-5A6339FF2E1B}"/>
               </a:ext>
             </a:extLst>
           </p:cNvPr>
@@ -7195,50 +7224,28 @@
           <a:p>
             <a:r>
               <a:rPr lang="fr-FR" dirty="0"/>
-              <a:t>Product </a:t>
+              <a:t>Project </a:t>
+            </a:r>
+            <a:r>
+              <a:rPr lang="fr-FR" dirty="0" err="1"/>
+              <a:t>Tasks</a:t>
+            </a:r>
+            <a:r>
+              <a:rPr lang="fr-FR" dirty="0"/>
+              <a:t> </a:t>
             </a:r>
             <a:r>
               <a:rPr lang="fr-FR" dirty="0" smtClean="0"/>
-              <a:t>Planning [1/3]</a:t>
+              <a:t>[4/4]</a:t>
             </a:r>
             <a:endParaRPr lang="en-US" dirty="0"/>
           </a:p>
         </p:txBody>
       </p:sp>
-      <p:pic>
-        <p:nvPicPr>
-          <p:cNvPr id="7" name="Image 6"/>
-          <p:cNvPicPr>
-            <a:picLocks noChangeAspect="1"/>
-          </p:cNvPicPr>
-          <p:nvPr/>
-        </p:nvPicPr>
-        <p:blipFill>
-          <a:blip r:embed="rId2">
-            <a:extLst>
-              <a:ext uri="{28A0092B-C50C-407E-A947-70E740481C1C}">
-                <a14:useLocalDpi xmlns:a14="http://schemas.microsoft.com/office/drawing/2010/main" val="0"/>
-              </a:ext>
-            </a:extLst>
-          </a:blip>
-          <a:stretch>
-            <a:fillRect/>
-          </a:stretch>
-        </p:blipFill>
-        <p:spPr>
-          <a:xfrm>
-            <a:off x="4655840" y="1303095"/>
-            <a:ext cx="7322575" cy="5033054"/>
-          </a:xfrm>
-          <a:prstGeom prst="rect">
-            <a:avLst/>
-          </a:prstGeom>
-        </p:spPr>
-      </p:pic>
     </p:spTree>
     <p:extLst>
       <p:ext uri="{BB962C8B-B14F-4D97-AF65-F5344CB8AC3E}">
-        <p14:creationId xmlns:p14="http://schemas.microsoft.com/office/powerpoint/2010/main" val="663379577"/>
+        <p14:creationId xmlns:p14="http://schemas.microsoft.com/office/powerpoint/2010/main" val="3411312211"/>
       </p:ext>
     </p:extLst>
   </p:cSld>
@@ -7270,7 +7277,7 @@
           <p:cNvPr id="2" name="Text Placeholder 1">
             <a:extLst>
               <a:ext uri="{FF2B5EF4-FFF2-40B4-BE49-F238E27FC236}">
-                <a16:creationId xmlns:a16="http://schemas.microsoft.com/office/drawing/2014/main" xmlns="" id="{62737593-5087-4FE7-BE7B-97290A8959AA}"/>
+                <a16:creationId xmlns="" xmlns:a16="http://schemas.microsoft.com/office/drawing/2014/main" id="{62737593-5087-4FE7-BE7B-97290A8959AA}"/>
               </a:ext>
             </a:extLst>
           </p:cNvPr>
@@ -7328,7 +7335,15 @@
             </a:r>
             <a:r>
               <a:rPr lang="fr-FR" dirty="0"/>
-              <a:t> sur la création de l’application mobile.</a:t>
+              <a:t> sur la création de l’application </a:t>
+            </a:r>
+            <a:r>
+              <a:rPr lang="fr-FR" dirty="0" smtClean="0"/>
+              <a:t>web/mobile</a:t>
+            </a:r>
+            <a:r>
+              <a:rPr lang="fr-FR" dirty="0"/>
+              <a:t>.</a:t>
             </a:r>
           </a:p>
           <a:p>
@@ -7345,8 +7360,29 @@
             </a:r>
             <a:r>
               <a:rPr lang="fr-FR" dirty="0"/>
-              <a:t> sur la finalisation de l’application et sur la mise en place des accès à distance aux fonctionnalités.</a:t>
-            </a:r>
+              <a:t> sur la finalisation de l’application et sur la mise en place des accès à distance aux </a:t>
+            </a:r>
+            <a:r>
+              <a:rPr lang="fr-FR" dirty="0" smtClean="0"/>
+              <a:t>fonctionnalités (serveur distant avec </a:t>
+            </a:r>
+            <a:r>
+              <a:rPr lang="fr-FR" dirty="0" err="1" smtClean="0"/>
+              <a:t>thingsboard</a:t>
+            </a:r>
+            <a:r>
+              <a:rPr lang="fr-FR" dirty="0" smtClean="0"/>
+              <a:t> et </a:t>
+            </a:r>
+            <a:r>
+              <a:rPr lang="fr-FR" dirty="0" err="1" smtClean="0"/>
+              <a:t>node-red</a:t>
+            </a:r>
+            <a:r>
+              <a:rPr lang="fr-FR" dirty="0" smtClean="0"/>
+              <a:t>).</a:t>
+            </a:r>
+            <a:endParaRPr lang="fr-FR" dirty="0"/>
           </a:p>
         </p:txBody>
       </p:sp>
@@ -7355,7 +7391,7 @@
           <p:cNvPr id="3" name="Text Placeholder 2">
             <a:extLst>
               <a:ext uri="{FF2B5EF4-FFF2-40B4-BE49-F238E27FC236}">
-                <a16:creationId xmlns:a16="http://schemas.microsoft.com/office/drawing/2014/main" xmlns="" id="{8013265B-6882-42AD-B306-1AACB5831960}"/>
+                <a16:creationId xmlns="" xmlns:a16="http://schemas.microsoft.com/office/drawing/2014/main" id="{8013265B-6882-42AD-B306-1AACB5831960}"/>
               </a:ext>
             </a:extLst>
           </p:cNvPr>
@@ -7392,7 +7428,7 @@
           <p:cNvPr id="4" name="Title 3">
             <a:extLst>
               <a:ext uri="{FF2B5EF4-FFF2-40B4-BE49-F238E27FC236}">
-                <a16:creationId xmlns:a16="http://schemas.microsoft.com/office/drawing/2014/main" xmlns="" id="{B58880D4-F928-4BAB-8F86-FB3A27D3AE1E}"/>
+                <a16:creationId xmlns="" xmlns:a16="http://schemas.microsoft.com/office/drawing/2014/main" id="{B58880D4-F928-4BAB-8F86-FB3A27D3AE1E}"/>
               </a:ext>
             </a:extLst>
           </p:cNvPr>
@@ -7463,7 +7499,7 @@
           <p:cNvPr id="2" name="Text Placeholder 1">
             <a:extLst>
               <a:ext uri="{FF2B5EF4-FFF2-40B4-BE49-F238E27FC236}">
-                <a16:creationId xmlns:a16="http://schemas.microsoft.com/office/drawing/2014/main" xmlns="" id="{62737593-5087-4FE7-BE7B-97290A8959AA}"/>
+                <a16:creationId xmlns="" xmlns:a16="http://schemas.microsoft.com/office/drawing/2014/main" id="{62737593-5087-4FE7-BE7B-97290A8959AA}"/>
               </a:ext>
             </a:extLst>
           </p:cNvPr>
@@ -7504,9 +7540,10 @@
               <a:t>etc</a:t>
             </a:r>
             <a:r>
-              <a:rPr lang="fr-FR" dirty="0"/>
-              <a:t>).</a:t>
-            </a:r>
+              <a:rPr lang="fr-FR" dirty="0" smtClean="0"/>
+              <a:t>) si le temps le permet.</a:t>
+            </a:r>
+            <a:endParaRPr lang="fr-FR" dirty="0"/>
           </a:p>
           <a:p>
             <a:endParaRPr lang="fr-FR" dirty="0"/>
@@ -7532,7 +7569,7 @@
           <p:cNvPr id="3" name="Text Placeholder 2">
             <a:extLst>
               <a:ext uri="{FF2B5EF4-FFF2-40B4-BE49-F238E27FC236}">
-                <a16:creationId xmlns:a16="http://schemas.microsoft.com/office/drawing/2014/main" xmlns="" id="{8013265B-6882-42AD-B306-1AACB5831960}"/>
+                <a16:creationId xmlns="" xmlns:a16="http://schemas.microsoft.com/office/drawing/2014/main" id="{8013265B-6882-42AD-B306-1AACB5831960}"/>
               </a:ext>
             </a:extLst>
           </p:cNvPr>
@@ -7569,7 +7606,7 @@
           <p:cNvPr id="4" name="Title 3">
             <a:extLst>
               <a:ext uri="{FF2B5EF4-FFF2-40B4-BE49-F238E27FC236}">
-                <a16:creationId xmlns:a16="http://schemas.microsoft.com/office/drawing/2014/main" xmlns="" id="{B58880D4-F928-4BAB-8F86-FB3A27D3AE1E}"/>
+                <a16:creationId xmlns="" xmlns:a16="http://schemas.microsoft.com/office/drawing/2014/main" id="{B58880D4-F928-4BAB-8F86-FB3A27D3AE1E}"/>
               </a:ext>
             </a:extLst>
           </p:cNvPr>
@@ -7632,7 +7669,7 @@
           <p:cNvPr id="2" name="Text Placeholder 1">
             <a:extLst>
               <a:ext uri="{FF2B5EF4-FFF2-40B4-BE49-F238E27FC236}">
-                <a16:creationId xmlns:a16="http://schemas.microsoft.com/office/drawing/2014/main" xmlns="" id="{576D1632-C889-465C-A567-CA185B1F9244}"/>
+                <a16:creationId xmlns="" xmlns:a16="http://schemas.microsoft.com/office/drawing/2014/main" id="{576D1632-C889-465C-A567-CA185B1F9244}"/>
               </a:ext>
             </a:extLst>
           </p:cNvPr>
@@ -7645,7 +7682,7 @@
         </p:nvSpPr>
         <p:spPr>
           <a:xfrm>
-            <a:off x="457030" y="1662237"/>
+            <a:off x="457030" y="1675016"/>
             <a:ext cx="10869084" cy="4226428"/>
           </a:xfrm>
         </p:spPr>
@@ -7654,49 +7691,181 @@
           <a:lstStyle/>
           <a:p>
             <a:r>
-              <a:rPr lang="fr-FR" sz="1800" dirty="0"/>
+              <a:rPr lang="fr-FR" sz="1600" dirty="0"/>
               <a:t>Ici nous allons détailler un petit peu notre projet, et faire quelques précisions.</a:t>
             </a:r>
           </a:p>
           <a:p>
-            <a:endParaRPr lang="fr-FR" sz="1800" dirty="0"/>
-          </a:p>
-          <a:p>
-            <a:r>
-              <a:rPr lang="fr-FR" sz="1800" dirty="0"/>
-              <a:t>Les technos utilisées seront du </a:t>
-            </a:r>
-            <a:r>
-              <a:rPr lang="fr-FR" sz="1800" dirty="0" err="1"/>
-              <a:t>Node</a:t>
-            </a:r>
-            <a:r>
-              <a:rPr lang="fr-FR" sz="1800" dirty="0"/>
-              <a:t>/C++/Docker/Mosquito pour la gestion du serveur et des sondes (comme vu en TP).</a:t>
-            </a:r>
-          </a:p>
-          <a:p>
-            <a:r>
-              <a:rPr lang="fr-FR" sz="1800" dirty="0"/>
-              <a:t>Concernant l’application mobile et le site web nous utiliseront </a:t>
-            </a:r>
-            <a:r>
-              <a:rPr lang="fr-FR" sz="1800" dirty="0" err="1"/>
+            <a:pPr marL="342900" indent="-342900">
+              <a:buFont typeface="Wingdings" panose="05000000000000000000" pitchFamily="2" charset="2"/>
+              <a:buChar char="Ø"/>
+            </a:pPr>
+            <a:endParaRPr lang="fr-FR" sz="1600" dirty="0"/>
+          </a:p>
+          <a:p>
+            <a:r>
+              <a:rPr lang="fr-FR" sz="1600" dirty="0"/>
+              <a:t>Les technos utilisées seront </a:t>
+            </a:r>
+            <a:r>
+              <a:rPr lang="fr-FR" sz="1600" dirty="0" smtClean="0"/>
+              <a:t>: </a:t>
+            </a:r>
+          </a:p>
+          <a:p>
+            <a:pPr marL="342900" indent="-342900">
+              <a:buFont typeface="Wingdings" panose="05000000000000000000" pitchFamily="2" charset="2"/>
+              <a:buChar char="Ø"/>
+            </a:pPr>
+            <a:endParaRPr lang="fr-FR" sz="1600" dirty="0"/>
+          </a:p>
+          <a:p>
+            <a:pPr marL="342900" indent="-342900">
+              <a:buFont typeface="Wingdings" panose="05000000000000000000" pitchFamily="2" charset="2"/>
+              <a:buChar char="Ø"/>
+            </a:pPr>
+            <a:r>
+              <a:rPr lang="fr-FR" sz="1600" dirty="0" smtClean="0"/>
+              <a:t>Du </a:t>
+            </a:r>
+            <a:r>
+              <a:rPr lang="fr-FR" sz="1600" dirty="0" err="1" smtClean="0"/>
+              <a:t>Node-red</a:t>
+            </a:r>
+            <a:r>
+              <a:rPr lang="fr-FR" sz="1600" dirty="0" smtClean="0"/>
+              <a:t>/Docker/Mosquito/</a:t>
+            </a:r>
+            <a:r>
+              <a:rPr lang="fr-FR" sz="1600" dirty="0" err="1" smtClean="0"/>
+              <a:t>MongoDB</a:t>
+            </a:r>
+            <a:r>
+              <a:rPr lang="fr-FR" sz="1600" dirty="0" smtClean="0"/>
+              <a:t>/</a:t>
+            </a:r>
+            <a:r>
+              <a:rPr lang="fr-FR" sz="1600" dirty="0" err="1" smtClean="0"/>
+              <a:t>ThingsBoard</a:t>
+            </a:r>
+            <a:r>
+              <a:rPr lang="fr-FR" sz="1600" dirty="0" smtClean="0"/>
+              <a:t> </a:t>
+            </a:r>
+            <a:r>
+              <a:rPr lang="fr-FR" sz="1600" dirty="0"/>
+              <a:t>pour la gestion du </a:t>
+            </a:r>
+            <a:r>
+              <a:rPr lang="fr-FR" sz="1600" dirty="0" smtClean="0"/>
+              <a:t>serveur, de sa base de données et du </a:t>
+            </a:r>
+            <a:r>
+              <a:rPr lang="fr-FR" sz="1600" dirty="0" err="1" smtClean="0"/>
+              <a:t>dashboard</a:t>
+            </a:r>
+            <a:r>
+              <a:rPr lang="fr-FR" sz="1600" dirty="0" smtClean="0"/>
+              <a:t>. Afin de pouvoir communiquer en HTTP avec les clients et en MQTT avec la </a:t>
+            </a:r>
+            <a:r>
+              <a:rPr lang="fr-FR" sz="1600" dirty="0" err="1" smtClean="0"/>
+              <a:t>gateway</a:t>
+            </a:r>
+            <a:r>
+              <a:rPr lang="fr-FR" sz="1600" dirty="0" smtClean="0"/>
+              <a:t>.</a:t>
+            </a:r>
+          </a:p>
+          <a:p>
+            <a:pPr marL="342900" indent="-342900">
+              <a:buFont typeface="Wingdings" panose="05000000000000000000" pitchFamily="2" charset="2"/>
+              <a:buChar char="Ø"/>
+            </a:pPr>
+            <a:endParaRPr lang="fr-FR" sz="1600" dirty="0"/>
+          </a:p>
+          <a:p>
+            <a:pPr marL="342900" indent="-342900">
+              <a:buFont typeface="Wingdings" panose="05000000000000000000" pitchFamily="2" charset="2"/>
+              <a:buChar char="Ø"/>
+            </a:pPr>
+            <a:r>
+              <a:rPr lang="fr-FR" sz="1600" dirty="0" smtClean="0"/>
+              <a:t>Concernant </a:t>
+            </a:r>
+            <a:r>
+              <a:rPr lang="fr-FR" sz="1600" dirty="0"/>
+              <a:t>l’application mobile et le site web nous utiliseront </a:t>
+            </a:r>
+            <a:r>
+              <a:rPr lang="fr-FR" sz="1600" dirty="0" err="1"/>
               <a:t>Ionic</a:t>
             </a:r>
             <a:r>
-              <a:rPr lang="fr-FR" sz="1800" dirty="0"/>
-              <a:t>, cela nous permettra de développer une seule fois l’application tout en la rendant compatible PC et Mobile, vu que nous n’aurons pas besoin de fonctions natives poussées dans notre appli cela couvrira parfaitement notre besoin.</a:t>
-            </a:r>
-          </a:p>
-          <a:p>
-            <a:endParaRPr lang="fr-FR" sz="1800" dirty="0"/>
-          </a:p>
-          <a:p>
-            <a:r>
-              <a:rPr lang="fr-FR" sz="1800" dirty="0"/>
-              <a:t>Quant au projet en lui même, le robot ne possède pas de sondes de luminosité, nous nous adapteront en utilisant la sonde de chaleur pour les démonstrations. Mais dans une version “finalisée” il nous faudrait bien sûr deux sondes de luminosités, Même chose pour l’arrosage, nous n’avons pas de hardware adapté, nous nous contenteront de faire d’autres actions motrices lorsque l’ont testera “l’arrosage” dans le cadre du cours.</a:t>
-            </a:r>
+              <a:rPr lang="fr-FR" sz="1600" dirty="0"/>
+              <a:t>, cela nous permettra de développer une seule fois l’application tout en la rendant compatible PC et </a:t>
+            </a:r>
+            <a:r>
+              <a:rPr lang="fr-FR" sz="1600" dirty="0" smtClean="0"/>
+              <a:t>Mobile. Cette applic</a:t>
+            </a:r>
+            <a:r>
+              <a:rPr lang="fr-FR" sz="1600" dirty="0" smtClean="0"/>
+              <a:t>ation permettra d’accéder à un </a:t>
+            </a:r>
+            <a:r>
+              <a:rPr lang="fr-FR" sz="1600" dirty="0" err="1" smtClean="0"/>
+              <a:t>ThingsBoard</a:t>
+            </a:r>
+            <a:r>
+              <a:rPr lang="fr-FR" sz="1600" dirty="0" smtClean="0"/>
+              <a:t> dédié, et donc aux différentes données récoltées ainsi qu’aux actions manuelles utilisables par le client (déplacement, arrosage).</a:t>
+            </a:r>
+          </a:p>
+          <a:p>
+            <a:pPr marL="342900" indent="-342900">
+              <a:buFont typeface="Wingdings" panose="05000000000000000000" pitchFamily="2" charset="2"/>
+              <a:buChar char="Ø"/>
+            </a:pPr>
+            <a:endParaRPr lang="fr-FR" sz="1600" dirty="0"/>
+          </a:p>
+          <a:p>
+            <a:pPr marL="342900" indent="-342900">
+              <a:buFont typeface="Wingdings" panose="05000000000000000000" pitchFamily="2" charset="2"/>
+              <a:buChar char="Ø"/>
+            </a:pPr>
+            <a:r>
+              <a:rPr lang="fr-FR" sz="1600" dirty="0" smtClean="0"/>
+              <a:t>Enfin pour le robot et la </a:t>
+            </a:r>
+            <a:r>
+              <a:rPr lang="fr-FR" sz="1600" dirty="0" err="1" smtClean="0"/>
+              <a:t>gateway</a:t>
+            </a:r>
+            <a:r>
+              <a:rPr lang="fr-FR" sz="1600" dirty="0" smtClean="0"/>
+              <a:t>, nous utiliseront du C++ pour le programmer, du BLE pour les faire communiquer, et </a:t>
+            </a:r>
+            <a:r>
+              <a:rPr lang="fr-FR" sz="1600" dirty="0" err="1" smtClean="0"/>
+              <a:t>node-red</a:t>
+            </a:r>
+            <a:r>
+              <a:rPr lang="fr-FR" sz="1600" dirty="0" smtClean="0"/>
+              <a:t> sur la </a:t>
+            </a:r>
+            <a:r>
+              <a:rPr lang="fr-FR" sz="1600" dirty="0" err="1" smtClean="0"/>
+              <a:t>gateway</a:t>
+            </a:r>
+            <a:r>
+              <a:rPr lang="fr-FR" sz="1600" dirty="0" smtClean="0"/>
+              <a:t> pour envoyer des infos au serveur et en recevoir.</a:t>
+            </a:r>
+            <a:br>
+              <a:rPr lang="fr-FR" sz="1600" dirty="0" smtClean="0"/>
+            </a:br>
+            <a:endParaRPr lang="fr-FR" sz="1600" dirty="0" smtClean="0"/>
           </a:p>
         </p:txBody>
       </p:sp>
@@ -7705,7 +7874,7 @@
           <p:cNvPr id="3" name="Text Placeholder 2">
             <a:extLst>
               <a:ext uri="{FF2B5EF4-FFF2-40B4-BE49-F238E27FC236}">
-                <a16:creationId xmlns:a16="http://schemas.microsoft.com/office/drawing/2014/main" xmlns="" id="{3CE1B846-8A60-40E5-B39B-A284E2BB3899}"/>
+                <a16:creationId xmlns="" xmlns:a16="http://schemas.microsoft.com/office/drawing/2014/main" id="{3CE1B846-8A60-40E5-B39B-A284E2BB3899}"/>
               </a:ext>
             </a:extLst>
           </p:cNvPr>
@@ -7742,9 +7911,10 @@
               <a:t>projet</a:t>
             </a:r>
             <a:r>
-              <a:rPr lang="en-US" dirty="0"/>
+              <a:rPr lang="en-US" dirty="0" smtClean="0"/>
               <a:t>.</a:t>
             </a:r>
+            <a:endParaRPr lang="en-US" dirty="0"/>
           </a:p>
         </p:txBody>
       </p:sp>
@@ -7753,7 +7923,7 @@
           <p:cNvPr id="4" name="Title 3">
             <a:extLst>
               <a:ext uri="{FF2B5EF4-FFF2-40B4-BE49-F238E27FC236}">
-                <a16:creationId xmlns:a16="http://schemas.microsoft.com/office/drawing/2014/main" xmlns="" id="{09ACD31A-B87D-43FD-8A7E-250C3FD8A9B0}"/>
+                <a16:creationId xmlns="" xmlns:a16="http://schemas.microsoft.com/office/drawing/2014/main" id="{09ACD31A-B87D-43FD-8A7E-250C3FD8A9B0}"/>
               </a:ext>
             </a:extLst>
           </p:cNvPr>
@@ -7770,8 +7940,12 @@
           <a:lstStyle/>
           <a:p>
             <a:r>
-              <a:rPr lang="fr-FR" dirty="0" err="1"/>
+              <a:rPr lang="fr-FR" dirty="0" err="1" smtClean="0"/>
               <a:t>Other</a:t>
+            </a:r>
+            <a:r>
+              <a:rPr lang="fr-FR" dirty="0" smtClean="0"/>
+              <a:t> [1/2]</a:t>
             </a:r>
             <a:endParaRPr lang="en-US" dirty="0"/>
           </a:p>
@@ -7781,6 +7955,169 @@
     <p:extLst>
       <p:ext uri="{BB962C8B-B14F-4D97-AF65-F5344CB8AC3E}">
         <p14:creationId xmlns:p14="http://schemas.microsoft.com/office/powerpoint/2010/main" val="746264035"/>
+      </p:ext>
+    </p:extLst>
+  </p:cSld>
+  <p:clrMapOvr>
+    <a:masterClrMapping/>
+  </p:clrMapOvr>
+</p:sld>
+</file>
+
+<file path=ppt/slides/slide16.xml><?xml version="1.0" encoding="utf-8"?>
+<p:sld xmlns:a="http://schemas.openxmlformats.org/drawingml/2006/main" xmlns:r="http://schemas.openxmlformats.org/officeDocument/2006/relationships" xmlns:p="http://schemas.openxmlformats.org/presentationml/2006/main">
+  <p:cSld>
+    <p:spTree>
+      <p:nvGrpSpPr>
+        <p:cNvPr id="1" name=""/>
+        <p:cNvGrpSpPr/>
+        <p:nvPr/>
+      </p:nvGrpSpPr>
+      <p:grpSpPr>
+        <a:xfrm>
+          <a:off x="0" y="0"/>
+          <a:ext cx="0" cy="0"/>
+          <a:chOff x="0" y="0"/>
+          <a:chExt cx="0" cy="0"/>
+        </a:xfrm>
+      </p:grpSpPr>
+      <p:sp>
+        <p:nvSpPr>
+          <p:cNvPr id="2" name="Text Placeholder 1">
+            <a:extLst>
+              <a:ext uri="{FF2B5EF4-FFF2-40B4-BE49-F238E27FC236}">
+                <a16:creationId xmlns="" xmlns:a16="http://schemas.microsoft.com/office/drawing/2014/main" id="{576D1632-C889-465C-A567-CA185B1F9244}"/>
+              </a:ext>
+            </a:extLst>
+          </p:cNvPr>
+          <p:cNvSpPr>
+            <a:spLocks noGrp="1"/>
+          </p:cNvSpPr>
+          <p:nvPr>
+            <p:ph type="body" idx="1"/>
+          </p:nvPr>
+        </p:nvSpPr>
+        <p:spPr>
+          <a:xfrm>
+            <a:off x="457030" y="2276872"/>
+            <a:ext cx="10869084" cy="4226428"/>
+          </a:xfrm>
+        </p:spPr>
+        <p:txBody>
+          <a:bodyPr/>
+          <a:lstStyle/>
+          <a:p>
+            <a:r>
+              <a:rPr lang="fr-FR" sz="1600" dirty="0" smtClean="0"/>
+              <a:t>Concernant le </a:t>
+            </a:r>
+            <a:r>
+              <a:rPr lang="fr-FR" sz="1600" dirty="0"/>
+              <a:t>projet en lui même, le robot ne possède pas de sondes de luminosité, nous nous adapteront en utilisant la sonde de chaleur pour les démonstrations. Mais dans une version “finalisée” il nous faudrait bien sûr deux sondes de luminosités, Même chose pour l’arrosage, nous n’avons pas de hardware adapté, nous nous contenteront de faire d’autres actions motrices lorsque l’ont testera “l’arrosage” dans le cadre du cours.</a:t>
+            </a:r>
+          </a:p>
+          <a:p>
+            <a:pPr marL="285750" indent="-285750">
+              <a:buFontTx/>
+              <a:buChar char="-"/>
+            </a:pPr>
+            <a:r>
+              <a:rPr lang="fr-FR" sz="1600" dirty="0" smtClean="0"/>
+              <a:t/>
+            </a:r>
+            <a:br>
+              <a:rPr lang="fr-FR" sz="1600" dirty="0" smtClean="0"/>
+            </a:br>
+            <a:endParaRPr lang="fr-FR" sz="1600" dirty="0" smtClean="0"/>
+          </a:p>
+        </p:txBody>
+      </p:sp>
+      <p:sp>
+        <p:nvSpPr>
+          <p:cNvPr id="3" name="Text Placeholder 2">
+            <a:extLst>
+              <a:ext uri="{FF2B5EF4-FFF2-40B4-BE49-F238E27FC236}">
+                <a16:creationId xmlns="" xmlns:a16="http://schemas.microsoft.com/office/drawing/2014/main" id="{3CE1B846-8A60-40E5-B39B-A284E2BB3899}"/>
+              </a:ext>
+            </a:extLst>
+          </p:cNvPr>
+          <p:cNvSpPr>
+            <a:spLocks noGrp="1"/>
+          </p:cNvSpPr>
+          <p:nvPr>
+            <p:ph type="body" sz="quarter" idx="12"/>
+          </p:nvPr>
+        </p:nvSpPr>
+        <p:spPr/>
+        <p:txBody>
+          <a:bodyPr/>
+          <a:lstStyle/>
+          <a:p>
+            <a:r>
+              <a:rPr lang="en-US" dirty="0" err="1"/>
+              <a:t>C</a:t>
+            </a:r>
+            <a:r>
+              <a:rPr lang="en-US" dirty="0" err="1" smtClean="0"/>
+              <a:t>oncernant</a:t>
+            </a:r>
+            <a:r>
+              <a:rPr lang="en-US" dirty="0" smtClean="0"/>
+              <a:t> </a:t>
+            </a:r>
+            <a:r>
+              <a:rPr lang="en-US" dirty="0" smtClean="0"/>
+              <a:t>le </a:t>
+            </a:r>
+            <a:r>
+              <a:rPr lang="en-US" dirty="0" err="1" smtClean="0"/>
+              <a:t>projet</a:t>
+            </a:r>
+            <a:r>
+              <a:rPr lang="en-US" dirty="0" smtClean="0"/>
+              <a:t>.</a:t>
+            </a:r>
+            <a:endParaRPr lang="en-US" dirty="0"/>
+          </a:p>
+        </p:txBody>
+      </p:sp>
+      <p:sp>
+        <p:nvSpPr>
+          <p:cNvPr id="4" name="Title 3">
+            <a:extLst>
+              <a:ext uri="{FF2B5EF4-FFF2-40B4-BE49-F238E27FC236}">
+                <a16:creationId xmlns="" xmlns:a16="http://schemas.microsoft.com/office/drawing/2014/main" id="{09ACD31A-B87D-43FD-8A7E-250C3FD8A9B0}"/>
+              </a:ext>
+            </a:extLst>
+          </p:cNvPr>
+          <p:cNvSpPr>
+            <a:spLocks noGrp="1"/>
+          </p:cNvSpPr>
+          <p:nvPr>
+            <p:ph type="title"/>
+          </p:nvPr>
+        </p:nvSpPr>
+        <p:spPr/>
+        <p:txBody>
+          <a:bodyPr/>
+          <a:lstStyle/>
+          <a:p>
+            <a:r>
+              <a:rPr lang="fr-FR" dirty="0" err="1" smtClean="0"/>
+              <a:t>Other</a:t>
+            </a:r>
+            <a:r>
+              <a:rPr lang="fr-FR" dirty="0" smtClean="0"/>
+              <a:t> [2/2]</a:t>
+            </a:r>
+            <a:endParaRPr lang="en-US" dirty="0"/>
+          </a:p>
+        </p:txBody>
+      </p:sp>
+    </p:spTree>
+    <p:extLst>
+      <p:ext uri="{BB962C8B-B14F-4D97-AF65-F5344CB8AC3E}">
+        <p14:creationId xmlns:p14="http://schemas.microsoft.com/office/powerpoint/2010/main" val="1374078651"/>
       </p:ext>
     </p:extLst>
   </p:cSld>
@@ -7812,7 +8149,7 @@
           <p:cNvPr id="2" name="Text Placeholder 1">
             <a:extLst>
               <a:ext uri="{FF2B5EF4-FFF2-40B4-BE49-F238E27FC236}">
-                <a16:creationId xmlns:a16="http://schemas.microsoft.com/office/drawing/2014/main" xmlns="" id="{57618B06-C8A8-4469-855E-61B392DFFAFC}"/>
+                <a16:creationId xmlns="" xmlns:a16="http://schemas.microsoft.com/office/drawing/2014/main" id="{57618B06-C8A8-4469-855E-61B392DFFAFC}"/>
               </a:ext>
             </a:extLst>
           </p:cNvPr>
@@ -7864,7 +8201,7 @@
           <p:cNvPr id="4" name="Title 3">
             <a:extLst>
               <a:ext uri="{FF2B5EF4-FFF2-40B4-BE49-F238E27FC236}">
-                <a16:creationId xmlns:a16="http://schemas.microsoft.com/office/drawing/2014/main" xmlns="" id="{A8E00CF9-B64D-475E-8EFD-166477C1CA41}"/>
+                <a16:creationId xmlns="" xmlns:a16="http://schemas.microsoft.com/office/drawing/2014/main" id="{A8E00CF9-B64D-475E-8EFD-166477C1CA41}"/>
               </a:ext>
             </a:extLst>
           </p:cNvPr>
@@ -7931,7 +8268,7 @@
           <p:cNvPr id="2" name="Text Placeholder 1">
             <a:extLst>
               <a:ext uri="{FF2B5EF4-FFF2-40B4-BE49-F238E27FC236}">
-                <a16:creationId xmlns:a16="http://schemas.microsoft.com/office/drawing/2014/main" xmlns="" id="{826A09AA-0F31-4462-9395-565580C8D524}"/>
+                <a16:creationId xmlns="" xmlns:a16="http://schemas.microsoft.com/office/drawing/2014/main" id="{826A09AA-0F31-4462-9395-565580C8D524}"/>
               </a:ext>
             </a:extLst>
           </p:cNvPr>
@@ -7976,7 +8313,7 @@
           <p:cNvPr id="3" name="Text Placeholder 2">
             <a:extLst>
               <a:ext uri="{FF2B5EF4-FFF2-40B4-BE49-F238E27FC236}">
-                <a16:creationId xmlns:a16="http://schemas.microsoft.com/office/drawing/2014/main" xmlns="" id="{5DCD3969-F3F4-474C-BFD9-B9942D360873}"/>
+                <a16:creationId xmlns="" xmlns:a16="http://schemas.microsoft.com/office/drawing/2014/main" id="{5DCD3969-F3F4-474C-BFD9-B9942D360873}"/>
               </a:ext>
             </a:extLst>
           </p:cNvPr>
@@ -8001,7 +8338,7 @@
           <p:cNvPr id="4" name="Title 3">
             <a:extLst>
               <a:ext uri="{FF2B5EF4-FFF2-40B4-BE49-F238E27FC236}">
-                <a16:creationId xmlns:a16="http://schemas.microsoft.com/office/drawing/2014/main" xmlns="" id="{83DD17B1-6CB7-4354-8701-009D08BAB665}"/>
+                <a16:creationId xmlns="" xmlns:a16="http://schemas.microsoft.com/office/drawing/2014/main" id="{83DD17B1-6CB7-4354-8701-009D08BAB665}"/>
               </a:ext>
             </a:extLst>
           </p:cNvPr>
@@ -8088,7 +8425,7 @@
           <p:cNvPr id="3" name="Text Placeholder 2">
             <a:extLst>
               <a:ext uri="{FF2B5EF4-FFF2-40B4-BE49-F238E27FC236}">
-                <a16:creationId xmlns:a16="http://schemas.microsoft.com/office/drawing/2014/main" xmlns="" id="{5DCD3969-F3F4-474C-BFD9-B9942D360873}"/>
+                <a16:creationId xmlns="" xmlns:a16="http://schemas.microsoft.com/office/drawing/2014/main" id="{5DCD3969-F3F4-474C-BFD9-B9942D360873}"/>
               </a:ext>
             </a:extLst>
           </p:cNvPr>
@@ -8125,7 +8462,7 @@
           <p:cNvPr id="4" name="Title 3">
             <a:extLst>
               <a:ext uri="{FF2B5EF4-FFF2-40B4-BE49-F238E27FC236}">
-                <a16:creationId xmlns:a16="http://schemas.microsoft.com/office/drawing/2014/main" xmlns="" id="{83DD17B1-6CB7-4354-8701-009D08BAB665}"/>
+                <a16:creationId xmlns="" xmlns:a16="http://schemas.microsoft.com/office/drawing/2014/main" id="{83DD17B1-6CB7-4354-8701-009D08BAB665}"/>
               </a:ext>
             </a:extLst>
           </p:cNvPr>
@@ -8229,7 +8566,7 @@
           <p:cNvPr id="2" name="Text Placeholder 1">
             <a:extLst>
               <a:ext uri="{FF2B5EF4-FFF2-40B4-BE49-F238E27FC236}">
-                <a16:creationId xmlns:a16="http://schemas.microsoft.com/office/drawing/2014/main" xmlns="" id="{6A753048-6BD6-4745-A479-DBAD34CB3216}"/>
+                <a16:creationId xmlns="" xmlns:a16="http://schemas.microsoft.com/office/drawing/2014/main" id="{6A753048-6BD6-4745-A479-DBAD34CB3216}"/>
               </a:ext>
             </a:extLst>
           </p:cNvPr>
@@ -8272,7 +8609,7 @@
           <p:cNvPr id="3" name="Text Placeholder 2">
             <a:extLst>
               <a:ext uri="{FF2B5EF4-FFF2-40B4-BE49-F238E27FC236}">
-                <a16:creationId xmlns:a16="http://schemas.microsoft.com/office/drawing/2014/main" xmlns="" id="{B5A8B3F6-F49D-4359-9E12-3F0C089B2E23}"/>
+                <a16:creationId xmlns="" xmlns:a16="http://schemas.microsoft.com/office/drawing/2014/main" id="{B5A8B3F6-F49D-4359-9E12-3F0C089B2E23}"/>
               </a:ext>
             </a:extLst>
           </p:cNvPr>
@@ -8309,7 +8646,7 @@
           <p:cNvPr id="4" name="Title 3">
             <a:extLst>
               <a:ext uri="{FF2B5EF4-FFF2-40B4-BE49-F238E27FC236}">
-                <a16:creationId xmlns:a16="http://schemas.microsoft.com/office/drawing/2014/main" xmlns="" id="{9E541666-6E26-4F40-A926-D9E557AF3D4F}"/>
+                <a16:creationId xmlns="" xmlns:a16="http://schemas.microsoft.com/office/drawing/2014/main" id="{9E541666-6E26-4F40-A926-D9E557AF3D4F}"/>
               </a:ext>
             </a:extLst>
           </p:cNvPr>
@@ -8372,7 +8709,7 @@
           <p:cNvPr id="2" name="Text Placeholder 1">
             <a:extLst>
               <a:ext uri="{FF2B5EF4-FFF2-40B4-BE49-F238E27FC236}">
-                <a16:creationId xmlns:a16="http://schemas.microsoft.com/office/drawing/2014/main" xmlns="" id="{6A753048-6BD6-4745-A479-DBAD34CB3216}"/>
+                <a16:creationId xmlns="" xmlns:a16="http://schemas.microsoft.com/office/drawing/2014/main" id="{6A753048-6BD6-4745-A479-DBAD34CB3216}"/>
               </a:ext>
             </a:extLst>
           </p:cNvPr>
@@ -8425,7 +8762,7 @@
           <p:cNvPr id="3" name="Text Placeholder 2">
             <a:extLst>
               <a:ext uri="{FF2B5EF4-FFF2-40B4-BE49-F238E27FC236}">
-                <a16:creationId xmlns:a16="http://schemas.microsoft.com/office/drawing/2014/main" xmlns="" id="{B5A8B3F6-F49D-4359-9E12-3F0C089B2E23}"/>
+                <a16:creationId xmlns="" xmlns:a16="http://schemas.microsoft.com/office/drawing/2014/main" id="{B5A8B3F6-F49D-4359-9E12-3F0C089B2E23}"/>
               </a:ext>
             </a:extLst>
           </p:cNvPr>
@@ -8462,7 +8799,7 @@
           <p:cNvPr id="4" name="Title 3">
             <a:extLst>
               <a:ext uri="{FF2B5EF4-FFF2-40B4-BE49-F238E27FC236}">
-                <a16:creationId xmlns:a16="http://schemas.microsoft.com/office/drawing/2014/main" xmlns="" id="{9E541666-6E26-4F40-A926-D9E557AF3D4F}"/>
+                <a16:creationId xmlns="" xmlns:a16="http://schemas.microsoft.com/office/drawing/2014/main" id="{9E541666-6E26-4F40-A926-D9E557AF3D4F}"/>
               </a:ext>
             </a:extLst>
           </p:cNvPr>
@@ -8525,7 +8862,7 @@
           <p:cNvPr id="2" name="Text Placeholder 1">
             <a:extLst>
               <a:ext uri="{FF2B5EF4-FFF2-40B4-BE49-F238E27FC236}">
-                <a16:creationId xmlns:a16="http://schemas.microsoft.com/office/drawing/2014/main" xmlns="" id="{B6F8AC67-6D9C-47B0-9C78-55034137C6E3}"/>
+                <a16:creationId xmlns="" xmlns:a16="http://schemas.microsoft.com/office/drawing/2014/main" id="{B6F8AC67-6D9C-47B0-9C78-55034137C6E3}"/>
               </a:ext>
             </a:extLst>
           </p:cNvPr>
@@ -8556,7 +8893,7 @@
           <p:cNvPr id="3" name="Text Placeholder 2">
             <a:extLst>
               <a:ext uri="{FF2B5EF4-FFF2-40B4-BE49-F238E27FC236}">
-                <a16:creationId xmlns:a16="http://schemas.microsoft.com/office/drawing/2014/main" xmlns="" id="{597D0BC2-3189-4626-BEAD-D450511C8E15}"/>
+                <a16:creationId xmlns="" xmlns:a16="http://schemas.microsoft.com/office/drawing/2014/main" id="{597D0BC2-3189-4626-BEAD-D450511C8E15}"/>
               </a:ext>
             </a:extLst>
           </p:cNvPr>
@@ -8593,7 +8930,7 @@
           <p:cNvPr id="4" name="Title 3">
             <a:extLst>
               <a:ext uri="{FF2B5EF4-FFF2-40B4-BE49-F238E27FC236}">
-                <a16:creationId xmlns:a16="http://schemas.microsoft.com/office/drawing/2014/main" xmlns="" id="{814F351C-F6DB-43DC-AD1C-1759C3C5EC88}"/>
+                <a16:creationId xmlns="" xmlns:a16="http://schemas.microsoft.com/office/drawing/2014/main" id="{814F351C-F6DB-43DC-AD1C-1759C3C5EC88}"/>
               </a:ext>
             </a:extLst>
           </p:cNvPr>
@@ -8697,7 +9034,7 @@
           <p:cNvPr id="2" name="Text Placeholder 1">
             <a:extLst>
               <a:ext uri="{FF2B5EF4-FFF2-40B4-BE49-F238E27FC236}">
-                <a16:creationId xmlns:a16="http://schemas.microsoft.com/office/drawing/2014/main" xmlns="" id="{B6F8AC67-6D9C-47B0-9C78-55034137C6E3}"/>
+                <a16:creationId xmlns="" xmlns:a16="http://schemas.microsoft.com/office/drawing/2014/main" id="{B6F8AC67-6D9C-47B0-9C78-55034137C6E3}"/>
               </a:ext>
             </a:extLst>
           </p:cNvPr>
@@ -8728,7 +9065,7 @@
           <p:cNvPr id="3" name="Text Placeholder 2">
             <a:extLst>
               <a:ext uri="{FF2B5EF4-FFF2-40B4-BE49-F238E27FC236}">
-                <a16:creationId xmlns:a16="http://schemas.microsoft.com/office/drawing/2014/main" xmlns="" id="{597D0BC2-3189-4626-BEAD-D450511C8E15}"/>
+                <a16:creationId xmlns="" xmlns:a16="http://schemas.microsoft.com/office/drawing/2014/main" id="{597D0BC2-3189-4626-BEAD-D450511C8E15}"/>
               </a:ext>
             </a:extLst>
           </p:cNvPr>
@@ -8765,7 +9102,7 @@
           <p:cNvPr id="4" name="Title 3">
             <a:extLst>
               <a:ext uri="{FF2B5EF4-FFF2-40B4-BE49-F238E27FC236}">
-                <a16:creationId xmlns:a16="http://schemas.microsoft.com/office/drawing/2014/main" xmlns="" id="{814F351C-F6DB-43DC-AD1C-1759C3C5EC88}"/>
+                <a16:creationId xmlns="" xmlns:a16="http://schemas.microsoft.com/office/drawing/2014/main" id="{814F351C-F6DB-43DC-AD1C-1759C3C5EC88}"/>
               </a:ext>
             </a:extLst>
           </p:cNvPr>
@@ -8798,7 +9135,7 @@
           <p:cNvPr id="6" name="Text Placeholder 1">
             <a:extLst>
               <a:ext uri="{FF2B5EF4-FFF2-40B4-BE49-F238E27FC236}">
-                <a16:creationId xmlns:a16="http://schemas.microsoft.com/office/drawing/2014/main" xmlns="" id="{53DBDAB2-BE11-4B9D-85BC-5DE3D2A0A607}"/>
+                <a16:creationId xmlns="" xmlns:a16="http://schemas.microsoft.com/office/drawing/2014/main" id="{53DBDAB2-BE11-4B9D-85BC-5DE3D2A0A607}"/>
               </a:ext>
             </a:extLst>
           </p:cNvPr>
@@ -9055,7 +9392,23 @@
           <a:p>
             <a:r>
               <a:rPr lang="fr-FR" dirty="0"/>
-              <a:t>L’architecture sera la suivante :</a:t>
+              <a:t>L’architecture </a:t>
+            </a:r>
+            <a:r>
+              <a:rPr lang="fr-FR" dirty="0" smtClean="0"/>
+              <a:t>concrète, </a:t>
+            </a:r>
+            <a:r>
+              <a:rPr lang="fr-FR" dirty="0" smtClean="0"/>
+              <a:t>celle utilisée pour notre vrai prototype, </a:t>
+            </a:r>
+            <a:r>
+              <a:rPr lang="fr-FR" dirty="0" smtClean="0"/>
+              <a:t>sera </a:t>
+            </a:r>
+            <a:r>
+              <a:rPr lang="fr-FR" dirty="0"/>
+              <a:t>la suivante :</a:t>
             </a:r>
           </a:p>
           <a:p>
@@ -9129,7 +9482,7 @@
           <p:cNvPr id="2" name="Text Placeholder 1">
             <a:extLst>
               <a:ext uri="{FF2B5EF4-FFF2-40B4-BE49-F238E27FC236}">
-                <a16:creationId xmlns:a16="http://schemas.microsoft.com/office/drawing/2014/main" xmlns="" id="{53DBDAB2-BE11-4B9D-85BC-5DE3D2A0A607}"/>
+                <a16:creationId xmlns="" xmlns:a16="http://schemas.microsoft.com/office/drawing/2014/main" id="{62737593-5087-4FE7-BE7B-97290A8959AA}"/>
               </a:ext>
             </a:extLst>
           </p:cNvPr>
@@ -9142,8 +9495,8 @@
         </p:nvSpPr>
         <p:spPr>
           <a:xfrm>
-            <a:off x="447975" y="1929798"/>
-            <a:ext cx="10869084" cy="4226428"/>
+            <a:off x="457030" y="2182721"/>
+            <a:ext cx="4414834" cy="4226428"/>
           </a:xfrm>
         </p:spPr>
         <p:txBody>
@@ -9151,25 +9504,21 @@
           <a:lstStyle/>
           <a:p>
             <a:r>
-              <a:rPr lang="fr-FR" dirty="0"/>
-              <a:t>Nous détaillons ici que les grandes taches, à découper ensuite en plus petites fonctionnalités pour mieux se les répartir,</a:t>
-            </a:r>
-          </a:p>
-          <a:p>
-            <a:endParaRPr lang="fr-FR" dirty="0"/>
-          </a:p>
-          <a:p>
-            <a:r>
-              <a:rPr lang="fr-FR" dirty="0"/>
-              <a:t>Tâche 1 : Paramétrage de la Gateway et du robot, c’est à dire mettre en place tout l’environnement réseau pour que la </a:t>
-            </a:r>
-            <a:r>
-              <a:rPr lang="fr-FR" dirty="0" err="1"/>
-              <a:t>gateway</a:t>
-            </a:r>
-            <a:r>
-              <a:rPr lang="fr-FR" dirty="0"/>
-              <a:t> et le robot soient connectés, et que les informations transitent bien dans les deux sens sans problème.</a:t>
+              <a:rPr lang="fr-FR" dirty="0" smtClean="0"/>
+              <a:t>Tableau représentant les différentes US du projet, et leurs affectations.</a:t>
+            </a:r>
+          </a:p>
+          <a:p>
+            <a:endParaRPr lang="fr-FR" dirty="0" smtClean="0"/>
+          </a:p>
+          <a:p>
+            <a:r>
+              <a:rPr lang="fr-FR" dirty="0" smtClean="0"/>
+              <a:t>On peut voir la colonne « extension » qui correspond à ce qui sort du scope initial, c’est-à-dire ce qu’on fera uniquement si on en a le temps</a:t>
+            </a:r>
+            <a:r>
+              <a:rPr lang="fr-FR" dirty="0" smtClean="0"/>
+              <a:t>.</a:t>
             </a:r>
           </a:p>
         </p:txBody>
@@ -9179,7 +9528,7 @@
           <p:cNvPr id="3" name="Text Placeholder 2">
             <a:extLst>
               <a:ext uri="{FF2B5EF4-FFF2-40B4-BE49-F238E27FC236}">
-                <a16:creationId xmlns:a16="http://schemas.microsoft.com/office/drawing/2014/main" xmlns="" id="{EBDB337E-4389-4B90-8B96-853A42017204}"/>
+                <a16:creationId xmlns="" xmlns:a16="http://schemas.microsoft.com/office/drawing/2014/main" id="{8013265B-6882-42AD-B306-1AACB5831960}"/>
               </a:ext>
             </a:extLst>
           </p:cNvPr>
@@ -9216,7 +9565,7 @@
           <p:cNvPr id="4" name="Title 3">
             <a:extLst>
               <a:ext uri="{FF2B5EF4-FFF2-40B4-BE49-F238E27FC236}">
-                <a16:creationId xmlns:a16="http://schemas.microsoft.com/office/drawing/2014/main" xmlns="" id="{F9ED67B2-9414-4565-B91A-5A6339FF2E1B}"/>
+                <a16:creationId xmlns="" xmlns:a16="http://schemas.microsoft.com/office/drawing/2014/main" id="{B58880D4-F928-4BAB-8F86-FB3A27D3AE1E}"/>
               </a:ext>
             </a:extLst>
           </p:cNvPr>
@@ -9242,20 +9591,50 @@
             </a:r>
             <a:r>
               <a:rPr lang="fr-FR" dirty="0"/>
-              <a:t> [</a:t>
+              <a:t>[1/4</a:t>
             </a:r>
             <a:r>
               <a:rPr lang="fr-FR" dirty="0" smtClean="0"/>
-              <a:t>1/3]</a:t>
+              <a:t>]</a:t>
             </a:r>
             <a:endParaRPr lang="en-US" dirty="0"/>
           </a:p>
         </p:txBody>
       </p:sp>
+      <p:pic>
+        <p:nvPicPr>
+          <p:cNvPr id="7" name="Image 6"/>
+          <p:cNvPicPr>
+            <a:picLocks noChangeAspect="1"/>
+          </p:cNvPicPr>
+          <p:nvPr/>
+        </p:nvPicPr>
+        <p:blipFill>
+          <a:blip r:embed="rId2">
+            <a:extLst>
+              <a:ext uri="{28A0092B-C50C-407E-A947-70E740481C1C}">
+                <a14:useLocalDpi xmlns:a14="http://schemas.microsoft.com/office/drawing/2010/main" val="0"/>
+              </a:ext>
+            </a:extLst>
+          </a:blip>
+          <a:stretch>
+            <a:fillRect/>
+          </a:stretch>
+        </p:blipFill>
+        <p:spPr>
+          <a:xfrm>
+            <a:off x="4655840" y="1303095"/>
+            <a:ext cx="7322575" cy="5033054"/>
+          </a:xfrm>
+          <a:prstGeom prst="rect">
+            <a:avLst/>
+          </a:prstGeom>
+        </p:spPr>
+      </p:pic>
     </p:spTree>
     <p:extLst>
       <p:ext uri="{BB962C8B-B14F-4D97-AF65-F5344CB8AC3E}">
-        <p14:creationId xmlns:p14="http://schemas.microsoft.com/office/powerpoint/2010/main" val="1969407979"/>
+        <p14:creationId xmlns:p14="http://schemas.microsoft.com/office/powerpoint/2010/main" val="663379577"/>
       </p:ext>
     </p:extLst>
   </p:cSld>
